--- a/2022파이썬기초문법정리(220320,3-반복문까지).pptx
+++ b/2022파이썬기초문법정리(220320,3-반복문까지).pptx
@@ -11117,7 +11117,7 @@
                 <a:latin typeface="NanumGothic" panose="020D0604000000000000" pitchFamily="34" charset="-127"/>
                 <a:ea typeface="NanumGothic" panose="020D0604000000000000" pitchFamily="34" charset="-127"/>
               </a:rPr>
-              <a:t> ** 2)</a:t>
+              <a:t>)</a:t>
             </a:r>
           </a:p>
         </p:txBody>

--- a/2022파이썬기초문법정리(220320,3-반복문까지).pptx
+++ b/2022파이썬기초문법정리(220320,3-반복문까지).pptx
@@ -6,8 +6,9 @@
   </p:sldMasterIdLst>
   <p:sldIdLst>
     <p:sldId id="256" r:id="rId2"/>
-    <p:sldId id="257" r:id="rId3"/>
-    <p:sldId id="258" r:id="rId4"/>
+    <p:sldId id="259" r:id="rId3"/>
+    <p:sldId id="257" r:id="rId4"/>
+    <p:sldId id="258" r:id="rId5"/>
   </p:sldIdLst>
   <p:sldSz cx="12192000" cy="6858000"/>
   <p:notesSz cx="6858000" cy="9144000"/>
@@ -3393,6 +3394,4021 @@
         </p:nvSpPr>
         <p:spPr>
           <a:xfrm>
+            <a:off x="2916819" y="766519"/>
+            <a:ext cx="4188520" cy="395431"/>
+          </a:xfrm>
+          <a:prstGeom prst="rect">
+            <a:avLst/>
+          </a:prstGeom>
+          <a:solidFill>
+            <a:schemeClr val="bg1"/>
+          </a:solidFill>
+          <a:ln>
+            <a:noFill/>
+          </a:ln>
+        </p:spPr>
+        <p:style>
+          <a:lnRef idx="2">
+            <a:schemeClr val="accent1">
+              <a:shade val="50000"/>
+            </a:schemeClr>
+          </a:lnRef>
+          <a:fillRef idx="1">
+            <a:schemeClr val="accent1"/>
+          </a:fillRef>
+          <a:effectRef idx="0">
+            <a:schemeClr val="accent1"/>
+          </a:effectRef>
+          <a:fontRef idx="minor">
+            <a:schemeClr val="lt1"/>
+          </a:fontRef>
+        </p:style>
+        <p:txBody>
+          <a:bodyPr rtlCol="0" anchor="ctr"/>
+          <a:lstStyle/>
+          <a:p>
+            <a:r>
+              <a:rPr kumimoji="1" lang="en-US" altLang="ko-KR" b="1" dirty="0">
+                <a:solidFill>
+                  <a:schemeClr val="tx1"/>
+                </a:solidFill>
+                <a:latin typeface="NanumGothic" panose="020D0604000000000000" pitchFamily="34" charset="-127"/>
+                <a:ea typeface="NanumGothic" panose="020D0604000000000000" pitchFamily="34" charset="-127"/>
+              </a:rPr>
+              <a:t>#0-1.</a:t>
+            </a:r>
+            <a:r>
+              <a:rPr kumimoji="1" lang="ko-KR" altLang="en-US" b="1" dirty="0">
+                <a:solidFill>
+                  <a:schemeClr val="tx1"/>
+                </a:solidFill>
+                <a:latin typeface="NanumGothic" panose="020D0604000000000000" pitchFamily="34" charset="-127"/>
+                <a:ea typeface="NanumGothic" panose="020D0604000000000000" pitchFamily="34" charset="-127"/>
+              </a:rPr>
+              <a:t> 기본 출력 </a:t>
+            </a:r>
+            <a:r>
+              <a:rPr kumimoji="1" lang="en-US" altLang="ko-KR" b="1" dirty="0">
+                <a:solidFill>
+                  <a:schemeClr val="tx1"/>
+                </a:solidFill>
+                <a:latin typeface="NanumGothic" panose="020D0604000000000000" pitchFamily="34" charset="-127"/>
+                <a:ea typeface="NanumGothic" panose="020D0604000000000000" pitchFamily="34" charset="-127"/>
+              </a:rPr>
+              <a:t>: </a:t>
+            </a:r>
+            <a:r>
+              <a:rPr kumimoji="1" lang="en-US" altLang="ko-KR" b="1" dirty="0">
+                <a:solidFill>
+                  <a:srgbClr val="FF0000"/>
+                </a:solidFill>
+                <a:latin typeface="NanumGothic" panose="020D0604000000000000" pitchFamily="34" charset="-127"/>
+                <a:ea typeface="NanumGothic" panose="020D0604000000000000" pitchFamily="34" charset="-127"/>
+              </a:rPr>
+              <a:t>print(</a:t>
+            </a:r>
+            <a:r>
+              <a:rPr kumimoji="1" lang="ko-KR" altLang="en-US" b="1" dirty="0">
+                <a:solidFill>
+                  <a:srgbClr val="FF0000"/>
+                </a:solidFill>
+                <a:latin typeface="NanumGothic" panose="020D0604000000000000" pitchFamily="34" charset="-127"/>
+                <a:ea typeface="NanumGothic" panose="020D0604000000000000" pitchFamily="34" charset="-127"/>
+              </a:rPr>
+              <a:t>출력하고 싶은 값</a:t>
+            </a:r>
+            <a:r>
+              <a:rPr kumimoji="1" lang="en-US" altLang="ko-KR" b="1" dirty="0">
+                <a:solidFill>
+                  <a:srgbClr val="FF0000"/>
+                </a:solidFill>
+                <a:latin typeface="NanumGothic" panose="020D0604000000000000" pitchFamily="34" charset="-127"/>
+                <a:ea typeface="NanumGothic" panose="020D0604000000000000" pitchFamily="34" charset="-127"/>
+              </a:rPr>
+              <a:t>)</a:t>
+            </a:r>
+            <a:endParaRPr kumimoji="1" lang="ko-KR" altLang="en-US" b="1" dirty="0">
+              <a:solidFill>
+                <a:srgbClr val="FF0000"/>
+              </a:solidFill>
+              <a:latin typeface="NanumGothic" panose="020D0604000000000000" pitchFamily="34" charset="-127"/>
+              <a:ea typeface="NanumGothic" panose="020D0604000000000000" pitchFamily="34" charset="-127"/>
+            </a:endParaRPr>
+          </a:p>
+        </p:txBody>
+      </p:sp>
+      <p:sp>
+        <p:nvSpPr>
+          <p:cNvPr id="16" name="TextBox 15">
+            <a:extLst>
+              <a:ext uri="{FF2B5EF4-FFF2-40B4-BE49-F238E27FC236}">
+                <a16:creationId xmlns:a16="http://schemas.microsoft.com/office/drawing/2014/main" id="{6B5FC1B1-FB9D-D24B-929A-03D65FCCB149}"/>
+              </a:ext>
+            </a:extLst>
+          </p:cNvPr>
+          <p:cNvSpPr txBox="1"/>
+          <p:nvPr/>
+        </p:nvSpPr>
+        <p:spPr>
+          <a:xfrm>
+            <a:off x="2667000" y="11023"/>
+            <a:ext cx="4286751" cy="400110"/>
+          </a:xfrm>
+          <a:prstGeom prst="rect">
+            <a:avLst/>
+          </a:prstGeom>
+          <a:noFill/>
+        </p:spPr>
+        <p:txBody>
+          <a:bodyPr wrap="none" rtlCol="0">
+            <a:spAutoFit/>
+          </a:bodyPr>
+          <a:lstStyle/>
+          <a:p>
+            <a:r>
+              <a:rPr kumimoji="1" lang="en-US" altLang="ko-KR" sz="2000" b="1" dirty="0">
+                <a:latin typeface="NanumGothic" panose="020D0604000000000000" pitchFamily="34" charset="-127"/>
+                <a:ea typeface="NanumGothic" panose="020D0604000000000000" pitchFamily="34" charset="-127"/>
+              </a:rPr>
+              <a:t>#0. </a:t>
+            </a:r>
+            <a:r>
+              <a:rPr kumimoji="1" lang="ko-KR" altLang="en-US" sz="2000" b="1" dirty="0">
+                <a:latin typeface="NanumGothic" panose="020D0604000000000000" pitchFamily="34" charset="-127"/>
+                <a:ea typeface="NanumGothic" panose="020D0604000000000000" pitchFamily="34" charset="-127"/>
+              </a:rPr>
+              <a:t>기본 입출력 및 데이터 저장 정리</a:t>
+            </a:r>
+          </a:p>
+        </p:txBody>
+      </p:sp>
+      <p:sp>
+        <p:nvSpPr>
+          <p:cNvPr id="23" name="모서리가 둥근 직사각형 22">
+            <a:extLst>
+              <a:ext uri="{FF2B5EF4-FFF2-40B4-BE49-F238E27FC236}">
+                <a16:creationId xmlns:a16="http://schemas.microsoft.com/office/drawing/2014/main" id="{17753970-2351-A041-94ED-8AB6309C7457}"/>
+              </a:ext>
+            </a:extLst>
+          </p:cNvPr>
+          <p:cNvSpPr/>
+          <p:nvPr/>
+        </p:nvSpPr>
+        <p:spPr>
+          <a:xfrm>
+            <a:off x="2912055" y="1178020"/>
+            <a:ext cx="3186113" cy="849671"/>
+          </a:xfrm>
+          <a:prstGeom prst="roundRect">
+            <a:avLst/>
+          </a:prstGeom>
+          <a:solidFill>
+            <a:schemeClr val="bg1"/>
+          </a:solidFill>
+          <a:ln>
+            <a:solidFill>
+              <a:schemeClr val="bg1">
+                <a:lumMod val="50000"/>
+              </a:schemeClr>
+            </a:solidFill>
+          </a:ln>
+        </p:spPr>
+        <p:style>
+          <a:lnRef idx="2">
+            <a:schemeClr val="accent1">
+              <a:shade val="50000"/>
+            </a:schemeClr>
+          </a:lnRef>
+          <a:fillRef idx="1">
+            <a:schemeClr val="accent1"/>
+          </a:fillRef>
+          <a:effectRef idx="0">
+            <a:schemeClr val="accent1"/>
+          </a:effectRef>
+          <a:fontRef idx="minor">
+            <a:schemeClr val="lt1"/>
+          </a:fontRef>
+        </p:style>
+        <p:txBody>
+          <a:bodyPr rtlCol="0" anchor="ctr"/>
+          <a:lstStyle/>
+          <a:p>
+            <a:r>
+              <a:rPr kumimoji="1" lang="en-US" altLang="ko-KR" dirty="0">
+                <a:solidFill>
+                  <a:srgbClr val="009051"/>
+                </a:solidFill>
+                <a:latin typeface="NanumGothic" panose="020D0604000000000000" pitchFamily="34" charset="-127"/>
+                <a:ea typeface="NanumGothic" panose="020D0604000000000000" pitchFamily="34" charset="-127"/>
+              </a:rPr>
+              <a:t># </a:t>
+            </a:r>
+            <a:r>
+              <a:rPr kumimoji="1" lang="ko-KR" altLang="en-US" spc="-150" dirty="0">
+                <a:solidFill>
+                  <a:srgbClr val="009051"/>
+                </a:solidFill>
+                <a:latin typeface="NanumGothic" panose="020D0604000000000000" pitchFamily="34" charset="-127"/>
+                <a:ea typeface="NanumGothic" panose="020D0604000000000000" pitchFamily="34" charset="-127"/>
+              </a:rPr>
+              <a:t>숫자</a:t>
+            </a:r>
+            <a:r>
+              <a:rPr kumimoji="1" lang="en-US" altLang="ko-KR" spc="-150" dirty="0">
+                <a:solidFill>
+                  <a:srgbClr val="009051"/>
+                </a:solidFill>
+                <a:latin typeface="NanumGothic" panose="020D0604000000000000" pitchFamily="34" charset="-127"/>
+                <a:ea typeface="NanumGothic" panose="020D0604000000000000" pitchFamily="34" charset="-127"/>
+              </a:rPr>
+              <a:t>(</a:t>
+            </a:r>
+            <a:r>
+              <a:rPr kumimoji="1" lang="ko-KR" altLang="en-US" spc="-150" dirty="0">
+                <a:solidFill>
+                  <a:srgbClr val="009051"/>
+                </a:solidFill>
+                <a:latin typeface="NanumGothic" panose="020D0604000000000000" pitchFamily="34" charset="-127"/>
+                <a:ea typeface="NanumGothic" panose="020D0604000000000000" pitchFamily="34" charset="-127"/>
+              </a:rPr>
+              <a:t>정수</a:t>
+            </a:r>
+            <a:r>
+              <a:rPr kumimoji="1" lang="en-US" altLang="ko-KR" spc="-150" dirty="0">
+                <a:solidFill>
+                  <a:srgbClr val="009051"/>
+                </a:solidFill>
+                <a:latin typeface="NanumGothic" panose="020D0604000000000000" pitchFamily="34" charset="-127"/>
+                <a:ea typeface="NanumGothic" panose="020D0604000000000000" pitchFamily="34" charset="-127"/>
+              </a:rPr>
+              <a:t>, </a:t>
+            </a:r>
+            <a:r>
+              <a:rPr kumimoji="1" lang="ko-KR" altLang="en-US" spc="-150" dirty="0">
+                <a:solidFill>
+                  <a:srgbClr val="009051"/>
+                </a:solidFill>
+                <a:latin typeface="NanumGothic" panose="020D0604000000000000" pitchFamily="34" charset="-127"/>
+                <a:ea typeface="NanumGothic" panose="020D0604000000000000" pitchFamily="34" charset="-127"/>
+              </a:rPr>
+              <a:t>실수</a:t>
+            </a:r>
+            <a:r>
+              <a:rPr kumimoji="1" lang="en-US" altLang="ko-KR" spc="-150" dirty="0">
+                <a:solidFill>
+                  <a:srgbClr val="009051"/>
+                </a:solidFill>
+                <a:latin typeface="NanumGothic" panose="020D0604000000000000" pitchFamily="34" charset="-127"/>
+                <a:ea typeface="NanumGothic" panose="020D0604000000000000" pitchFamily="34" charset="-127"/>
+              </a:rPr>
+              <a:t>)</a:t>
+            </a:r>
+            <a:r>
+              <a:rPr kumimoji="1" lang="ko-KR" altLang="en-US" spc="-150" dirty="0">
+                <a:solidFill>
+                  <a:srgbClr val="009051"/>
+                </a:solidFill>
+                <a:latin typeface="NanumGothic" panose="020D0604000000000000" pitchFamily="34" charset="-127"/>
+                <a:ea typeface="NanumGothic" panose="020D0604000000000000" pitchFamily="34" charset="-127"/>
+              </a:rPr>
+              <a:t> 출력하기</a:t>
+            </a:r>
+            <a:endParaRPr kumimoji="1" lang="en-US" altLang="ko-KR" spc="-150" dirty="0">
+              <a:solidFill>
+                <a:srgbClr val="009051"/>
+              </a:solidFill>
+              <a:latin typeface="NanumGothic" panose="020D0604000000000000" pitchFamily="34" charset="-127"/>
+              <a:ea typeface="NanumGothic" panose="020D0604000000000000" pitchFamily="34" charset="-127"/>
+            </a:endParaRPr>
+          </a:p>
+          <a:p>
+            <a:r>
+              <a:rPr kumimoji="1" lang="en-US" altLang="ko-KR" spc="-150" dirty="0">
+                <a:solidFill>
+                  <a:schemeClr val="tx1">
+                    <a:lumMod val="95000"/>
+                    <a:lumOff val="5000"/>
+                  </a:schemeClr>
+                </a:solidFill>
+                <a:latin typeface="NanumGothic" panose="020D0604000000000000" pitchFamily="34" charset="-127"/>
+                <a:ea typeface="NanumGothic" panose="020D0604000000000000" pitchFamily="34" charset="-127"/>
+              </a:rPr>
+              <a:t>print(3.14)</a:t>
+            </a:r>
+          </a:p>
+          <a:p>
+            <a:r>
+              <a:rPr kumimoji="1" lang="en-US" altLang="ko-KR" spc="-150" dirty="0">
+                <a:solidFill>
+                  <a:schemeClr val="tx1">
+                    <a:lumMod val="95000"/>
+                    <a:lumOff val="5000"/>
+                  </a:schemeClr>
+                </a:solidFill>
+                <a:latin typeface="NanumGothic" panose="020D0604000000000000" pitchFamily="34" charset="-127"/>
+                <a:ea typeface="NanumGothic" panose="020D0604000000000000" pitchFamily="34" charset="-127"/>
+              </a:rPr>
+              <a:t>print(2022 </a:t>
+            </a:r>
+            <a:r>
+              <a:rPr kumimoji="1" lang="ko-KR" altLang="en-US" spc="-150" dirty="0">
+                <a:solidFill>
+                  <a:schemeClr val="tx1">
+                    <a:lumMod val="95000"/>
+                    <a:lumOff val="5000"/>
+                  </a:schemeClr>
+                </a:solidFill>
+                <a:latin typeface="NanumGothic" panose="020D0604000000000000" pitchFamily="34" charset="-127"/>
+                <a:ea typeface="NanumGothic" panose="020D0604000000000000" pitchFamily="34" charset="-127"/>
+              </a:rPr>
+              <a:t>* </a:t>
+            </a:r>
+            <a:r>
+              <a:rPr kumimoji="1" lang="en-US" altLang="ko-KR" spc="-150" dirty="0">
+                <a:solidFill>
+                  <a:schemeClr val="tx1">
+                    <a:lumMod val="95000"/>
+                    <a:lumOff val="5000"/>
+                  </a:schemeClr>
+                </a:solidFill>
+                <a:latin typeface="NanumGothic" panose="020D0604000000000000" pitchFamily="34" charset="-127"/>
+                <a:ea typeface="NanumGothic" panose="020D0604000000000000" pitchFamily="34" charset="-127"/>
+              </a:rPr>
+              <a:t>2022)</a:t>
+            </a:r>
+          </a:p>
+        </p:txBody>
+      </p:sp>
+      <p:sp>
+        <p:nvSpPr>
+          <p:cNvPr id="32" name="직사각형 31">
+            <a:extLst>
+              <a:ext uri="{FF2B5EF4-FFF2-40B4-BE49-F238E27FC236}">
+                <a16:creationId xmlns:a16="http://schemas.microsoft.com/office/drawing/2014/main" id="{7D7D99FB-CCA9-B145-87A6-27E90E729783}"/>
+              </a:ext>
+            </a:extLst>
+          </p:cNvPr>
+          <p:cNvSpPr/>
+          <p:nvPr/>
+        </p:nvSpPr>
+        <p:spPr>
+          <a:xfrm>
+            <a:off x="5340748" y="795563"/>
+            <a:ext cx="1635785" cy="307193"/>
+          </a:xfrm>
+          <a:prstGeom prst="rect">
+            <a:avLst/>
+          </a:prstGeom>
+          <a:solidFill>
+            <a:srgbClr val="FFFF00">
+              <a:alpha val="50196"/>
+            </a:srgbClr>
+          </a:solidFill>
+          <a:ln>
+            <a:noFill/>
+          </a:ln>
+        </p:spPr>
+        <p:style>
+          <a:lnRef idx="2">
+            <a:schemeClr val="accent1">
+              <a:shade val="50000"/>
+            </a:schemeClr>
+          </a:lnRef>
+          <a:fillRef idx="1">
+            <a:schemeClr val="accent1"/>
+          </a:fillRef>
+          <a:effectRef idx="0">
+            <a:schemeClr val="accent1"/>
+          </a:effectRef>
+          <a:fontRef idx="minor">
+            <a:schemeClr val="lt1"/>
+          </a:fontRef>
+        </p:style>
+        <p:txBody>
+          <a:bodyPr rtlCol="0" anchor="ctr"/>
+          <a:lstStyle/>
+          <a:p>
+            <a:pPr algn="ctr"/>
+            <a:endParaRPr kumimoji="1" lang="ko-KR" altLang="en-US" dirty="0"/>
+          </a:p>
+        </p:txBody>
+      </p:sp>
+      <p:sp>
+        <p:nvSpPr>
+          <p:cNvPr id="37" name="TextBox 36">
+            <a:extLst>
+              <a:ext uri="{FF2B5EF4-FFF2-40B4-BE49-F238E27FC236}">
+                <a16:creationId xmlns:a16="http://schemas.microsoft.com/office/drawing/2014/main" id="{EFF5B221-287A-7E41-BDCB-1AC7D1828ED9}"/>
+              </a:ext>
+            </a:extLst>
+          </p:cNvPr>
+          <p:cNvSpPr txBox="1"/>
+          <p:nvPr/>
+        </p:nvSpPr>
+        <p:spPr>
+          <a:xfrm>
+            <a:off x="2810743" y="370259"/>
+            <a:ext cx="4707656" cy="369332"/>
+          </a:xfrm>
+          <a:prstGeom prst="rect">
+            <a:avLst/>
+          </a:prstGeom>
+          <a:noFill/>
+        </p:spPr>
+        <p:txBody>
+          <a:bodyPr wrap="square">
+            <a:spAutoFit/>
+          </a:bodyPr>
+          <a:lstStyle/>
+          <a:p>
+            <a:r>
+              <a:rPr lang="ko-KR" altLang="en-US" sz="1800" i="1" dirty="0">
+                <a:solidFill>
+                  <a:srgbClr val="009051"/>
+                </a:solidFill>
+                <a:latin typeface="NanumGothic" panose="020D0604000000000000" pitchFamily="34" charset="-127"/>
+                <a:ea typeface="NanumGothic" panose="020D0604000000000000" pitchFamily="34" charset="-127"/>
+              </a:rPr>
+              <a:t>* </a:t>
+            </a:r>
+            <a:r>
+              <a:rPr lang="en-US" altLang="ko-KR" sz="1800" i="1" dirty="0">
+                <a:solidFill>
+                  <a:srgbClr val="009051"/>
+                </a:solidFill>
+                <a:latin typeface="NanumGothic" panose="020D0604000000000000" pitchFamily="34" charset="-127"/>
+                <a:ea typeface="NanumGothic" panose="020D0604000000000000" pitchFamily="34" charset="-127"/>
+              </a:rPr>
+              <a:t># : comment(</a:t>
+            </a:r>
+            <a:r>
+              <a:rPr lang="ko-KR" altLang="en-US" sz="1800" i="1" dirty="0">
+                <a:solidFill>
+                  <a:srgbClr val="009051"/>
+                </a:solidFill>
+                <a:latin typeface="NanumGothic" panose="020D0604000000000000" pitchFamily="34" charset="-127"/>
+                <a:ea typeface="NanumGothic" panose="020D0604000000000000" pitchFamily="34" charset="-127"/>
+              </a:rPr>
+              <a:t>주석</a:t>
+            </a:r>
+            <a:r>
+              <a:rPr lang="en-US" altLang="ko-KR" sz="1800" i="1" dirty="0">
+                <a:solidFill>
+                  <a:srgbClr val="009051"/>
+                </a:solidFill>
+                <a:latin typeface="NanumGothic" panose="020D0604000000000000" pitchFamily="34" charset="-127"/>
+                <a:ea typeface="NanumGothic" panose="020D0604000000000000" pitchFamily="34" charset="-127"/>
+              </a:rPr>
+              <a:t>), </a:t>
+            </a:r>
+            <a:r>
+              <a:rPr lang="ko-KR" altLang="en-US" sz="1800" i="1" dirty="0">
+                <a:solidFill>
+                  <a:srgbClr val="009051"/>
+                </a:solidFill>
+                <a:latin typeface="NanumGothic" panose="020D0604000000000000" pitchFamily="34" charset="-127"/>
+                <a:ea typeface="NanumGothic" panose="020D0604000000000000" pitchFamily="34" charset="-127"/>
+              </a:rPr>
+              <a:t>코드를 설명할 때 사용</a:t>
+            </a:r>
+            <a:endParaRPr lang="ko-KR" altLang="en-US" i="1" dirty="0"/>
+          </a:p>
+        </p:txBody>
+      </p:sp>
+      <p:sp>
+        <p:nvSpPr>
+          <p:cNvPr id="39" name="직사각형 38">
+            <a:extLst>
+              <a:ext uri="{FF2B5EF4-FFF2-40B4-BE49-F238E27FC236}">
+                <a16:creationId xmlns:a16="http://schemas.microsoft.com/office/drawing/2014/main" id="{FBBF6BF4-E71F-3B43-BBC6-ECDC99F17659}"/>
+              </a:ext>
+            </a:extLst>
+          </p:cNvPr>
+          <p:cNvSpPr/>
+          <p:nvPr/>
+        </p:nvSpPr>
+        <p:spPr>
+          <a:xfrm>
+            <a:off x="3517498" y="1720498"/>
+            <a:ext cx="1177107" cy="307193"/>
+          </a:xfrm>
+          <a:prstGeom prst="rect">
+            <a:avLst/>
+          </a:prstGeom>
+          <a:solidFill>
+            <a:srgbClr val="FFFF00">
+              <a:alpha val="50196"/>
+            </a:srgbClr>
+          </a:solidFill>
+          <a:ln>
+            <a:noFill/>
+          </a:ln>
+        </p:spPr>
+        <p:style>
+          <a:lnRef idx="2">
+            <a:schemeClr val="accent1">
+              <a:shade val="50000"/>
+            </a:schemeClr>
+          </a:lnRef>
+          <a:fillRef idx="1">
+            <a:schemeClr val="accent1"/>
+          </a:fillRef>
+          <a:effectRef idx="0">
+            <a:schemeClr val="accent1"/>
+          </a:effectRef>
+          <a:fontRef idx="minor">
+            <a:schemeClr val="lt1"/>
+          </a:fontRef>
+        </p:style>
+        <p:txBody>
+          <a:bodyPr rtlCol="0" anchor="ctr"/>
+          <a:lstStyle/>
+          <a:p>
+            <a:pPr algn="ctr"/>
+            <a:endParaRPr kumimoji="1" lang="ko-KR" altLang="en-US" dirty="0"/>
+          </a:p>
+        </p:txBody>
+      </p:sp>
+      <p:sp>
+        <p:nvSpPr>
+          <p:cNvPr id="40" name="모서리가 둥근 직사각형 39">
+            <a:extLst>
+              <a:ext uri="{FF2B5EF4-FFF2-40B4-BE49-F238E27FC236}">
+                <a16:creationId xmlns:a16="http://schemas.microsoft.com/office/drawing/2014/main" id="{C68CADF3-E0B2-0147-97D6-B76B51FBD618}"/>
+              </a:ext>
+            </a:extLst>
+          </p:cNvPr>
+          <p:cNvSpPr/>
+          <p:nvPr/>
+        </p:nvSpPr>
+        <p:spPr>
+          <a:xfrm>
+            <a:off x="6218527" y="1178020"/>
+            <a:ext cx="3186113" cy="849671"/>
+          </a:xfrm>
+          <a:prstGeom prst="roundRect">
+            <a:avLst/>
+          </a:prstGeom>
+          <a:solidFill>
+            <a:schemeClr val="bg1"/>
+          </a:solidFill>
+          <a:ln>
+            <a:solidFill>
+              <a:schemeClr val="bg1">
+                <a:lumMod val="50000"/>
+              </a:schemeClr>
+            </a:solidFill>
+          </a:ln>
+        </p:spPr>
+        <p:style>
+          <a:lnRef idx="2">
+            <a:schemeClr val="accent1">
+              <a:shade val="50000"/>
+            </a:schemeClr>
+          </a:lnRef>
+          <a:fillRef idx="1">
+            <a:schemeClr val="accent1"/>
+          </a:fillRef>
+          <a:effectRef idx="0">
+            <a:schemeClr val="accent1"/>
+          </a:effectRef>
+          <a:fontRef idx="minor">
+            <a:schemeClr val="lt1"/>
+          </a:fontRef>
+        </p:style>
+        <p:txBody>
+          <a:bodyPr rtlCol="0" anchor="ctr"/>
+          <a:lstStyle/>
+          <a:p>
+            <a:r>
+              <a:rPr kumimoji="1" lang="en-US" altLang="ko-KR" dirty="0">
+                <a:solidFill>
+                  <a:srgbClr val="009051"/>
+                </a:solidFill>
+                <a:latin typeface="NanumGothic" panose="020D0604000000000000" pitchFamily="34" charset="-127"/>
+                <a:ea typeface="NanumGothic" panose="020D0604000000000000" pitchFamily="34" charset="-127"/>
+              </a:rPr>
+              <a:t># </a:t>
+            </a:r>
+            <a:r>
+              <a:rPr kumimoji="1" lang="ko-KR" altLang="en-US" spc="-150" dirty="0">
+                <a:solidFill>
+                  <a:srgbClr val="009051"/>
+                </a:solidFill>
+                <a:latin typeface="NanumGothic" panose="020D0604000000000000" pitchFamily="34" charset="-127"/>
+                <a:ea typeface="NanumGothic" panose="020D0604000000000000" pitchFamily="34" charset="-127"/>
+              </a:rPr>
+              <a:t>문자</a:t>
+            </a:r>
+            <a:r>
+              <a:rPr kumimoji="1" lang="en-US" altLang="ko-KR" spc="-150" dirty="0">
+                <a:solidFill>
+                  <a:srgbClr val="009051"/>
+                </a:solidFill>
+                <a:latin typeface="NanumGothic" panose="020D0604000000000000" pitchFamily="34" charset="-127"/>
+                <a:ea typeface="NanumGothic" panose="020D0604000000000000" pitchFamily="34" charset="-127"/>
+              </a:rPr>
+              <a:t>(</a:t>
+            </a:r>
+            <a:r>
+              <a:rPr kumimoji="1" lang="ko-KR" altLang="en-US" spc="-150" dirty="0">
+                <a:solidFill>
+                  <a:srgbClr val="009051"/>
+                </a:solidFill>
+                <a:latin typeface="NanumGothic" panose="020D0604000000000000" pitchFamily="34" charset="-127"/>
+                <a:ea typeface="NanumGothic" panose="020D0604000000000000" pitchFamily="34" charset="-127"/>
+              </a:rPr>
+              <a:t>문자열</a:t>
+            </a:r>
+            <a:r>
+              <a:rPr kumimoji="1" lang="en-US" altLang="ko-KR" spc="-150" dirty="0">
+                <a:solidFill>
+                  <a:srgbClr val="009051"/>
+                </a:solidFill>
+                <a:latin typeface="NanumGothic" panose="020D0604000000000000" pitchFamily="34" charset="-127"/>
+                <a:ea typeface="NanumGothic" panose="020D0604000000000000" pitchFamily="34" charset="-127"/>
+              </a:rPr>
+              <a:t>)</a:t>
+            </a:r>
+            <a:r>
+              <a:rPr kumimoji="1" lang="ko-KR" altLang="en-US" spc="-150" dirty="0">
+                <a:solidFill>
+                  <a:srgbClr val="009051"/>
+                </a:solidFill>
+                <a:latin typeface="NanumGothic" panose="020D0604000000000000" pitchFamily="34" charset="-127"/>
+                <a:ea typeface="NanumGothic" panose="020D0604000000000000" pitchFamily="34" charset="-127"/>
+              </a:rPr>
+              <a:t> 출력하기 </a:t>
+            </a:r>
+            <a:r>
+              <a:rPr kumimoji="1" lang="en-US" altLang="ko-KR" spc="-150" dirty="0">
+                <a:solidFill>
+                  <a:srgbClr val="009051"/>
+                </a:solidFill>
+                <a:latin typeface="NanumGothic" panose="020D0604000000000000" pitchFamily="34" charset="-127"/>
+                <a:ea typeface="NanumGothic" panose="020D0604000000000000" pitchFamily="34" charset="-127"/>
+              </a:rPr>
+              <a:t>: ‘’, “”</a:t>
+            </a:r>
+          </a:p>
+          <a:p>
+            <a:r>
+              <a:rPr kumimoji="1" lang="en-US" altLang="ko-KR" spc="-150" dirty="0">
+                <a:solidFill>
+                  <a:schemeClr val="tx1">
+                    <a:lumMod val="95000"/>
+                    <a:lumOff val="5000"/>
+                  </a:schemeClr>
+                </a:solidFill>
+                <a:latin typeface="NanumGothic" panose="020D0604000000000000" pitchFamily="34" charset="-127"/>
+                <a:ea typeface="NanumGothic" panose="020D0604000000000000" pitchFamily="34" charset="-127"/>
+              </a:rPr>
+              <a:t>print(‘hello world’)</a:t>
+            </a:r>
+          </a:p>
+          <a:p>
+            <a:r>
+              <a:rPr kumimoji="1" lang="en-US" altLang="ko-KR" spc="-150" dirty="0">
+                <a:solidFill>
+                  <a:schemeClr val="tx1">
+                    <a:lumMod val="95000"/>
+                    <a:lumOff val="5000"/>
+                  </a:schemeClr>
+                </a:solidFill>
+                <a:latin typeface="NanumGothic" panose="020D0604000000000000" pitchFamily="34" charset="-127"/>
+                <a:ea typeface="NanumGothic" panose="020D0604000000000000" pitchFamily="34" charset="-127"/>
+              </a:rPr>
+              <a:t>print(“</a:t>
+            </a:r>
+            <a:r>
+              <a:rPr kumimoji="1" lang="ko-KR" altLang="en-US" spc="-150" dirty="0">
+                <a:solidFill>
+                  <a:schemeClr val="tx1">
+                    <a:lumMod val="95000"/>
+                    <a:lumOff val="5000"/>
+                  </a:schemeClr>
+                </a:solidFill>
+                <a:latin typeface="NanumGothic" panose="020D0604000000000000" pitchFamily="34" charset="-127"/>
+                <a:ea typeface="NanumGothic" panose="020D0604000000000000" pitchFamily="34" charset="-127"/>
+              </a:rPr>
+              <a:t>안녕 </a:t>
+            </a:r>
+            <a:r>
+              <a:rPr kumimoji="1" lang="ko-KR" altLang="en-US" spc="-150" dirty="0" err="1">
+                <a:solidFill>
+                  <a:schemeClr val="tx1">
+                    <a:lumMod val="95000"/>
+                    <a:lumOff val="5000"/>
+                  </a:schemeClr>
+                </a:solidFill>
+                <a:latin typeface="NanumGothic" panose="020D0604000000000000" pitchFamily="34" charset="-127"/>
+                <a:ea typeface="NanumGothic" panose="020D0604000000000000" pitchFamily="34" charset="-127"/>
+              </a:rPr>
+              <a:t>파이썬</a:t>
+            </a:r>
+            <a:r>
+              <a:rPr kumimoji="1" lang="en-US" altLang="ko-KR" spc="-150" dirty="0">
+                <a:solidFill>
+                  <a:schemeClr val="tx1">
+                    <a:lumMod val="95000"/>
+                    <a:lumOff val="5000"/>
+                  </a:schemeClr>
+                </a:solidFill>
+                <a:latin typeface="NanumGothic" panose="020D0604000000000000" pitchFamily="34" charset="-127"/>
+                <a:ea typeface="NanumGothic" panose="020D0604000000000000" pitchFamily="34" charset="-127"/>
+              </a:rPr>
+              <a:t>?”)</a:t>
+            </a:r>
+          </a:p>
+        </p:txBody>
+      </p:sp>
+      <p:sp>
+        <p:nvSpPr>
+          <p:cNvPr id="43" name="직사각형 42">
+            <a:extLst>
+              <a:ext uri="{FF2B5EF4-FFF2-40B4-BE49-F238E27FC236}">
+                <a16:creationId xmlns:a16="http://schemas.microsoft.com/office/drawing/2014/main" id="{BAEB5DB9-CD63-074B-84B1-82BB9CFC2875}"/>
+              </a:ext>
+            </a:extLst>
+          </p:cNvPr>
+          <p:cNvSpPr/>
+          <p:nvPr/>
+        </p:nvSpPr>
+        <p:spPr>
+          <a:xfrm>
+            <a:off x="6817833" y="1449259"/>
+            <a:ext cx="1037014" cy="271240"/>
+          </a:xfrm>
+          <a:prstGeom prst="rect">
+            <a:avLst/>
+          </a:prstGeom>
+          <a:solidFill>
+            <a:srgbClr val="FFFF00">
+              <a:alpha val="50196"/>
+            </a:srgbClr>
+          </a:solidFill>
+          <a:ln>
+            <a:noFill/>
+          </a:ln>
+        </p:spPr>
+        <p:style>
+          <a:lnRef idx="2">
+            <a:schemeClr val="accent1">
+              <a:shade val="50000"/>
+            </a:schemeClr>
+          </a:lnRef>
+          <a:fillRef idx="1">
+            <a:schemeClr val="accent1"/>
+          </a:fillRef>
+          <a:effectRef idx="0">
+            <a:schemeClr val="accent1"/>
+          </a:effectRef>
+          <a:fontRef idx="minor">
+            <a:schemeClr val="lt1"/>
+          </a:fontRef>
+        </p:style>
+        <p:txBody>
+          <a:bodyPr rtlCol="0" anchor="ctr"/>
+          <a:lstStyle/>
+          <a:p>
+            <a:pPr algn="ctr"/>
+            <a:endParaRPr kumimoji="1" lang="ko-KR" altLang="en-US" dirty="0"/>
+          </a:p>
+        </p:txBody>
+      </p:sp>
+      <p:sp>
+        <p:nvSpPr>
+          <p:cNvPr id="44" name="직사각형 43">
+            <a:extLst>
+              <a:ext uri="{FF2B5EF4-FFF2-40B4-BE49-F238E27FC236}">
+                <a16:creationId xmlns:a16="http://schemas.microsoft.com/office/drawing/2014/main" id="{12E8F361-515B-6D48-816B-3CBE41963E3C}"/>
+              </a:ext>
+            </a:extLst>
+          </p:cNvPr>
+          <p:cNvSpPr/>
+          <p:nvPr/>
+        </p:nvSpPr>
+        <p:spPr>
+          <a:xfrm>
+            <a:off x="6820333" y="1736569"/>
+            <a:ext cx="1244375" cy="291122"/>
+          </a:xfrm>
+          <a:prstGeom prst="rect">
+            <a:avLst/>
+          </a:prstGeom>
+          <a:solidFill>
+            <a:srgbClr val="FFFF00">
+              <a:alpha val="50196"/>
+            </a:srgbClr>
+          </a:solidFill>
+          <a:ln>
+            <a:noFill/>
+          </a:ln>
+        </p:spPr>
+        <p:style>
+          <a:lnRef idx="2">
+            <a:schemeClr val="accent1">
+              <a:shade val="50000"/>
+            </a:schemeClr>
+          </a:lnRef>
+          <a:fillRef idx="1">
+            <a:schemeClr val="accent1"/>
+          </a:fillRef>
+          <a:effectRef idx="0">
+            <a:schemeClr val="accent1"/>
+          </a:effectRef>
+          <a:fontRef idx="minor">
+            <a:schemeClr val="lt1"/>
+          </a:fontRef>
+        </p:style>
+        <p:txBody>
+          <a:bodyPr rtlCol="0" anchor="ctr"/>
+          <a:lstStyle/>
+          <a:p>
+            <a:pPr algn="ctr"/>
+            <a:endParaRPr kumimoji="1" lang="ko-KR" altLang="en-US" dirty="0"/>
+          </a:p>
+        </p:txBody>
+      </p:sp>
+      <p:sp>
+        <p:nvSpPr>
+          <p:cNvPr id="45" name="직사각형 44">
+            <a:extLst>
+              <a:ext uri="{FF2B5EF4-FFF2-40B4-BE49-F238E27FC236}">
+                <a16:creationId xmlns:a16="http://schemas.microsoft.com/office/drawing/2014/main" id="{8E0276A0-0616-984F-805A-D5E3DE26F5FF}"/>
+              </a:ext>
+            </a:extLst>
+          </p:cNvPr>
+          <p:cNvSpPr/>
+          <p:nvPr/>
+        </p:nvSpPr>
+        <p:spPr>
+          <a:xfrm>
+            <a:off x="2916818" y="2135763"/>
+            <a:ext cx="4758145" cy="395431"/>
+          </a:xfrm>
+          <a:prstGeom prst="rect">
+            <a:avLst/>
+          </a:prstGeom>
+          <a:solidFill>
+            <a:schemeClr val="bg1"/>
+          </a:solidFill>
+          <a:ln>
+            <a:noFill/>
+          </a:ln>
+        </p:spPr>
+        <p:style>
+          <a:lnRef idx="2">
+            <a:schemeClr val="accent1">
+              <a:shade val="50000"/>
+            </a:schemeClr>
+          </a:lnRef>
+          <a:fillRef idx="1">
+            <a:schemeClr val="accent1"/>
+          </a:fillRef>
+          <a:effectRef idx="0">
+            <a:schemeClr val="accent1"/>
+          </a:effectRef>
+          <a:fontRef idx="minor">
+            <a:schemeClr val="lt1"/>
+          </a:fontRef>
+        </p:style>
+        <p:txBody>
+          <a:bodyPr rtlCol="0" anchor="ctr"/>
+          <a:lstStyle/>
+          <a:p>
+            <a:r>
+              <a:rPr kumimoji="1" lang="en-US" altLang="ko-KR" b="1" dirty="0">
+                <a:solidFill>
+                  <a:schemeClr val="tx1"/>
+                </a:solidFill>
+                <a:latin typeface="NanumGothic" panose="020D0604000000000000" pitchFamily="34" charset="-127"/>
+                <a:ea typeface="NanumGothic" panose="020D0604000000000000" pitchFamily="34" charset="-127"/>
+              </a:rPr>
+              <a:t>#0-2.</a:t>
+            </a:r>
+            <a:r>
+              <a:rPr kumimoji="1" lang="ko-KR" altLang="en-US" b="1" dirty="0">
+                <a:solidFill>
+                  <a:schemeClr val="tx1"/>
+                </a:solidFill>
+                <a:latin typeface="NanumGothic" panose="020D0604000000000000" pitchFamily="34" charset="-127"/>
+                <a:ea typeface="NanumGothic" panose="020D0604000000000000" pitchFamily="34" charset="-127"/>
+              </a:rPr>
+              <a:t> 데이터의 저장 </a:t>
+            </a:r>
+            <a:r>
+              <a:rPr kumimoji="1" lang="en-US" altLang="ko-KR" b="1" dirty="0">
+                <a:solidFill>
+                  <a:schemeClr val="tx1"/>
+                </a:solidFill>
+                <a:latin typeface="NanumGothic" panose="020D0604000000000000" pitchFamily="34" charset="-127"/>
+                <a:ea typeface="NanumGothic" panose="020D0604000000000000" pitchFamily="34" charset="-127"/>
+              </a:rPr>
+              <a:t>: </a:t>
+            </a:r>
+            <a:r>
+              <a:rPr kumimoji="1" lang="ko-KR" altLang="en-US" b="1" dirty="0">
+                <a:solidFill>
+                  <a:schemeClr val="tx1"/>
+                </a:solidFill>
+                <a:latin typeface="NanumGothic" panose="020D0604000000000000" pitchFamily="34" charset="-127"/>
+                <a:ea typeface="NanumGothic" panose="020D0604000000000000" pitchFamily="34" charset="-127"/>
+              </a:rPr>
+              <a:t>저장공간이름</a:t>
+            </a:r>
+            <a:r>
+              <a:rPr kumimoji="1" lang="en-US" altLang="ko-KR" b="1" dirty="0">
+                <a:solidFill>
+                  <a:schemeClr val="tx1"/>
+                </a:solidFill>
+                <a:latin typeface="NanumGothic" panose="020D0604000000000000" pitchFamily="34" charset="-127"/>
+                <a:ea typeface="NanumGothic" panose="020D0604000000000000" pitchFamily="34" charset="-127"/>
+              </a:rPr>
+              <a:t>(</a:t>
+            </a:r>
+            <a:r>
+              <a:rPr kumimoji="1" lang="ko-KR" altLang="en-US" b="1" dirty="0">
+                <a:solidFill>
+                  <a:schemeClr val="tx1"/>
+                </a:solidFill>
+                <a:latin typeface="NanumGothic" panose="020D0604000000000000" pitchFamily="34" charset="-127"/>
+                <a:ea typeface="NanumGothic" panose="020D0604000000000000" pitchFamily="34" charset="-127"/>
+              </a:rPr>
+              <a:t>변수</a:t>
+            </a:r>
+            <a:r>
+              <a:rPr kumimoji="1" lang="en-US" altLang="ko-KR" b="1" dirty="0">
+                <a:solidFill>
+                  <a:schemeClr val="tx1"/>
+                </a:solidFill>
+                <a:latin typeface="NanumGothic" panose="020D0604000000000000" pitchFamily="34" charset="-127"/>
+                <a:ea typeface="NanumGothic" panose="020D0604000000000000" pitchFamily="34" charset="-127"/>
+              </a:rPr>
+              <a:t>)</a:t>
+            </a:r>
+            <a:r>
+              <a:rPr kumimoji="1" lang="ko-KR" altLang="en-US" b="1" dirty="0">
+                <a:solidFill>
+                  <a:schemeClr val="tx1"/>
+                </a:solidFill>
+                <a:latin typeface="NanumGothic" panose="020D0604000000000000" pitchFamily="34" charset="-127"/>
+                <a:ea typeface="NanumGothic" panose="020D0604000000000000" pitchFamily="34" charset="-127"/>
+              </a:rPr>
+              <a:t> </a:t>
+            </a:r>
+            <a:r>
+              <a:rPr kumimoji="1" lang="en-US" altLang="ko-KR" b="1" dirty="0">
+                <a:solidFill>
+                  <a:schemeClr val="tx1"/>
+                </a:solidFill>
+                <a:latin typeface="NanumGothic" panose="020D0604000000000000" pitchFamily="34" charset="-127"/>
+                <a:ea typeface="NanumGothic" panose="020D0604000000000000" pitchFamily="34" charset="-127"/>
+              </a:rPr>
+              <a:t>= </a:t>
+            </a:r>
+            <a:r>
+              <a:rPr kumimoji="1" lang="ko-KR" altLang="en-US" b="1" dirty="0">
+                <a:solidFill>
+                  <a:schemeClr val="tx1"/>
+                </a:solidFill>
+                <a:latin typeface="NanumGothic" panose="020D0604000000000000" pitchFamily="34" charset="-127"/>
+                <a:ea typeface="NanumGothic" panose="020D0604000000000000" pitchFamily="34" charset="-127"/>
+              </a:rPr>
+              <a:t>값</a:t>
+            </a:r>
+            <a:endParaRPr kumimoji="1" lang="ko-KR" altLang="en-US" b="1" dirty="0">
+              <a:solidFill>
+                <a:srgbClr val="FF0000"/>
+              </a:solidFill>
+              <a:latin typeface="NanumGothic" panose="020D0604000000000000" pitchFamily="34" charset="-127"/>
+              <a:ea typeface="NanumGothic" panose="020D0604000000000000" pitchFamily="34" charset="-127"/>
+            </a:endParaRPr>
+          </a:p>
+        </p:txBody>
+      </p:sp>
+      <p:sp>
+        <p:nvSpPr>
+          <p:cNvPr id="46" name="모서리가 둥근 직사각형 45">
+            <a:extLst>
+              <a:ext uri="{FF2B5EF4-FFF2-40B4-BE49-F238E27FC236}">
+                <a16:creationId xmlns:a16="http://schemas.microsoft.com/office/drawing/2014/main" id="{5CB8BC77-C987-8D4D-B3C2-5C1115F6C9EC}"/>
+              </a:ext>
+            </a:extLst>
+          </p:cNvPr>
+          <p:cNvSpPr/>
+          <p:nvPr/>
+        </p:nvSpPr>
+        <p:spPr>
+          <a:xfrm>
+            <a:off x="2912055" y="2547264"/>
+            <a:ext cx="3186113" cy="849671"/>
+          </a:xfrm>
+          <a:prstGeom prst="roundRect">
+            <a:avLst/>
+          </a:prstGeom>
+          <a:solidFill>
+            <a:schemeClr val="bg1"/>
+          </a:solidFill>
+          <a:ln>
+            <a:solidFill>
+              <a:schemeClr val="bg1">
+                <a:lumMod val="50000"/>
+              </a:schemeClr>
+            </a:solidFill>
+          </a:ln>
+        </p:spPr>
+        <p:style>
+          <a:lnRef idx="2">
+            <a:schemeClr val="accent1">
+              <a:shade val="50000"/>
+            </a:schemeClr>
+          </a:lnRef>
+          <a:fillRef idx="1">
+            <a:schemeClr val="accent1"/>
+          </a:fillRef>
+          <a:effectRef idx="0">
+            <a:schemeClr val="accent1"/>
+          </a:effectRef>
+          <a:fontRef idx="minor">
+            <a:schemeClr val="lt1"/>
+          </a:fontRef>
+        </p:style>
+        <p:txBody>
+          <a:bodyPr rtlCol="0" anchor="ctr"/>
+          <a:lstStyle/>
+          <a:p>
+            <a:r>
+              <a:rPr kumimoji="1" lang="en-US" altLang="ko-KR" dirty="0">
+                <a:solidFill>
+                  <a:srgbClr val="009051"/>
+                </a:solidFill>
+                <a:latin typeface="NanumGothic" panose="020D0604000000000000" pitchFamily="34" charset="-127"/>
+                <a:ea typeface="NanumGothic" panose="020D0604000000000000" pitchFamily="34" charset="-127"/>
+              </a:rPr>
+              <a:t># </a:t>
+            </a:r>
+            <a:r>
+              <a:rPr kumimoji="1" lang="ko-KR" altLang="en-US" spc="-150" dirty="0">
+                <a:solidFill>
+                  <a:srgbClr val="009051"/>
+                </a:solidFill>
+                <a:latin typeface="NanumGothic" panose="020D0604000000000000" pitchFamily="34" charset="-127"/>
+                <a:ea typeface="NanumGothic" panose="020D0604000000000000" pitchFamily="34" charset="-127"/>
+              </a:rPr>
+              <a:t>숫자 저장하기</a:t>
+            </a:r>
+            <a:endParaRPr kumimoji="1" lang="en-US" altLang="ko-KR" spc="-150" dirty="0">
+              <a:solidFill>
+                <a:srgbClr val="009051"/>
+              </a:solidFill>
+              <a:latin typeface="NanumGothic" panose="020D0604000000000000" pitchFamily="34" charset="-127"/>
+              <a:ea typeface="NanumGothic" panose="020D0604000000000000" pitchFamily="34" charset="-127"/>
+            </a:endParaRPr>
+          </a:p>
+          <a:p>
+            <a:r>
+              <a:rPr kumimoji="1" lang="en-US" altLang="ko-KR" spc="-150" dirty="0">
+                <a:solidFill>
+                  <a:schemeClr val="tx1">
+                    <a:lumMod val="95000"/>
+                    <a:lumOff val="5000"/>
+                  </a:schemeClr>
+                </a:solidFill>
+                <a:latin typeface="NanumGothic" panose="020D0604000000000000" pitchFamily="34" charset="-127"/>
+                <a:ea typeface="NanumGothic" panose="020D0604000000000000" pitchFamily="34" charset="-127"/>
+              </a:rPr>
+              <a:t>a  = 10</a:t>
+            </a:r>
+          </a:p>
+          <a:p>
+            <a:r>
+              <a:rPr kumimoji="1" lang="en-US" altLang="ko-KR" spc="-150" dirty="0">
+                <a:solidFill>
+                  <a:schemeClr val="tx1">
+                    <a:lumMod val="95000"/>
+                    <a:lumOff val="5000"/>
+                  </a:schemeClr>
+                </a:solidFill>
+                <a:latin typeface="NanumGothic" panose="020D0604000000000000" pitchFamily="34" charset="-127"/>
+                <a:ea typeface="NanumGothic" panose="020D0604000000000000" pitchFamily="34" charset="-127"/>
+              </a:rPr>
+              <a:t>b = a + 2 </a:t>
+            </a:r>
+            <a:r>
+              <a:rPr kumimoji="1" lang="en-US" altLang="ko-KR" spc="-150" dirty="0">
+                <a:solidFill>
+                  <a:srgbClr val="009051"/>
+                </a:solidFill>
+                <a:latin typeface="NanumGothic" panose="020D0604000000000000" pitchFamily="34" charset="-127"/>
+                <a:ea typeface="NanumGothic" panose="020D0604000000000000" pitchFamily="34" charset="-127"/>
+              </a:rPr>
+              <a:t># + : </a:t>
+            </a:r>
+            <a:r>
+              <a:rPr kumimoji="1" lang="ko-KR" altLang="en-US" spc="-150" dirty="0">
+                <a:solidFill>
+                  <a:srgbClr val="009051"/>
+                </a:solidFill>
+                <a:latin typeface="NanumGothic" panose="020D0604000000000000" pitchFamily="34" charset="-127"/>
+                <a:ea typeface="NanumGothic" panose="020D0604000000000000" pitchFamily="34" charset="-127"/>
+              </a:rPr>
+              <a:t>덧셈</a:t>
+            </a:r>
+            <a:endParaRPr kumimoji="1" lang="en-US" altLang="ko-KR" spc="-150" dirty="0">
+              <a:solidFill>
+                <a:srgbClr val="009051"/>
+              </a:solidFill>
+              <a:latin typeface="NanumGothic" panose="020D0604000000000000" pitchFamily="34" charset="-127"/>
+              <a:ea typeface="NanumGothic" panose="020D0604000000000000" pitchFamily="34" charset="-127"/>
+            </a:endParaRPr>
+          </a:p>
+        </p:txBody>
+      </p:sp>
+      <p:sp>
+        <p:nvSpPr>
+          <p:cNvPr id="50" name="모서리가 둥근 직사각형 49">
+            <a:extLst>
+              <a:ext uri="{FF2B5EF4-FFF2-40B4-BE49-F238E27FC236}">
+                <a16:creationId xmlns:a16="http://schemas.microsoft.com/office/drawing/2014/main" id="{A61C6CCF-8C8B-BC44-AF90-EC2DAD6AAE6A}"/>
+              </a:ext>
+            </a:extLst>
+          </p:cNvPr>
+          <p:cNvSpPr/>
+          <p:nvPr/>
+        </p:nvSpPr>
+        <p:spPr>
+          <a:xfrm>
+            <a:off x="6218527" y="2547264"/>
+            <a:ext cx="3186113" cy="849671"/>
+          </a:xfrm>
+          <a:prstGeom prst="roundRect">
+            <a:avLst/>
+          </a:prstGeom>
+          <a:solidFill>
+            <a:schemeClr val="bg1"/>
+          </a:solidFill>
+          <a:ln>
+            <a:solidFill>
+              <a:schemeClr val="bg1">
+                <a:lumMod val="50000"/>
+              </a:schemeClr>
+            </a:solidFill>
+          </a:ln>
+        </p:spPr>
+        <p:style>
+          <a:lnRef idx="2">
+            <a:schemeClr val="accent1">
+              <a:shade val="50000"/>
+            </a:schemeClr>
+          </a:lnRef>
+          <a:fillRef idx="1">
+            <a:schemeClr val="accent1"/>
+          </a:fillRef>
+          <a:effectRef idx="0">
+            <a:schemeClr val="accent1"/>
+          </a:effectRef>
+          <a:fontRef idx="minor">
+            <a:schemeClr val="lt1"/>
+          </a:fontRef>
+        </p:style>
+        <p:txBody>
+          <a:bodyPr rtlCol="0" anchor="ctr"/>
+          <a:lstStyle/>
+          <a:p>
+            <a:r>
+              <a:rPr kumimoji="1" lang="en-US" altLang="ko-KR" dirty="0">
+                <a:solidFill>
+                  <a:srgbClr val="009051"/>
+                </a:solidFill>
+                <a:latin typeface="NanumGothic" panose="020D0604000000000000" pitchFamily="34" charset="-127"/>
+                <a:ea typeface="NanumGothic" panose="020D0604000000000000" pitchFamily="34" charset="-127"/>
+              </a:rPr>
+              <a:t># </a:t>
+            </a:r>
+            <a:r>
+              <a:rPr kumimoji="1" lang="ko-KR" altLang="en-US" spc="-150" dirty="0">
+                <a:solidFill>
+                  <a:srgbClr val="009051"/>
+                </a:solidFill>
+                <a:latin typeface="NanumGothic" panose="020D0604000000000000" pitchFamily="34" charset="-127"/>
+                <a:ea typeface="NanumGothic" panose="020D0604000000000000" pitchFamily="34" charset="-127"/>
+              </a:rPr>
+              <a:t>문자</a:t>
+            </a:r>
+            <a:r>
+              <a:rPr kumimoji="1" lang="en-US" altLang="ko-KR" spc="-150" dirty="0">
+                <a:solidFill>
+                  <a:srgbClr val="009051"/>
+                </a:solidFill>
+                <a:latin typeface="NanumGothic" panose="020D0604000000000000" pitchFamily="34" charset="-127"/>
+                <a:ea typeface="NanumGothic" panose="020D0604000000000000" pitchFamily="34" charset="-127"/>
+              </a:rPr>
+              <a:t>(</a:t>
+            </a:r>
+            <a:r>
+              <a:rPr kumimoji="1" lang="ko-KR" altLang="en-US" spc="-150" dirty="0">
+                <a:solidFill>
+                  <a:srgbClr val="009051"/>
+                </a:solidFill>
+                <a:latin typeface="NanumGothic" panose="020D0604000000000000" pitchFamily="34" charset="-127"/>
+                <a:ea typeface="NanumGothic" panose="020D0604000000000000" pitchFamily="34" charset="-127"/>
+              </a:rPr>
+              <a:t>문자열</a:t>
+            </a:r>
+            <a:r>
+              <a:rPr kumimoji="1" lang="en-US" altLang="ko-KR" spc="-150" dirty="0">
+                <a:solidFill>
+                  <a:srgbClr val="009051"/>
+                </a:solidFill>
+                <a:latin typeface="NanumGothic" panose="020D0604000000000000" pitchFamily="34" charset="-127"/>
+                <a:ea typeface="NanumGothic" panose="020D0604000000000000" pitchFamily="34" charset="-127"/>
+              </a:rPr>
+              <a:t>)</a:t>
+            </a:r>
+            <a:r>
+              <a:rPr kumimoji="1" lang="ko-KR" altLang="en-US" spc="-150" dirty="0">
+                <a:solidFill>
+                  <a:srgbClr val="009051"/>
+                </a:solidFill>
+                <a:latin typeface="NanumGothic" panose="020D0604000000000000" pitchFamily="34" charset="-127"/>
+                <a:ea typeface="NanumGothic" panose="020D0604000000000000" pitchFamily="34" charset="-127"/>
+              </a:rPr>
+              <a:t> 저장하기</a:t>
+            </a:r>
+            <a:endParaRPr kumimoji="1" lang="en-US" altLang="ko-KR" spc="-150" dirty="0">
+              <a:solidFill>
+                <a:srgbClr val="009051"/>
+              </a:solidFill>
+              <a:latin typeface="NanumGothic" panose="020D0604000000000000" pitchFamily="34" charset="-127"/>
+              <a:ea typeface="NanumGothic" panose="020D0604000000000000" pitchFamily="34" charset="-127"/>
+            </a:endParaRPr>
+          </a:p>
+          <a:p>
+            <a:r>
+              <a:rPr kumimoji="1" lang="en-US" altLang="ko-KR" spc="-150" dirty="0">
+                <a:solidFill>
+                  <a:schemeClr val="tx1">
+                    <a:lumMod val="95000"/>
+                    <a:lumOff val="5000"/>
+                  </a:schemeClr>
+                </a:solidFill>
+                <a:latin typeface="NanumGothic" panose="020D0604000000000000" pitchFamily="34" charset="-127"/>
+                <a:ea typeface="NanumGothic" panose="020D0604000000000000" pitchFamily="34" charset="-127"/>
+              </a:rPr>
+              <a:t>a  = ‘</a:t>
+            </a:r>
+            <a:r>
+              <a:rPr kumimoji="1" lang="ko-KR" altLang="en-US" spc="-150" dirty="0">
+                <a:solidFill>
+                  <a:schemeClr val="tx1">
+                    <a:lumMod val="95000"/>
+                    <a:lumOff val="5000"/>
+                  </a:schemeClr>
+                </a:solidFill>
+                <a:latin typeface="NanumGothic" panose="020D0604000000000000" pitchFamily="34" charset="-127"/>
+                <a:ea typeface="NanumGothic" panose="020D0604000000000000" pitchFamily="34" charset="-127"/>
+              </a:rPr>
+              <a:t>안녕</a:t>
+            </a:r>
+            <a:r>
+              <a:rPr kumimoji="1" lang="en-US" altLang="ko-KR" spc="-150" dirty="0">
+                <a:solidFill>
+                  <a:schemeClr val="tx1">
+                    <a:lumMod val="95000"/>
+                    <a:lumOff val="5000"/>
+                  </a:schemeClr>
+                </a:solidFill>
+                <a:latin typeface="NanumGothic" panose="020D0604000000000000" pitchFamily="34" charset="-127"/>
+                <a:ea typeface="NanumGothic" panose="020D0604000000000000" pitchFamily="34" charset="-127"/>
+              </a:rPr>
+              <a:t>?’</a:t>
+            </a:r>
+          </a:p>
+          <a:p>
+            <a:r>
+              <a:rPr kumimoji="1" lang="en-US" altLang="ko-KR" spc="-150" dirty="0">
+                <a:solidFill>
+                  <a:schemeClr val="tx1">
+                    <a:lumMod val="95000"/>
+                    <a:lumOff val="5000"/>
+                  </a:schemeClr>
+                </a:solidFill>
+                <a:latin typeface="NanumGothic" panose="020D0604000000000000" pitchFamily="34" charset="-127"/>
+                <a:ea typeface="NanumGothic" panose="020D0604000000000000" pitchFamily="34" charset="-127"/>
+              </a:rPr>
+              <a:t>b = ‘</a:t>
+            </a:r>
+            <a:r>
+              <a:rPr kumimoji="1" lang="ko-KR" altLang="en-US" spc="-150" dirty="0">
+                <a:solidFill>
+                  <a:schemeClr val="tx1">
+                    <a:lumMod val="95000"/>
+                    <a:lumOff val="5000"/>
+                  </a:schemeClr>
+                </a:solidFill>
+                <a:latin typeface="NanumGothic" panose="020D0604000000000000" pitchFamily="34" charset="-127"/>
+                <a:ea typeface="NanumGothic" panose="020D0604000000000000" pitchFamily="34" charset="-127"/>
+              </a:rPr>
+              <a:t>안녕</a:t>
+            </a:r>
+            <a:r>
+              <a:rPr kumimoji="1" lang="en-US" altLang="ko-KR" spc="-150" dirty="0">
+                <a:solidFill>
+                  <a:schemeClr val="tx1">
+                    <a:lumMod val="95000"/>
+                    <a:lumOff val="5000"/>
+                  </a:schemeClr>
+                </a:solidFill>
+                <a:latin typeface="NanumGothic" panose="020D0604000000000000" pitchFamily="34" charset="-127"/>
+                <a:ea typeface="NanumGothic" panose="020D0604000000000000" pitchFamily="34" charset="-127"/>
+              </a:rPr>
+              <a:t>?’ + “</a:t>
+            </a:r>
+            <a:r>
+              <a:rPr kumimoji="1" lang="ko-KR" altLang="en-US" spc="-150" dirty="0" err="1">
+                <a:solidFill>
+                  <a:schemeClr val="tx1">
+                    <a:lumMod val="95000"/>
+                    <a:lumOff val="5000"/>
+                  </a:schemeClr>
+                </a:solidFill>
+                <a:latin typeface="NanumGothic" panose="020D0604000000000000" pitchFamily="34" charset="-127"/>
+                <a:ea typeface="NanumGothic" panose="020D0604000000000000" pitchFamily="34" charset="-127"/>
+              </a:rPr>
+              <a:t>파이썬</a:t>
+            </a:r>
+            <a:r>
+              <a:rPr kumimoji="1" lang="en-US" altLang="ko-KR" spc="-150" dirty="0">
+                <a:solidFill>
+                  <a:schemeClr val="tx1">
+                    <a:lumMod val="95000"/>
+                    <a:lumOff val="5000"/>
+                  </a:schemeClr>
+                </a:solidFill>
+                <a:latin typeface="NanumGothic" panose="020D0604000000000000" pitchFamily="34" charset="-127"/>
+                <a:ea typeface="NanumGothic" panose="020D0604000000000000" pitchFamily="34" charset="-127"/>
+              </a:rPr>
+              <a:t>!” </a:t>
+            </a:r>
+            <a:r>
+              <a:rPr kumimoji="1" lang="en-US" altLang="ko-KR" spc="-150" dirty="0">
+                <a:solidFill>
+                  <a:srgbClr val="009051"/>
+                </a:solidFill>
+                <a:latin typeface="NanumGothic" panose="020D0604000000000000" pitchFamily="34" charset="-127"/>
+                <a:ea typeface="NanumGothic" panose="020D0604000000000000" pitchFamily="34" charset="-127"/>
+              </a:rPr>
+              <a:t># + : </a:t>
+            </a:r>
+            <a:r>
+              <a:rPr kumimoji="1" lang="ko-KR" altLang="en-US" spc="-150" dirty="0">
+                <a:solidFill>
+                  <a:srgbClr val="009051"/>
+                </a:solidFill>
+                <a:latin typeface="NanumGothic" panose="020D0604000000000000" pitchFamily="34" charset="-127"/>
+                <a:ea typeface="NanumGothic" panose="020D0604000000000000" pitchFamily="34" charset="-127"/>
+              </a:rPr>
+              <a:t>연결</a:t>
+            </a:r>
+            <a:endParaRPr kumimoji="1" lang="en-US" altLang="ko-KR" spc="-150" dirty="0">
+              <a:solidFill>
+                <a:srgbClr val="009051"/>
+              </a:solidFill>
+              <a:latin typeface="NanumGothic" panose="020D0604000000000000" pitchFamily="34" charset="-127"/>
+              <a:ea typeface="NanumGothic" panose="020D0604000000000000" pitchFamily="34" charset="-127"/>
+            </a:endParaRPr>
+          </a:p>
+        </p:txBody>
+      </p:sp>
+      <p:sp>
+        <p:nvSpPr>
+          <p:cNvPr id="53" name="직사각형 52">
+            <a:extLst>
+              <a:ext uri="{FF2B5EF4-FFF2-40B4-BE49-F238E27FC236}">
+                <a16:creationId xmlns:a16="http://schemas.microsoft.com/office/drawing/2014/main" id="{6FE8EC59-D438-AD4D-A7E1-DEC53F1E9C18}"/>
+              </a:ext>
+            </a:extLst>
+          </p:cNvPr>
+          <p:cNvSpPr/>
+          <p:nvPr/>
+        </p:nvSpPr>
+        <p:spPr>
+          <a:xfrm>
+            <a:off x="7276796" y="2209862"/>
+            <a:ext cx="368188" cy="289984"/>
+          </a:xfrm>
+          <a:prstGeom prst="rect">
+            <a:avLst/>
+          </a:prstGeom>
+          <a:solidFill>
+            <a:srgbClr val="FFFF00">
+              <a:alpha val="50196"/>
+            </a:srgbClr>
+          </a:solidFill>
+          <a:ln>
+            <a:noFill/>
+          </a:ln>
+        </p:spPr>
+        <p:style>
+          <a:lnRef idx="2">
+            <a:schemeClr val="accent1">
+              <a:shade val="50000"/>
+            </a:schemeClr>
+          </a:lnRef>
+          <a:fillRef idx="1">
+            <a:schemeClr val="accent1"/>
+          </a:fillRef>
+          <a:effectRef idx="0">
+            <a:schemeClr val="accent1"/>
+          </a:effectRef>
+          <a:fontRef idx="minor">
+            <a:schemeClr val="lt1"/>
+          </a:fontRef>
+        </p:style>
+        <p:txBody>
+          <a:bodyPr rtlCol="0" anchor="ctr"/>
+          <a:lstStyle/>
+          <a:p>
+            <a:pPr algn="ctr"/>
+            <a:endParaRPr kumimoji="1" lang="ko-KR" altLang="en-US" dirty="0"/>
+          </a:p>
+        </p:txBody>
+      </p:sp>
+      <p:sp>
+        <p:nvSpPr>
+          <p:cNvPr id="54" name="직사각형 53">
+            <a:extLst>
+              <a:ext uri="{FF2B5EF4-FFF2-40B4-BE49-F238E27FC236}">
+                <a16:creationId xmlns:a16="http://schemas.microsoft.com/office/drawing/2014/main" id="{7435AB39-C26E-8E42-A5D4-A0385B8DA679}"/>
+              </a:ext>
+            </a:extLst>
+          </p:cNvPr>
+          <p:cNvSpPr/>
+          <p:nvPr/>
+        </p:nvSpPr>
+        <p:spPr>
+          <a:xfrm>
+            <a:off x="5141663" y="2178780"/>
+            <a:ext cx="1948685" cy="337424"/>
+          </a:xfrm>
+          <a:prstGeom prst="rect">
+            <a:avLst/>
+          </a:prstGeom>
+          <a:solidFill>
+            <a:srgbClr val="00B0F0">
+              <a:alpha val="50196"/>
+            </a:srgbClr>
+          </a:solidFill>
+          <a:ln>
+            <a:noFill/>
+          </a:ln>
+        </p:spPr>
+        <p:style>
+          <a:lnRef idx="2">
+            <a:schemeClr val="accent1">
+              <a:shade val="50000"/>
+            </a:schemeClr>
+          </a:lnRef>
+          <a:fillRef idx="1">
+            <a:schemeClr val="accent1"/>
+          </a:fillRef>
+          <a:effectRef idx="0">
+            <a:schemeClr val="accent1"/>
+          </a:effectRef>
+          <a:fontRef idx="minor">
+            <a:schemeClr val="lt1"/>
+          </a:fontRef>
+        </p:style>
+        <p:txBody>
+          <a:bodyPr rtlCol="0" anchor="ctr"/>
+          <a:lstStyle/>
+          <a:p>
+            <a:pPr algn="ctr"/>
+            <a:endParaRPr kumimoji="1" lang="ko-KR" altLang="en-US" dirty="0"/>
+          </a:p>
+        </p:txBody>
+      </p:sp>
+      <p:sp>
+        <p:nvSpPr>
+          <p:cNvPr id="56" name="TextBox 55">
+            <a:extLst>
+              <a:ext uri="{FF2B5EF4-FFF2-40B4-BE49-F238E27FC236}">
+                <a16:creationId xmlns:a16="http://schemas.microsoft.com/office/drawing/2014/main" id="{2D998A57-A3BC-D849-A81A-F70497916DDC}"/>
+              </a:ext>
+            </a:extLst>
+          </p:cNvPr>
+          <p:cNvSpPr txBox="1"/>
+          <p:nvPr/>
+        </p:nvSpPr>
+        <p:spPr>
+          <a:xfrm>
+            <a:off x="2810742" y="3399284"/>
+            <a:ext cx="6593897" cy="369332"/>
+          </a:xfrm>
+          <a:prstGeom prst="rect">
+            <a:avLst/>
+          </a:prstGeom>
+          <a:noFill/>
+        </p:spPr>
+        <p:txBody>
+          <a:bodyPr wrap="square">
+            <a:spAutoFit/>
+          </a:bodyPr>
+          <a:lstStyle/>
+          <a:p>
+            <a:r>
+              <a:rPr lang="ko-KR" altLang="en-US" sz="1800" i="1" dirty="0">
+                <a:solidFill>
+                  <a:srgbClr val="009051"/>
+                </a:solidFill>
+                <a:latin typeface="NanumGothic" panose="020D0604000000000000" pitchFamily="34" charset="-127"/>
+                <a:ea typeface="NanumGothic" panose="020D0604000000000000" pitchFamily="34" charset="-127"/>
+              </a:rPr>
+              <a:t>* 변수 규칙 </a:t>
+            </a:r>
+            <a:r>
+              <a:rPr lang="en-US" altLang="ko-KR" sz="1800" i="1" dirty="0">
+                <a:solidFill>
+                  <a:srgbClr val="009051"/>
+                </a:solidFill>
+                <a:latin typeface="NanumGothic" panose="020D0604000000000000" pitchFamily="34" charset="-127"/>
+                <a:ea typeface="NanumGothic" panose="020D0604000000000000" pitchFamily="34" charset="-127"/>
+              </a:rPr>
+              <a:t>: </a:t>
+            </a:r>
+            <a:r>
+              <a:rPr lang="ko-KR" altLang="en-US" i="1" dirty="0">
+                <a:solidFill>
+                  <a:srgbClr val="009051"/>
+                </a:solidFill>
+                <a:latin typeface="NanumGothic" panose="020D0604000000000000" pitchFamily="34" charset="-127"/>
+                <a:ea typeface="NanumGothic" panose="020D0604000000000000" pitchFamily="34" charset="-127"/>
+              </a:rPr>
+              <a:t>영문 대소문자 구분</a:t>
+            </a:r>
+            <a:r>
+              <a:rPr lang="en-US" altLang="ko-KR" i="1" dirty="0">
+                <a:solidFill>
+                  <a:srgbClr val="009051"/>
+                </a:solidFill>
+                <a:latin typeface="NanumGothic" panose="020D0604000000000000" pitchFamily="34" charset="-127"/>
+                <a:ea typeface="NanumGothic" panose="020D0604000000000000" pitchFamily="34" charset="-127"/>
+              </a:rPr>
+              <a:t>, </a:t>
+            </a:r>
+            <a:r>
+              <a:rPr lang="ko-KR" altLang="en-US" sz="1800" i="1" dirty="0">
+                <a:solidFill>
+                  <a:srgbClr val="009051"/>
+                </a:solidFill>
+                <a:latin typeface="NanumGothic" panose="020D0604000000000000" pitchFamily="34" charset="-127"/>
+                <a:ea typeface="NanumGothic" panose="020D0604000000000000" pitchFamily="34" charset="-127"/>
+              </a:rPr>
+              <a:t>한글 </a:t>
+            </a:r>
+            <a:r>
+              <a:rPr lang="en-US" altLang="ko-KR" sz="1800" i="1" dirty="0">
+                <a:solidFill>
+                  <a:srgbClr val="009051"/>
+                </a:solidFill>
+                <a:latin typeface="NanumGothic" panose="020D0604000000000000" pitchFamily="34" charset="-127"/>
+                <a:ea typeface="NanumGothic" panose="020D0604000000000000" pitchFamily="34" charset="-127"/>
+              </a:rPr>
+              <a:t>O, </a:t>
+            </a:r>
+            <a:r>
+              <a:rPr lang="ko-KR" altLang="en-US" sz="1800" i="1" dirty="0">
+                <a:solidFill>
+                  <a:srgbClr val="009051"/>
+                </a:solidFill>
+                <a:latin typeface="NanumGothic" panose="020D0604000000000000" pitchFamily="34" charset="-127"/>
+                <a:ea typeface="NanumGothic" panose="020D0604000000000000" pitchFamily="34" charset="-127"/>
+              </a:rPr>
+              <a:t>숫자 시작 </a:t>
+            </a:r>
+            <a:r>
+              <a:rPr lang="en-US" altLang="ko-KR" sz="1800" i="1" dirty="0">
+                <a:solidFill>
+                  <a:srgbClr val="009051"/>
+                </a:solidFill>
+                <a:latin typeface="NanumGothic" panose="020D0604000000000000" pitchFamily="34" charset="-127"/>
+                <a:ea typeface="NanumGothic" panose="020D0604000000000000" pitchFamily="34" charset="-127"/>
+              </a:rPr>
+              <a:t>X, _</a:t>
+            </a:r>
+            <a:r>
+              <a:rPr lang="ko-KR" altLang="en-US" sz="1800" i="1" dirty="0">
+                <a:solidFill>
+                  <a:srgbClr val="009051"/>
+                </a:solidFill>
+                <a:latin typeface="NanumGothic" panose="020D0604000000000000" pitchFamily="34" charset="-127"/>
+                <a:ea typeface="NanumGothic" panose="020D0604000000000000" pitchFamily="34" charset="-127"/>
+              </a:rPr>
+              <a:t>시작 </a:t>
+            </a:r>
+            <a:r>
+              <a:rPr lang="en-US" altLang="ko-KR" i="1" dirty="0">
+                <a:solidFill>
+                  <a:srgbClr val="009051"/>
+                </a:solidFill>
+                <a:latin typeface="NanumGothic" panose="020D0604000000000000" pitchFamily="34" charset="-127"/>
+                <a:ea typeface="NanumGothic" panose="020D0604000000000000" pitchFamily="34" charset="-127"/>
+              </a:rPr>
+              <a:t>O</a:t>
+            </a:r>
+            <a:endParaRPr lang="ko-KR" altLang="en-US" i="1" dirty="0"/>
+          </a:p>
+        </p:txBody>
+      </p:sp>
+      <p:sp>
+        <p:nvSpPr>
+          <p:cNvPr id="57" name="직사각형 56">
+            <a:extLst>
+              <a:ext uri="{FF2B5EF4-FFF2-40B4-BE49-F238E27FC236}">
+                <a16:creationId xmlns:a16="http://schemas.microsoft.com/office/drawing/2014/main" id="{6AF9DD49-8C1A-E24D-8801-F2C8259BE881}"/>
+              </a:ext>
+            </a:extLst>
+          </p:cNvPr>
+          <p:cNvSpPr/>
+          <p:nvPr/>
+        </p:nvSpPr>
+        <p:spPr>
+          <a:xfrm>
+            <a:off x="3005152" y="2872084"/>
+            <a:ext cx="202744" cy="241260"/>
+          </a:xfrm>
+          <a:prstGeom prst="rect">
+            <a:avLst/>
+          </a:prstGeom>
+          <a:solidFill>
+            <a:srgbClr val="00B0F0">
+              <a:alpha val="50196"/>
+            </a:srgbClr>
+          </a:solidFill>
+          <a:ln>
+            <a:noFill/>
+          </a:ln>
+        </p:spPr>
+        <p:style>
+          <a:lnRef idx="2">
+            <a:schemeClr val="accent1">
+              <a:shade val="50000"/>
+            </a:schemeClr>
+          </a:lnRef>
+          <a:fillRef idx="1">
+            <a:schemeClr val="accent1"/>
+          </a:fillRef>
+          <a:effectRef idx="0">
+            <a:schemeClr val="accent1"/>
+          </a:effectRef>
+          <a:fontRef idx="minor">
+            <a:schemeClr val="lt1"/>
+          </a:fontRef>
+        </p:style>
+        <p:txBody>
+          <a:bodyPr rtlCol="0" anchor="ctr"/>
+          <a:lstStyle/>
+          <a:p>
+            <a:pPr algn="ctr"/>
+            <a:endParaRPr kumimoji="1" lang="ko-KR" altLang="en-US" dirty="0"/>
+          </a:p>
+        </p:txBody>
+      </p:sp>
+      <p:sp>
+        <p:nvSpPr>
+          <p:cNvPr id="59" name="직사각형 58">
+            <a:extLst>
+              <a:ext uri="{FF2B5EF4-FFF2-40B4-BE49-F238E27FC236}">
+                <a16:creationId xmlns:a16="http://schemas.microsoft.com/office/drawing/2014/main" id="{A8AE7C93-0C8D-3E47-BBD1-76C42394369D}"/>
+              </a:ext>
+            </a:extLst>
+          </p:cNvPr>
+          <p:cNvSpPr/>
+          <p:nvPr/>
+        </p:nvSpPr>
+        <p:spPr>
+          <a:xfrm>
+            <a:off x="3007652" y="3129414"/>
+            <a:ext cx="202744" cy="241260"/>
+          </a:xfrm>
+          <a:prstGeom prst="rect">
+            <a:avLst/>
+          </a:prstGeom>
+          <a:solidFill>
+            <a:srgbClr val="00B0F0">
+              <a:alpha val="50196"/>
+            </a:srgbClr>
+          </a:solidFill>
+          <a:ln>
+            <a:noFill/>
+          </a:ln>
+        </p:spPr>
+        <p:style>
+          <a:lnRef idx="2">
+            <a:schemeClr val="accent1">
+              <a:shade val="50000"/>
+            </a:schemeClr>
+          </a:lnRef>
+          <a:fillRef idx="1">
+            <a:schemeClr val="accent1"/>
+          </a:fillRef>
+          <a:effectRef idx="0">
+            <a:schemeClr val="accent1"/>
+          </a:effectRef>
+          <a:fontRef idx="minor">
+            <a:schemeClr val="lt1"/>
+          </a:fontRef>
+        </p:style>
+        <p:txBody>
+          <a:bodyPr rtlCol="0" anchor="ctr"/>
+          <a:lstStyle/>
+          <a:p>
+            <a:pPr algn="ctr"/>
+            <a:endParaRPr kumimoji="1" lang="ko-KR" altLang="en-US" dirty="0"/>
+          </a:p>
+        </p:txBody>
+      </p:sp>
+      <p:sp>
+        <p:nvSpPr>
+          <p:cNvPr id="60" name="직사각형 59">
+            <a:extLst>
+              <a:ext uri="{FF2B5EF4-FFF2-40B4-BE49-F238E27FC236}">
+                <a16:creationId xmlns:a16="http://schemas.microsoft.com/office/drawing/2014/main" id="{3AF8F39A-F1B1-2444-B1EB-E7087E63A939}"/>
+              </a:ext>
+            </a:extLst>
+          </p:cNvPr>
+          <p:cNvSpPr/>
+          <p:nvPr/>
+        </p:nvSpPr>
+        <p:spPr>
+          <a:xfrm>
+            <a:off x="3397391" y="2874584"/>
+            <a:ext cx="335159" cy="238760"/>
+          </a:xfrm>
+          <a:prstGeom prst="rect">
+            <a:avLst/>
+          </a:prstGeom>
+          <a:solidFill>
+            <a:srgbClr val="FFFF00">
+              <a:alpha val="50196"/>
+            </a:srgbClr>
+          </a:solidFill>
+          <a:ln>
+            <a:noFill/>
+          </a:ln>
+        </p:spPr>
+        <p:style>
+          <a:lnRef idx="2">
+            <a:schemeClr val="accent1">
+              <a:shade val="50000"/>
+            </a:schemeClr>
+          </a:lnRef>
+          <a:fillRef idx="1">
+            <a:schemeClr val="accent1"/>
+          </a:fillRef>
+          <a:effectRef idx="0">
+            <a:schemeClr val="accent1"/>
+          </a:effectRef>
+          <a:fontRef idx="minor">
+            <a:schemeClr val="lt1"/>
+          </a:fontRef>
+        </p:style>
+        <p:txBody>
+          <a:bodyPr rtlCol="0" anchor="ctr"/>
+          <a:lstStyle/>
+          <a:p>
+            <a:pPr algn="ctr"/>
+            <a:endParaRPr kumimoji="1" lang="ko-KR" altLang="en-US" dirty="0"/>
+          </a:p>
+        </p:txBody>
+      </p:sp>
+      <p:sp>
+        <p:nvSpPr>
+          <p:cNvPr id="61" name="직사각형 60">
+            <a:extLst>
+              <a:ext uri="{FF2B5EF4-FFF2-40B4-BE49-F238E27FC236}">
+                <a16:creationId xmlns:a16="http://schemas.microsoft.com/office/drawing/2014/main" id="{C77E049B-5502-A44E-8922-FB452E3BA22B}"/>
+              </a:ext>
+            </a:extLst>
+          </p:cNvPr>
+          <p:cNvSpPr/>
+          <p:nvPr/>
+        </p:nvSpPr>
+        <p:spPr>
+          <a:xfrm>
+            <a:off x="3384901" y="3131914"/>
+            <a:ext cx="452581" cy="238760"/>
+          </a:xfrm>
+          <a:prstGeom prst="rect">
+            <a:avLst/>
+          </a:prstGeom>
+          <a:solidFill>
+            <a:srgbClr val="FFFF00">
+              <a:alpha val="50196"/>
+            </a:srgbClr>
+          </a:solidFill>
+          <a:ln>
+            <a:noFill/>
+          </a:ln>
+        </p:spPr>
+        <p:style>
+          <a:lnRef idx="2">
+            <a:schemeClr val="accent1">
+              <a:shade val="50000"/>
+            </a:schemeClr>
+          </a:lnRef>
+          <a:fillRef idx="1">
+            <a:schemeClr val="accent1"/>
+          </a:fillRef>
+          <a:effectRef idx="0">
+            <a:schemeClr val="accent1"/>
+          </a:effectRef>
+          <a:fontRef idx="minor">
+            <a:schemeClr val="lt1"/>
+          </a:fontRef>
+        </p:style>
+        <p:txBody>
+          <a:bodyPr rtlCol="0" anchor="ctr"/>
+          <a:lstStyle/>
+          <a:p>
+            <a:pPr algn="ctr"/>
+            <a:endParaRPr kumimoji="1" lang="ko-KR" altLang="en-US" dirty="0"/>
+          </a:p>
+        </p:txBody>
+      </p:sp>
+      <p:sp>
+        <p:nvSpPr>
+          <p:cNvPr id="62" name="직사각형 61">
+            <a:extLst>
+              <a:ext uri="{FF2B5EF4-FFF2-40B4-BE49-F238E27FC236}">
+                <a16:creationId xmlns:a16="http://schemas.microsoft.com/office/drawing/2014/main" id="{A90876D4-A876-744A-B53E-158A14A20538}"/>
+              </a:ext>
+            </a:extLst>
+          </p:cNvPr>
+          <p:cNvSpPr/>
+          <p:nvPr/>
+        </p:nvSpPr>
+        <p:spPr>
+          <a:xfrm>
+            <a:off x="6293559" y="2853514"/>
+            <a:ext cx="202744" cy="241260"/>
+          </a:xfrm>
+          <a:prstGeom prst="rect">
+            <a:avLst/>
+          </a:prstGeom>
+          <a:solidFill>
+            <a:srgbClr val="00B0F0">
+              <a:alpha val="50196"/>
+            </a:srgbClr>
+          </a:solidFill>
+          <a:ln>
+            <a:noFill/>
+          </a:ln>
+        </p:spPr>
+        <p:style>
+          <a:lnRef idx="2">
+            <a:schemeClr val="accent1">
+              <a:shade val="50000"/>
+            </a:schemeClr>
+          </a:lnRef>
+          <a:fillRef idx="1">
+            <a:schemeClr val="accent1"/>
+          </a:fillRef>
+          <a:effectRef idx="0">
+            <a:schemeClr val="accent1"/>
+          </a:effectRef>
+          <a:fontRef idx="minor">
+            <a:schemeClr val="lt1"/>
+          </a:fontRef>
+        </p:style>
+        <p:txBody>
+          <a:bodyPr rtlCol="0" anchor="ctr"/>
+          <a:lstStyle/>
+          <a:p>
+            <a:pPr algn="ctr"/>
+            <a:endParaRPr kumimoji="1" lang="ko-KR" altLang="en-US" dirty="0"/>
+          </a:p>
+        </p:txBody>
+      </p:sp>
+      <p:sp>
+        <p:nvSpPr>
+          <p:cNvPr id="63" name="직사각형 62">
+            <a:extLst>
+              <a:ext uri="{FF2B5EF4-FFF2-40B4-BE49-F238E27FC236}">
+                <a16:creationId xmlns:a16="http://schemas.microsoft.com/office/drawing/2014/main" id="{A3ECA59C-B2D3-164D-9539-147FDAD636F7}"/>
+              </a:ext>
+            </a:extLst>
+          </p:cNvPr>
+          <p:cNvSpPr/>
+          <p:nvPr/>
+        </p:nvSpPr>
+        <p:spPr>
+          <a:xfrm>
+            <a:off x="6296059" y="3110844"/>
+            <a:ext cx="202744" cy="241260"/>
+          </a:xfrm>
+          <a:prstGeom prst="rect">
+            <a:avLst/>
+          </a:prstGeom>
+          <a:solidFill>
+            <a:srgbClr val="00B0F0">
+              <a:alpha val="50196"/>
+            </a:srgbClr>
+          </a:solidFill>
+          <a:ln>
+            <a:noFill/>
+          </a:ln>
+        </p:spPr>
+        <p:style>
+          <a:lnRef idx="2">
+            <a:schemeClr val="accent1">
+              <a:shade val="50000"/>
+            </a:schemeClr>
+          </a:lnRef>
+          <a:fillRef idx="1">
+            <a:schemeClr val="accent1"/>
+          </a:fillRef>
+          <a:effectRef idx="0">
+            <a:schemeClr val="accent1"/>
+          </a:effectRef>
+          <a:fontRef idx="minor">
+            <a:schemeClr val="lt1"/>
+          </a:fontRef>
+        </p:style>
+        <p:txBody>
+          <a:bodyPr rtlCol="0" anchor="ctr"/>
+          <a:lstStyle/>
+          <a:p>
+            <a:pPr algn="ctr"/>
+            <a:endParaRPr kumimoji="1" lang="ko-KR" altLang="en-US" dirty="0"/>
+          </a:p>
+        </p:txBody>
+      </p:sp>
+      <p:sp>
+        <p:nvSpPr>
+          <p:cNvPr id="64" name="직사각형 63">
+            <a:extLst>
+              <a:ext uri="{FF2B5EF4-FFF2-40B4-BE49-F238E27FC236}">
+                <a16:creationId xmlns:a16="http://schemas.microsoft.com/office/drawing/2014/main" id="{11852CF3-F839-3D45-9196-30347A6BFEAF}"/>
+              </a:ext>
+            </a:extLst>
+          </p:cNvPr>
+          <p:cNvSpPr/>
+          <p:nvPr/>
+        </p:nvSpPr>
+        <p:spPr>
+          <a:xfrm>
+            <a:off x="6685798" y="2856014"/>
+            <a:ext cx="590998" cy="233322"/>
+          </a:xfrm>
+          <a:prstGeom prst="rect">
+            <a:avLst/>
+          </a:prstGeom>
+          <a:solidFill>
+            <a:srgbClr val="FFFF00">
+              <a:alpha val="50196"/>
+            </a:srgbClr>
+          </a:solidFill>
+          <a:ln>
+            <a:noFill/>
+          </a:ln>
+        </p:spPr>
+        <p:style>
+          <a:lnRef idx="2">
+            <a:schemeClr val="accent1">
+              <a:shade val="50000"/>
+            </a:schemeClr>
+          </a:lnRef>
+          <a:fillRef idx="1">
+            <a:schemeClr val="accent1"/>
+          </a:fillRef>
+          <a:effectRef idx="0">
+            <a:schemeClr val="accent1"/>
+          </a:effectRef>
+          <a:fontRef idx="minor">
+            <a:schemeClr val="lt1"/>
+          </a:fontRef>
+        </p:style>
+        <p:txBody>
+          <a:bodyPr rtlCol="0" anchor="ctr"/>
+          <a:lstStyle/>
+          <a:p>
+            <a:pPr algn="ctr"/>
+            <a:endParaRPr kumimoji="1" lang="ko-KR" altLang="en-US" dirty="0"/>
+          </a:p>
+        </p:txBody>
+      </p:sp>
+      <p:sp>
+        <p:nvSpPr>
+          <p:cNvPr id="65" name="직사각형 64">
+            <a:extLst>
+              <a:ext uri="{FF2B5EF4-FFF2-40B4-BE49-F238E27FC236}">
+                <a16:creationId xmlns:a16="http://schemas.microsoft.com/office/drawing/2014/main" id="{97BC9194-AD06-F94B-A973-5F2F6F13E9FA}"/>
+              </a:ext>
+            </a:extLst>
+          </p:cNvPr>
+          <p:cNvSpPr/>
+          <p:nvPr/>
+        </p:nvSpPr>
+        <p:spPr>
+          <a:xfrm>
+            <a:off x="6673308" y="3113344"/>
+            <a:ext cx="1601262" cy="257330"/>
+          </a:xfrm>
+          <a:prstGeom prst="rect">
+            <a:avLst/>
+          </a:prstGeom>
+          <a:solidFill>
+            <a:srgbClr val="FFFF00">
+              <a:alpha val="50196"/>
+            </a:srgbClr>
+          </a:solidFill>
+          <a:ln>
+            <a:noFill/>
+          </a:ln>
+        </p:spPr>
+        <p:style>
+          <a:lnRef idx="2">
+            <a:schemeClr val="accent1">
+              <a:shade val="50000"/>
+            </a:schemeClr>
+          </a:lnRef>
+          <a:fillRef idx="1">
+            <a:schemeClr val="accent1"/>
+          </a:fillRef>
+          <a:effectRef idx="0">
+            <a:schemeClr val="accent1"/>
+          </a:effectRef>
+          <a:fontRef idx="minor">
+            <a:schemeClr val="lt1"/>
+          </a:fontRef>
+        </p:style>
+        <p:txBody>
+          <a:bodyPr rtlCol="0" anchor="ctr"/>
+          <a:lstStyle/>
+          <a:p>
+            <a:pPr algn="ctr"/>
+            <a:endParaRPr kumimoji="1" lang="ko-KR" altLang="en-US" dirty="0"/>
+          </a:p>
+        </p:txBody>
+      </p:sp>
+      <p:sp>
+        <p:nvSpPr>
+          <p:cNvPr id="66" name="직사각형 65">
+            <a:extLst>
+              <a:ext uri="{FF2B5EF4-FFF2-40B4-BE49-F238E27FC236}">
+                <a16:creationId xmlns:a16="http://schemas.microsoft.com/office/drawing/2014/main" id="{F99CFF3D-D529-F641-9BEF-903DF2064BA6}"/>
+              </a:ext>
+            </a:extLst>
+          </p:cNvPr>
+          <p:cNvSpPr/>
+          <p:nvPr/>
+        </p:nvSpPr>
+        <p:spPr>
+          <a:xfrm>
+            <a:off x="3517498" y="1449258"/>
+            <a:ext cx="424915" cy="348640"/>
+          </a:xfrm>
+          <a:prstGeom prst="rect">
+            <a:avLst/>
+          </a:prstGeom>
+          <a:solidFill>
+            <a:srgbClr val="FFFF00">
+              <a:alpha val="50196"/>
+            </a:srgbClr>
+          </a:solidFill>
+          <a:ln>
+            <a:noFill/>
+          </a:ln>
+        </p:spPr>
+        <p:style>
+          <a:lnRef idx="2">
+            <a:schemeClr val="accent1">
+              <a:shade val="50000"/>
+            </a:schemeClr>
+          </a:lnRef>
+          <a:fillRef idx="1">
+            <a:schemeClr val="accent1"/>
+          </a:fillRef>
+          <a:effectRef idx="0">
+            <a:schemeClr val="accent1"/>
+          </a:effectRef>
+          <a:fontRef idx="minor">
+            <a:schemeClr val="lt1"/>
+          </a:fontRef>
+        </p:style>
+        <p:txBody>
+          <a:bodyPr rtlCol="0" anchor="ctr"/>
+          <a:lstStyle/>
+          <a:p>
+            <a:pPr algn="ctr"/>
+            <a:endParaRPr kumimoji="1" lang="ko-KR" altLang="en-US" dirty="0"/>
+          </a:p>
+        </p:txBody>
+      </p:sp>
+      <p:sp>
+        <p:nvSpPr>
+          <p:cNvPr id="67" name="직사각형 66">
+            <a:extLst>
+              <a:ext uri="{FF2B5EF4-FFF2-40B4-BE49-F238E27FC236}">
+                <a16:creationId xmlns:a16="http://schemas.microsoft.com/office/drawing/2014/main" id="{B29ECB50-D508-B14A-8335-DAF0CF6ED25D}"/>
+              </a:ext>
+            </a:extLst>
+          </p:cNvPr>
+          <p:cNvSpPr/>
+          <p:nvPr/>
+        </p:nvSpPr>
+        <p:spPr>
+          <a:xfrm>
+            <a:off x="2916818" y="3803650"/>
+            <a:ext cx="4601581" cy="403446"/>
+          </a:xfrm>
+          <a:prstGeom prst="rect">
+            <a:avLst/>
+          </a:prstGeom>
+          <a:solidFill>
+            <a:schemeClr val="bg1"/>
+          </a:solidFill>
+          <a:ln>
+            <a:noFill/>
+          </a:ln>
+        </p:spPr>
+        <p:style>
+          <a:lnRef idx="2">
+            <a:schemeClr val="accent1">
+              <a:shade val="50000"/>
+            </a:schemeClr>
+          </a:lnRef>
+          <a:fillRef idx="1">
+            <a:schemeClr val="accent1"/>
+          </a:fillRef>
+          <a:effectRef idx="0">
+            <a:schemeClr val="accent1"/>
+          </a:effectRef>
+          <a:fontRef idx="minor">
+            <a:schemeClr val="lt1"/>
+          </a:fontRef>
+        </p:style>
+        <p:txBody>
+          <a:bodyPr rtlCol="0" anchor="ctr"/>
+          <a:lstStyle/>
+          <a:p>
+            <a:r>
+              <a:rPr kumimoji="1" lang="en-US" altLang="ko-KR" b="1" dirty="0">
+                <a:solidFill>
+                  <a:schemeClr val="tx1"/>
+                </a:solidFill>
+                <a:latin typeface="NanumGothic" panose="020D0604000000000000" pitchFamily="34" charset="-127"/>
+                <a:ea typeface="NanumGothic" panose="020D0604000000000000" pitchFamily="34" charset="-127"/>
+              </a:rPr>
+              <a:t>#0-3.</a:t>
+            </a:r>
+            <a:r>
+              <a:rPr kumimoji="1" lang="ko-KR" altLang="en-US" b="1" dirty="0">
+                <a:solidFill>
+                  <a:schemeClr val="tx1"/>
+                </a:solidFill>
+                <a:latin typeface="NanumGothic" panose="020D0604000000000000" pitchFamily="34" charset="-127"/>
+                <a:ea typeface="NanumGothic" panose="020D0604000000000000" pitchFamily="34" charset="-127"/>
+              </a:rPr>
+              <a:t> 기본 입력 </a:t>
+            </a:r>
+            <a:r>
+              <a:rPr kumimoji="1" lang="en-US" altLang="ko-KR" b="1" dirty="0">
+                <a:solidFill>
+                  <a:schemeClr val="tx1"/>
+                </a:solidFill>
+                <a:latin typeface="NanumGothic" panose="020D0604000000000000" pitchFamily="34" charset="-127"/>
+                <a:ea typeface="NanumGothic" panose="020D0604000000000000" pitchFamily="34" charset="-127"/>
+              </a:rPr>
+              <a:t>: </a:t>
+            </a:r>
+            <a:r>
+              <a:rPr kumimoji="1" lang="ko-KR" altLang="en-US" b="1" dirty="0">
+                <a:solidFill>
+                  <a:schemeClr val="tx1"/>
+                </a:solidFill>
+                <a:latin typeface="NanumGothic" panose="020D0604000000000000" pitchFamily="34" charset="-127"/>
+                <a:ea typeface="NanumGothic" panose="020D0604000000000000" pitchFamily="34" charset="-127"/>
+              </a:rPr>
+              <a:t>변수 </a:t>
+            </a:r>
+            <a:r>
+              <a:rPr kumimoji="1" lang="en-US" altLang="ko-KR" b="1" dirty="0">
+                <a:solidFill>
+                  <a:schemeClr val="tx1"/>
+                </a:solidFill>
+                <a:latin typeface="NanumGothic" panose="020D0604000000000000" pitchFamily="34" charset="-127"/>
+                <a:ea typeface="NanumGothic" panose="020D0604000000000000" pitchFamily="34" charset="-127"/>
+              </a:rPr>
+              <a:t>= </a:t>
+            </a:r>
+            <a:r>
+              <a:rPr kumimoji="1" lang="en-US" altLang="ko-KR" b="1" dirty="0">
+                <a:solidFill>
+                  <a:srgbClr val="FF0000"/>
+                </a:solidFill>
+                <a:latin typeface="NanumGothic" panose="020D0604000000000000" pitchFamily="34" charset="-127"/>
+                <a:ea typeface="NanumGothic" panose="020D0604000000000000" pitchFamily="34" charset="-127"/>
+              </a:rPr>
+              <a:t>input(</a:t>
+            </a:r>
+            <a:r>
+              <a:rPr kumimoji="1" lang="en-US" altLang="ko-KR" dirty="0">
+                <a:solidFill>
+                  <a:schemeClr val="tx1"/>
+                </a:solidFill>
+                <a:latin typeface="NanumGothic" panose="020D0604000000000000" pitchFamily="34" charset="-127"/>
+                <a:ea typeface="NanumGothic" panose="020D0604000000000000" pitchFamily="34" charset="-127"/>
+              </a:rPr>
+              <a:t>‘</a:t>
+            </a:r>
+            <a:r>
+              <a:rPr kumimoji="1" lang="ko-KR" altLang="en-US" dirty="0">
+                <a:solidFill>
+                  <a:schemeClr val="tx1"/>
+                </a:solidFill>
+                <a:latin typeface="NanumGothic" panose="020D0604000000000000" pitchFamily="34" charset="-127"/>
+                <a:ea typeface="NanumGothic" panose="020D0604000000000000" pitchFamily="34" charset="-127"/>
+              </a:rPr>
+              <a:t>안내 </a:t>
+            </a:r>
+            <a:r>
+              <a:rPr kumimoji="1" lang="ko-KR" altLang="en-US" dirty="0" err="1">
+                <a:solidFill>
+                  <a:schemeClr val="tx1"/>
+                </a:solidFill>
+                <a:latin typeface="NanumGothic" panose="020D0604000000000000" pitchFamily="34" charset="-127"/>
+                <a:ea typeface="NanumGothic" panose="020D0604000000000000" pitchFamily="34" charset="-127"/>
+              </a:rPr>
+              <a:t>메세지</a:t>
+            </a:r>
+            <a:r>
+              <a:rPr kumimoji="1" lang="en-US" altLang="ko-KR" dirty="0">
+                <a:solidFill>
+                  <a:schemeClr val="tx1"/>
+                </a:solidFill>
+                <a:latin typeface="NanumGothic" panose="020D0604000000000000" pitchFamily="34" charset="-127"/>
+                <a:ea typeface="NanumGothic" panose="020D0604000000000000" pitchFamily="34" charset="-127"/>
+              </a:rPr>
+              <a:t>’</a:t>
+            </a:r>
+            <a:r>
+              <a:rPr kumimoji="1" lang="en-US" altLang="ko-KR" b="1" dirty="0">
+                <a:solidFill>
+                  <a:srgbClr val="FF0000"/>
+                </a:solidFill>
+                <a:latin typeface="NanumGothic" panose="020D0604000000000000" pitchFamily="34" charset="-127"/>
+                <a:ea typeface="NanumGothic" panose="020D0604000000000000" pitchFamily="34" charset="-127"/>
+              </a:rPr>
+              <a:t>)</a:t>
+            </a:r>
+            <a:endParaRPr kumimoji="1" lang="ko-KR" altLang="en-US" b="1" dirty="0">
+              <a:solidFill>
+                <a:srgbClr val="FF0000"/>
+              </a:solidFill>
+              <a:latin typeface="NanumGothic" panose="020D0604000000000000" pitchFamily="34" charset="-127"/>
+              <a:ea typeface="NanumGothic" panose="020D0604000000000000" pitchFamily="34" charset="-127"/>
+            </a:endParaRPr>
+          </a:p>
+        </p:txBody>
+      </p:sp>
+      <p:sp>
+        <p:nvSpPr>
+          <p:cNvPr id="68" name="모서리가 둥근 직사각형 67">
+            <a:extLst>
+              <a:ext uri="{FF2B5EF4-FFF2-40B4-BE49-F238E27FC236}">
+                <a16:creationId xmlns:a16="http://schemas.microsoft.com/office/drawing/2014/main" id="{738A4F41-D5C9-3841-BF2E-3CC35322A011}"/>
+              </a:ext>
+            </a:extLst>
+          </p:cNvPr>
+          <p:cNvSpPr/>
+          <p:nvPr/>
+        </p:nvSpPr>
+        <p:spPr>
+          <a:xfrm>
+            <a:off x="2912056" y="4215150"/>
+            <a:ext cx="2862580" cy="849671"/>
+          </a:xfrm>
+          <a:prstGeom prst="roundRect">
+            <a:avLst/>
+          </a:prstGeom>
+          <a:solidFill>
+            <a:schemeClr val="bg1"/>
+          </a:solidFill>
+          <a:ln>
+            <a:solidFill>
+              <a:schemeClr val="bg1">
+                <a:lumMod val="50000"/>
+              </a:schemeClr>
+            </a:solidFill>
+          </a:ln>
+        </p:spPr>
+        <p:style>
+          <a:lnRef idx="2">
+            <a:schemeClr val="accent1">
+              <a:shade val="50000"/>
+            </a:schemeClr>
+          </a:lnRef>
+          <a:fillRef idx="1">
+            <a:schemeClr val="accent1"/>
+          </a:fillRef>
+          <a:effectRef idx="0">
+            <a:schemeClr val="accent1"/>
+          </a:effectRef>
+          <a:fontRef idx="minor">
+            <a:schemeClr val="lt1"/>
+          </a:fontRef>
+        </p:style>
+        <p:txBody>
+          <a:bodyPr rtlCol="0" anchor="ctr"/>
+          <a:lstStyle/>
+          <a:p>
+            <a:r>
+              <a:rPr kumimoji="1" lang="en-US" altLang="ko-KR" dirty="0">
+                <a:solidFill>
+                  <a:srgbClr val="009051"/>
+                </a:solidFill>
+                <a:latin typeface="NanumGothic" panose="020D0604000000000000" pitchFamily="34" charset="-127"/>
+                <a:ea typeface="NanumGothic" panose="020D0604000000000000" pitchFamily="34" charset="-127"/>
+              </a:rPr>
+              <a:t># </a:t>
+            </a:r>
+            <a:r>
+              <a:rPr kumimoji="1" lang="ko-KR" altLang="en-US" dirty="0">
+                <a:solidFill>
+                  <a:srgbClr val="009051"/>
+                </a:solidFill>
+                <a:latin typeface="NanumGothic" panose="020D0604000000000000" pitchFamily="34" charset="-127"/>
+                <a:ea typeface="NanumGothic" panose="020D0604000000000000" pitchFamily="34" charset="-127"/>
+              </a:rPr>
+              <a:t>키보드로 </a:t>
+            </a:r>
+            <a:r>
+              <a:rPr kumimoji="1" lang="ko-KR" altLang="en-US" spc="-150" dirty="0">
+                <a:solidFill>
+                  <a:srgbClr val="009051"/>
+                </a:solidFill>
+                <a:latin typeface="NanumGothic" panose="020D0604000000000000" pitchFamily="34" charset="-127"/>
+                <a:ea typeface="NanumGothic" panose="020D0604000000000000" pitchFamily="34" charset="-127"/>
+              </a:rPr>
+              <a:t>문자 입력하기</a:t>
+            </a:r>
+            <a:endParaRPr kumimoji="1" lang="en-US" altLang="ko-KR" spc="-150" dirty="0">
+              <a:solidFill>
+                <a:srgbClr val="009051"/>
+              </a:solidFill>
+              <a:latin typeface="NanumGothic" panose="020D0604000000000000" pitchFamily="34" charset="-127"/>
+              <a:ea typeface="NanumGothic" panose="020D0604000000000000" pitchFamily="34" charset="-127"/>
+            </a:endParaRPr>
+          </a:p>
+          <a:p>
+            <a:r>
+              <a:rPr kumimoji="1" lang="en-US" altLang="ko-KR" spc="-150" dirty="0">
+                <a:solidFill>
+                  <a:schemeClr val="tx1">
+                    <a:lumMod val="95000"/>
+                    <a:lumOff val="5000"/>
+                  </a:schemeClr>
+                </a:solidFill>
+                <a:latin typeface="NanumGothic" panose="020D0604000000000000" pitchFamily="34" charset="-127"/>
+                <a:ea typeface="NanumGothic" panose="020D0604000000000000" pitchFamily="34" charset="-127"/>
+              </a:rPr>
+              <a:t>name = input()</a:t>
+            </a:r>
+          </a:p>
+          <a:p>
+            <a:r>
+              <a:rPr kumimoji="1" lang="en-US" altLang="ko-KR" spc="-150" dirty="0" err="1">
+                <a:solidFill>
+                  <a:schemeClr val="tx1">
+                    <a:lumMod val="95000"/>
+                    <a:lumOff val="5000"/>
+                  </a:schemeClr>
+                </a:solidFill>
+                <a:latin typeface="NanumGothic" panose="020D0604000000000000" pitchFamily="34" charset="-127"/>
+                <a:ea typeface="NanumGothic" panose="020D0604000000000000" pitchFamily="34" charset="-127"/>
+              </a:rPr>
+              <a:t>my_id</a:t>
+            </a:r>
+            <a:r>
+              <a:rPr kumimoji="1" lang="en-US" altLang="ko-KR" spc="-150" dirty="0">
+                <a:solidFill>
+                  <a:schemeClr val="tx1">
+                    <a:lumMod val="95000"/>
+                    <a:lumOff val="5000"/>
+                  </a:schemeClr>
+                </a:solidFill>
+                <a:latin typeface="NanumGothic" panose="020D0604000000000000" pitchFamily="34" charset="-127"/>
+                <a:ea typeface="NanumGothic" panose="020D0604000000000000" pitchFamily="34" charset="-127"/>
+              </a:rPr>
+              <a:t> = input(‘</a:t>
+            </a:r>
+            <a:r>
+              <a:rPr kumimoji="1" lang="ko-KR" altLang="en-US" spc="-150" dirty="0">
+                <a:solidFill>
+                  <a:schemeClr val="tx1">
+                    <a:lumMod val="95000"/>
+                    <a:lumOff val="5000"/>
+                  </a:schemeClr>
+                </a:solidFill>
+                <a:latin typeface="NanumGothic" panose="020D0604000000000000" pitchFamily="34" charset="-127"/>
+                <a:ea typeface="NanumGothic" panose="020D0604000000000000" pitchFamily="34" charset="-127"/>
+              </a:rPr>
+              <a:t>아이디 입력 </a:t>
+            </a:r>
+            <a:r>
+              <a:rPr kumimoji="1" lang="en-US" altLang="ko-KR" spc="-150" dirty="0">
+                <a:solidFill>
+                  <a:schemeClr val="tx1">
+                    <a:lumMod val="95000"/>
+                    <a:lumOff val="5000"/>
+                  </a:schemeClr>
+                </a:solidFill>
+                <a:latin typeface="NanumGothic" panose="020D0604000000000000" pitchFamily="34" charset="-127"/>
+                <a:ea typeface="NanumGothic" panose="020D0604000000000000" pitchFamily="34" charset="-127"/>
+              </a:rPr>
+              <a:t>: ’)</a:t>
+            </a:r>
+          </a:p>
+        </p:txBody>
+      </p:sp>
+      <p:sp>
+        <p:nvSpPr>
+          <p:cNvPr id="69" name="모서리가 둥근 직사각형 68">
+            <a:extLst>
+              <a:ext uri="{FF2B5EF4-FFF2-40B4-BE49-F238E27FC236}">
+                <a16:creationId xmlns:a16="http://schemas.microsoft.com/office/drawing/2014/main" id="{7C3529C8-4EBA-E54D-A7FE-6AD233763011}"/>
+              </a:ext>
+            </a:extLst>
+          </p:cNvPr>
+          <p:cNvSpPr/>
+          <p:nvPr/>
+        </p:nvSpPr>
+        <p:spPr>
+          <a:xfrm>
+            <a:off x="5867733" y="4215150"/>
+            <a:ext cx="3536908" cy="849671"/>
+          </a:xfrm>
+          <a:prstGeom prst="roundRect">
+            <a:avLst/>
+          </a:prstGeom>
+          <a:solidFill>
+            <a:schemeClr val="bg1"/>
+          </a:solidFill>
+          <a:ln>
+            <a:solidFill>
+              <a:schemeClr val="bg1">
+                <a:lumMod val="50000"/>
+              </a:schemeClr>
+            </a:solidFill>
+          </a:ln>
+        </p:spPr>
+        <p:style>
+          <a:lnRef idx="2">
+            <a:schemeClr val="accent1">
+              <a:shade val="50000"/>
+            </a:schemeClr>
+          </a:lnRef>
+          <a:fillRef idx="1">
+            <a:schemeClr val="accent1"/>
+          </a:fillRef>
+          <a:effectRef idx="0">
+            <a:schemeClr val="accent1"/>
+          </a:effectRef>
+          <a:fontRef idx="minor">
+            <a:schemeClr val="lt1"/>
+          </a:fontRef>
+        </p:style>
+        <p:txBody>
+          <a:bodyPr rtlCol="0" anchor="ctr"/>
+          <a:lstStyle/>
+          <a:p>
+            <a:r>
+              <a:rPr kumimoji="1" lang="en-US" altLang="ko-KR" dirty="0">
+                <a:solidFill>
+                  <a:srgbClr val="009051"/>
+                </a:solidFill>
+                <a:latin typeface="NanumGothic" panose="020D0604000000000000" pitchFamily="34" charset="-127"/>
+                <a:ea typeface="NanumGothic" panose="020D0604000000000000" pitchFamily="34" charset="-127"/>
+              </a:rPr>
+              <a:t># </a:t>
+            </a:r>
+            <a:r>
+              <a:rPr kumimoji="1" lang="ko-KR" altLang="en-US" spc="-150" dirty="0">
+                <a:solidFill>
+                  <a:srgbClr val="009051"/>
+                </a:solidFill>
+                <a:latin typeface="NanumGothic" panose="020D0604000000000000" pitchFamily="34" charset="-127"/>
+                <a:ea typeface="NanumGothic" panose="020D0604000000000000" pitchFamily="34" charset="-127"/>
+              </a:rPr>
+              <a:t>키보드로 숫자 입력하기</a:t>
+            </a:r>
+            <a:endParaRPr kumimoji="1" lang="en-US" altLang="ko-KR" spc="-150" dirty="0">
+              <a:solidFill>
+                <a:srgbClr val="009051"/>
+              </a:solidFill>
+              <a:latin typeface="NanumGothic" panose="020D0604000000000000" pitchFamily="34" charset="-127"/>
+              <a:ea typeface="NanumGothic" panose="020D0604000000000000" pitchFamily="34" charset="-127"/>
+            </a:endParaRPr>
+          </a:p>
+          <a:p>
+            <a:r>
+              <a:rPr kumimoji="1" lang="en-US" altLang="ko-KR" spc="-150" dirty="0">
+                <a:solidFill>
+                  <a:schemeClr val="tx1">
+                    <a:lumMod val="95000"/>
+                    <a:lumOff val="5000"/>
+                  </a:schemeClr>
+                </a:solidFill>
+                <a:latin typeface="NanumGothic" panose="020D0604000000000000" pitchFamily="34" charset="-127"/>
+                <a:ea typeface="NanumGothic" panose="020D0604000000000000" pitchFamily="34" charset="-127"/>
+              </a:rPr>
+              <a:t>age = </a:t>
+            </a:r>
+            <a:r>
+              <a:rPr kumimoji="1" lang="en-US" altLang="ko-KR" spc="-150" dirty="0">
+                <a:solidFill>
+                  <a:srgbClr val="FF0000"/>
+                </a:solidFill>
+                <a:latin typeface="NanumGothic" panose="020D0604000000000000" pitchFamily="34" charset="-127"/>
+                <a:ea typeface="NanumGothic" panose="020D0604000000000000" pitchFamily="34" charset="-127"/>
+              </a:rPr>
+              <a:t>int(</a:t>
+            </a:r>
+            <a:r>
+              <a:rPr kumimoji="1" lang="en-US" altLang="ko-KR" spc="-150" dirty="0">
+                <a:solidFill>
+                  <a:schemeClr val="tx1">
+                    <a:lumMod val="95000"/>
+                    <a:lumOff val="5000"/>
+                  </a:schemeClr>
+                </a:solidFill>
+                <a:latin typeface="NanumGothic" panose="020D0604000000000000" pitchFamily="34" charset="-127"/>
+                <a:ea typeface="NanumGothic" panose="020D0604000000000000" pitchFamily="34" charset="-127"/>
+              </a:rPr>
+              <a:t>input(‘</a:t>
+            </a:r>
+            <a:r>
+              <a:rPr kumimoji="1" lang="ko-KR" altLang="en-US" spc="-150" dirty="0">
+                <a:solidFill>
+                  <a:schemeClr val="tx1">
+                    <a:lumMod val="95000"/>
+                    <a:lumOff val="5000"/>
+                  </a:schemeClr>
+                </a:solidFill>
+                <a:latin typeface="NanumGothic" panose="020D0604000000000000" pitchFamily="34" charset="-127"/>
+                <a:ea typeface="NanumGothic" panose="020D0604000000000000" pitchFamily="34" charset="-127"/>
+              </a:rPr>
+              <a:t>나이</a:t>
+            </a:r>
+            <a:r>
+              <a:rPr kumimoji="1" lang="en-US" altLang="ko-KR" spc="-150" dirty="0">
+                <a:solidFill>
+                  <a:schemeClr val="tx1">
+                    <a:lumMod val="95000"/>
+                    <a:lumOff val="5000"/>
+                  </a:schemeClr>
+                </a:solidFill>
+                <a:latin typeface="NanumGothic" panose="020D0604000000000000" pitchFamily="34" charset="-127"/>
+                <a:ea typeface="NanumGothic" panose="020D0604000000000000" pitchFamily="34" charset="-127"/>
+              </a:rPr>
+              <a:t>:’)</a:t>
+            </a:r>
+            <a:r>
+              <a:rPr kumimoji="1" lang="en-US" altLang="ko-KR" spc="-150" dirty="0">
+                <a:solidFill>
+                  <a:srgbClr val="FF0000"/>
+                </a:solidFill>
+                <a:latin typeface="NanumGothic" panose="020D0604000000000000" pitchFamily="34" charset="-127"/>
+                <a:ea typeface="NanumGothic" panose="020D0604000000000000" pitchFamily="34" charset="-127"/>
+              </a:rPr>
+              <a:t>)</a:t>
+            </a:r>
+            <a:r>
+              <a:rPr kumimoji="1" lang="en-US" altLang="ko-KR" spc="-150" dirty="0">
+                <a:solidFill>
+                  <a:schemeClr val="tx1">
+                    <a:lumMod val="95000"/>
+                    <a:lumOff val="5000"/>
+                  </a:schemeClr>
+                </a:solidFill>
+                <a:latin typeface="NanumGothic" panose="020D0604000000000000" pitchFamily="34" charset="-127"/>
+                <a:ea typeface="NanumGothic" panose="020D0604000000000000" pitchFamily="34" charset="-127"/>
+              </a:rPr>
+              <a:t> </a:t>
+            </a:r>
+            <a:r>
+              <a:rPr kumimoji="1" lang="en-US" altLang="ko-KR" spc="-150" dirty="0">
+                <a:solidFill>
+                  <a:srgbClr val="009051"/>
+                </a:solidFill>
+                <a:latin typeface="NanumGothic" panose="020D0604000000000000" pitchFamily="34" charset="-127"/>
+                <a:ea typeface="NanumGothic" panose="020D0604000000000000" pitchFamily="34" charset="-127"/>
+              </a:rPr>
+              <a:t># int: </a:t>
+            </a:r>
+            <a:r>
+              <a:rPr kumimoji="1" lang="ko-KR" altLang="en-US" spc="-150" dirty="0">
+                <a:solidFill>
+                  <a:srgbClr val="009051"/>
+                </a:solidFill>
+                <a:latin typeface="NanumGothic" panose="020D0604000000000000" pitchFamily="34" charset="-127"/>
+                <a:ea typeface="NanumGothic" panose="020D0604000000000000" pitchFamily="34" charset="-127"/>
+              </a:rPr>
+              <a:t>정수</a:t>
+            </a:r>
+            <a:endParaRPr kumimoji="1" lang="en-US" altLang="ko-KR" spc="-150" dirty="0">
+              <a:solidFill>
+                <a:srgbClr val="009051"/>
+              </a:solidFill>
+              <a:latin typeface="NanumGothic" panose="020D0604000000000000" pitchFamily="34" charset="-127"/>
+              <a:ea typeface="NanumGothic" panose="020D0604000000000000" pitchFamily="34" charset="-127"/>
+            </a:endParaRPr>
+          </a:p>
+          <a:p>
+            <a:r>
+              <a:rPr kumimoji="1" lang="en-US" altLang="ko-KR" spc="-150" dirty="0">
+                <a:solidFill>
+                  <a:schemeClr val="tx1">
+                    <a:lumMod val="95000"/>
+                    <a:lumOff val="5000"/>
+                  </a:schemeClr>
+                </a:solidFill>
+                <a:latin typeface="NanumGothic" panose="020D0604000000000000" pitchFamily="34" charset="-127"/>
+                <a:ea typeface="NanumGothic" panose="020D0604000000000000" pitchFamily="34" charset="-127"/>
+              </a:rPr>
+              <a:t>eye = </a:t>
+            </a:r>
+            <a:r>
+              <a:rPr kumimoji="1" lang="en-US" altLang="ko-KR" spc="-150" dirty="0">
+                <a:solidFill>
+                  <a:srgbClr val="FF0000"/>
+                </a:solidFill>
+                <a:latin typeface="NanumGothic" panose="020D0604000000000000" pitchFamily="34" charset="-127"/>
+                <a:ea typeface="NanumGothic" panose="020D0604000000000000" pitchFamily="34" charset="-127"/>
+              </a:rPr>
+              <a:t>float(</a:t>
+            </a:r>
+            <a:r>
+              <a:rPr kumimoji="1" lang="en-US" altLang="ko-KR" spc="-150" dirty="0">
+                <a:solidFill>
+                  <a:schemeClr val="tx1">
+                    <a:lumMod val="95000"/>
+                    <a:lumOff val="5000"/>
+                  </a:schemeClr>
+                </a:solidFill>
+                <a:latin typeface="NanumGothic" panose="020D0604000000000000" pitchFamily="34" charset="-127"/>
+                <a:ea typeface="NanumGothic" panose="020D0604000000000000" pitchFamily="34" charset="-127"/>
+              </a:rPr>
+              <a:t>input(‘</a:t>
+            </a:r>
+            <a:r>
+              <a:rPr kumimoji="1" lang="ko-KR" altLang="en-US" spc="-150" dirty="0">
+                <a:solidFill>
+                  <a:schemeClr val="tx1">
+                    <a:lumMod val="95000"/>
+                    <a:lumOff val="5000"/>
+                  </a:schemeClr>
+                </a:solidFill>
+                <a:latin typeface="NanumGothic" panose="020D0604000000000000" pitchFamily="34" charset="-127"/>
+                <a:ea typeface="NanumGothic" panose="020D0604000000000000" pitchFamily="34" charset="-127"/>
+              </a:rPr>
+              <a:t>시력 </a:t>
+            </a:r>
+            <a:r>
+              <a:rPr kumimoji="1" lang="en-US" altLang="ko-KR" spc="-150" dirty="0">
+                <a:solidFill>
+                  <a:schemeClr val="tx1">
+                    <a:lumMod val="95000"/>
+                    <a:lumOff val="5000"/>
+                  </a:schemeClr>
+                </a:solidFill>
+                <a:latin typeface="NanumGothic" panose="020D0604000000000000" pitchFamily="34" charset="-127"/>
+                <a:ea typeface="NanumGothic" panose="020D0604000000000000" pitchFamily="34" charset="-127"/>
+              </a:rPr>
+              <a:t>:’)</a:t>
+            </a:r>
+            <a:r>
+              <a:rPr kumimoji="1" lang="en-US" altLang="ko-KR" spc="-150" dirty="0">
+                <a:solidFill>
+                  <a:srgbClr val="FF0000"/>
+                </a:solidFill>
+                <a:latin typeface="NanumGothic" panose="020D0604000000000000" pitchFamily="34" charset="-127"/>
+                <a:ea typeface="NanumGothic" panose="020D0604000000000000" pitchFamily="34" charset="-127"/>
+              </a:rPr>
+              <a:t>)</a:t>
+            </a:r>
+            <a:r>
+              <a:rPr kumimoji="1" lang="en-US" altLang="ko-KR" spc="-150" dirty="0">
+                <a:solidFill>
+                  <a:schemeClr val="tx1">
+                    <a:lumMod val="95000"/>
+                    <a:lumOff val="5000"/>
+                  </a:schemeClr>
+                </a:solidFill>
+                <a:latin typeface="NanumGothic" panose="020D0604000000000000" pitchFamily="34" charset="-127"/>
+                <a:ea typeface="NanumGothic" panose="020D0604000000000000" pitchFamily="34" charset="-127"/>
+              </a:rPr>
+              <a:t> </a:t>
+            </a:r>
+            <a:r>
+              <a:rPr kumimoji="1" lang="en-US" altLang="ko-KR" spc="-150" dirty="0">
+                <a:solidFill>
+                  <a:srgbClr val="009051"/>
+                </a:solidFill>
+                <a:latin typeface="NanumGothic" panose="020D0604000000000000" pitchFamily="34" charset="-127"/>
+                <a:ea typeface="NanumGothic" panose="020D0604000000000000" pitchFamily="34" charset="-127"/>
+              </a:rPr>
+              <a:t>#float: </a:t>
+            </a:r>
+            <a:r>
+              <a:rPr kumimoji="1" lang="ko-KR" altLang="en-US" spc="-150" dirty="0">
+                <a:solidFill>
+                  <a:srgbClr val="009051"/>
+                </a:solidFill>
+                <a:latin typeface="NanumGothic" panose="020D0604000000000000" pitchFamily="34" charset="-127"/>
+                <a:ea typeface="NanumGothic" panose="020D0604000000000000" pitchFamily="34" charset="-127"/>
+              </a:rPr>
+              <a:t>실수</a:t>
+            </a:r>
+            <a:endParaRPr kumimoji="1" lang="en-US" altLang="ko-KR" spc="-150" dirty="0">
+              <a:solidFill>
+                <a:srgbClr val="009051"/>
+              </a:solidFill>
+              <a:latin typeface="NanumGothic" panose="020D0604000000000000" pitchFamily="34" charset="-127"/>
+              <a:ea typeface="NanumGothic" panose="020D0604000000000000" pitchFamily="34" charset="-127"/>
+            </a:endParaRPr>
+          </a:p>
+        </p:txBody>
+      </p:sp>
+      <p:sp>
+        <p:nvSpPr>
+          <p:cNvPr id="71" name="직사각형 70">
+            <a:extLst>
+              <a:ext uri="{FF2B5EF4-FFF2-40B4-BE49-F238E27FC236}">
+                <a16:creationId xmlns:a16="http://schemas.microsoft.com/office/drawing/2014/main" id="{A5777CA9-CE48-A64B-94F0-34EF088D7F6E}"/>
+              </a:ext>
+            </a:extLst>
+          </p:cNvPr>
+          <p:cNvSpPr/>
+          <p:nvPr/>
+        </p:nvSpPr>
+        <p:spPr>
+          <a:xfrm>
+            <a:off x="4726994" y="3846666"/>
+            <a:ext cx="491049" cy="321066"/>
+          </a:xfrm>
+          <a:prstGeom prst="rect">
+            <a:avLst/>
+          </a:prstGeom>
+          <a:solidFill>
+            <a:srgbClr val="00B0F0">
+              <a:alpha val="50196"/>
+            </a:srgbClr>
+          </a:solidFill>
+          <a:ln>
+            <a:noFill/>
+          </a:ln>
+        </p:spPr>
+        <p:style>
+          <a:lnRef idx="2">
+            <a:schemeClr val="accent1">
+              <a:shade val="50000"/>
+            </a:schemeClr>
+          </a:lnRef>
+          <a:fillRef idx="1">
+            <a:schemeClr val="accent1"/>
+          </a:fillRef>
+          <a:effectRef idx="0">
+            <a:schemeClr val="accent1"/>
+          </a:effectRef>
+          <a:fontRef idx="minor">
+            <a:schemeClr val="lt1"/>
+          </a:fontRef>
+        </p:style>
+        <p:txBody>
+          <a:bodyPr rtlCol="0" anchor="ctr"/>
+          <a:lstStyle/>
+          <a:p>
+            <a:pPr algn="ctr"/>
+            <a:endParaRPr kumimoji="1" lang="ko-KR" altLang="en-US" dirty="0"/>
+          </a:p>
+        </p:txBody>
+      </p:sp>
+      <p:sp>
+        <p:nvSpPr>
+          <p:cNvPr id="74" name="직사각형 73">
+            <a:extLst>
+              <a:ext uri="{FF2B5EF4-FFF2-40B4-BE49-F238E27FC236}">
+                <a16:creationId xmlns:a16="http://schemas.microsoft.com/office/drawing/2014/main" id="{D57B3086-DD21-DD40-BFC8-E04187F754A9}"/>
+              </a:ext>
+            </a:extLst>
+          </p:cNvPr>
+          <p:cNvSpPr/>
+          <p:nvPr/>
+        </p:nvSpPr>
+        <p:spPr>
+          <a:xfrm>
+            <a:off x="3774833" y="4532835"/>
+            <a:ext cx="618263" cy="238760"/>
+          </a:xfrm>
+          <a:prstGeom prst="rect">
+            <a:avLst/>
+          </a:prstGeom>
+          <a:solidFill>
+            <a:srgbClr val="FFFF00">
+              <a:alpha val="50196"/>
+            </a:srgbClr>
+          </a:solidFill>
+          <a:ln>
+            <a:noFill/>
+          </a:ln>
+        </p:spPr>
+        <p:style>
+          <a:lnRef idx="2">
+            <a:schemeClr val="accent1">
+              <a:shade val="50000"/>
+            </a:schemeClr>
+          </a:lnRef>
+          <a:fillRef idx="1">
+            <a:schemeClr val="accent1"/>
+          </a:fillRef>
+          <a:effectRef idx="0">
+            <a:schemeClr val="accent1"/>
+          </a:effectRef>
+          <a:fontRef idx="minor">
+            <a:schemeClr val="lt1"/>
+          </a:fontRef>
+        </p:style>
+        <p:txBody>
+          <a:bodyPr rtlCol="0" anchor="ctr"/>
+          <a:lstStyle/>
+          <a:p>
+            <a:pPr algn="ctr"/>
+            <a:endParaRPr kumimoji="1" lang="ko-KR" altLang="en-US" dirty="0"/>
+          </a:p>
+        </p:txBody>
+      </p:sp>
+      <p:sp>
+        <p:nvSpPr>
+          <p:cNvPr id="75" name="직사각형 74">
+            <a:extLst>
+              <a:ext uri="{FF2B5EF4-FFF2-40B4-BE49-F238E27FC236}">
+                <a16:creationId xmlns:a16="http://schemas.microsoft.com/office/drawing/2014/main" id="{E42B7FD5-B449-FC43-9331-41E1C83F11DB}"/>
+              </a:ext>
+            </a:extLst>
+          </p:cNvPr>
+          <p:cNvSpPr/>
+          <p:nvPr/>
+        </p:nvSpPr>
+        <p:spPr>
+          <a:xfrm>
+            <a:off x="3770676" y="4798828"/>
+            <a:ext cx="1838425" cy="238760"/>
+          </a:xfrm>
+          <a:prstGeom prst="rect">
+            <a:avLst/>
+          </a:prstGeom>
+          <a:solidFill>
+            <a:srgbClr val="FFFF00">
+              <a:alpha val="50196"/>
+            </a:srgbClr>
+          </a:solidFill>
+          <a:ln>
+            <a:noFill/>
+          </a:ln>
+        </p:spPr>
+        <p:style>
+          <a:lnRef idx="2">
+            <a:schemeClr val="accent1">
+              <a:shade val="50000"/>
+            </a:schemeClr>
+          </a:lnRef>
+          <a:fillRef idx="1">
+            <a:schemeClr val="accent1"/>
+          </a:fillRef>
+          <a:effectRef idx="0">
+            <a:schemeClr val="accent1"/>
+          </a:effectRef>
+          <a:fontRef idx="minor">
+            <a:schemeClr val="lt1"/>
+          </a:fontRef>
+        </p:style>
+        <p:txBody>
+          <a:bodyPr rtlCol="0" anchor="ctr"/>
+          <a:lstStyle/>
+          <a:p>
+            <a:pPr algn="ctr"/>
+            <a:endParaRPr kumimoji="1" lang="ko-KR" altLang="en-US" dirty="0"/>
+          </a:p>
+        </p:txBody>
+      </p:sp>
+      <p:sp>
+        <p:nvSpPr>
+          <p:cNvPr id="80" name="직사각형 79">
+            <a:extLst>
+              <a:ext uri="{FF2B5EF4-FFF2-40B4-BE49-F238E27FC236}">
+                <a16:creationId xmlns:a16="http://schemas.microsoft.com/office/drawing/2014/main" id="{85A0D651-53CA-FC4B-8E9C-15E8D9D347AC}"/>
+              </a:ext>
+            </a:extLst>
+          </p:cNvPr>
+          <p:cNvSpPr/>
+          <p:nvPr/>
+        </p:nvSpPr>
+        <p:spPr>
+          <a:xfrm>
+            <a:off x="3005152" y="4539970"/>
+            <a:ext cx="595176" cy="241260"/>
+          </a:xfrm>
+          <a:prstGeom prst="rect">
+            <a:avLst/>
+          </a:prstGeom>
+          <a:solidFill>
+            <a:srgbClr val="00B0F0">
+              <a:alpha val="50196"/>
+            </a:srgbClr>
+          </a:solidFill>
+          <a:ln>
+            <a:noFill/>
+          </a:ln>
+        </p:spPr>
+        <p:style>
+          <a:lnRef idx="2">
+            <a:schemeClr val="accent1">
+              <a:shade val="50000"/>
+            </a:schemeClr>
+          </a:lnRef>
+          <a:fillRef idx="1">
+            <a:schemeClr val="accent1"/>
+          </a:fillRef>
+          <a:effectRef idx="0">
+            <a:schemeClr val="accent1"/>
+          </a:effectRef>
+          <a:fontRef idx="minor">
+            <a:schemeClr val="lt1"/>
+          </a:fontRef>
+        </p:style>
+        <p:txBody>
+          <a:bodyPr rtlCol="0" anchor="ctr"/>
+          <a:lstStyle/>
+          <a:p>
+            <a:pPr algn="ctr"/>
+            <a:endParaRPr kumimoji="1" lang="ko-KR" altLang="en-US" dirty="0"/>
+          </a:p>
+        </p:txBody>
+      </p:sp>
+      <p:sp>
+        <p:nvSpPr>
+          <p:cNvPr id="81" name="직사각형 80">
+            <a:extLst>
+              <a:ext uri="{FF2B5EF4-FFF2-40B4-BE49-F238E27FC236}">
+                <a16:creationId xmlns:a16="http://schemas.microsoft.com/office/drawing/2014/main" id="{40B4F7D6-8CD7-FC4C-9E8A-8E5B3547FD57}"/>
+              </a:ext>
+            </a:extLst>
+          </p:cNvPr>
+          <p:cNvSpPr/>
+          <p:nvPr/>
+        </p:nvSpPr>
+        <p:spPr>
+          <a:xfrm>
+            <a:off x="3007651" y="4797300"/>
+            <a:ext cx="592677" cy="238760"/>
+          </a:xfrm>
+          <a:prstGeom prst="rect">
+            <a:avLst/>
+          </a:prstGeom>
+          <a:solidFill>
+            <a:srgbClr val="00B0F0">
+              <a:alpha val="50196"/>
+            </a:srgbClr>
+          </a:solidFill>
+          <a:ln>
+            <a:noFill/>
+          </a:ln>
+        </p:spPr>
+        <p:style>
+          <a:lnRef idx="2">
+            <a:schemeClr val="accent1">
+              <a:shade val="50000"/>
+            </a:schemeClr>
+          </a:lnRef>
+          <a:fillRef idx="1">
+            <a:schemeClr val="accent1"/>
+          </a:fillRef>
+          <a:effectRef idx="0">
+            <a:schemeClr val="accent1"/>
+          </a:effectRef>
+          <a:fontRef idx="minor">
+            <a:schemeClr val="lt1"/>
+          </a:fontRef>
+        </p:style>
+        <p:txBody>
+          <a:bodyPr rtlCol="0" anchor="ctr"/>
+          <a:lstStyle/>
+          <a:p>
+            <a:pPr algn="ctr"/>
+            <a:endParaRPr kumimoji="1" lang="ko-KR" altLang="en-US" dirty="0"/>
+          </a:p>
+        </p:txBody>
+      </p:sp>
+      <p:sp>
+        <p:nvSpPr>
+          <p:cNvPr id="83" name="직사각형 82">
+            <a:extLst>
+              <a:ext uri="{FF2B5EF4-FFF2-40B4-BE49-F238E27FC236}">
+                <a16:creationId xmlns:a16="http://schemas.microsoft.com/office/drawing/2014/main" id="{991837C5-6B5A-9C4A-A424-9B85AC8B6BB9}"/>
+              </a:ext>
+            </a:extLst>
+          </p:cNvPr>
+          <p:cNvSpPr/>
+          <p:nvPr/>
+        </p:nvSpPr>
+        <p:spPr>
+          <a:xfrm>
+            <a:off x="5966897" y="4555763"/>
+            <a:ext cx="422614" cy="225467"/>
+          </a:xfrm>
+          <a:prstGeom prst="rect">
+            <a:avLst/>
+          </a:prstGeom>
+          <a:solidFill>
+            <a:srgbClr val="00B0F0">
+              <a:alpha val="50196"/>
+            </a:srgbClr>
+          </a:solidFill>
+          <a:ln>
+            <a:noFill/>
+          </a:ln>
+        </p:spPr>
+        <p:style>
+          <a:lnRef idx="2">
+            <a:schemeClr val="accent1">
+              <a:shade val="50000"/>
+            </a:schemeClr>
+          </a:lnRef>
+          <a:fillRef idx="1">
+            <a:schemeClr val="accent1"/>
+          </a:fillRef>
+          <a:effectRef idx="0">
+            <a:schemeClr val="accent1"/>
+          </a:effectRef>
+          <a:fontRef idx="minor">
+            <a:schemeClr val="lt1"/>
+          </a:fontRef>
+        </p:style>
+        <p:txBody>
+          <a:bodyPr rtlCol="0" anchor="ctr"/>
+          <a:lstStyle/>
+          <a:p>
+            <a:pPr algn="ctr"/>
+            <a:endParaRPr kumimoji="1" lang="ko-KR" altLang="en-US" dirty="0"/>
+          </a:p>
+        </p:txBody>
+      </p:sp>
+      <p:sp>
+        <p:nvSpPr>
+          <p:cNvPr id="84" name="직사각형 83">
+            <a:extLst>
+              <a:ext uri="{FF2B5EF4-FFF2-40B4-BE49-F238E27FC236}">
+                <a16:creationId xmlns:a16="http://schemas.microsoft.com/office/drawing/2014/main" id="{0579F75E-B0BC-554F-94AC-4C719EB54DD7}"/>
+              </a:ext>
+            </a:extLst>
+          </p:cNvPr>
+          <p:cNvSpPr/>
+          <p:nvPr/>
+        </p:nvSpPr>
+        <p:spPr>
+          <a:xfrm>
+            <a:off x="5997395" y="4831468"/>
+            <a:ext cx="330031" cy="201156"/>
+          </a:xfrm>
+          <a:prstGeom prst="rect">
+            <a:avLst/>
+          </a:prstGeom>
+          <a:solidFill>
+            <a:srgbClr val="00B0F0">
+              <a:alpha val="50196"/>
+            </a:srgbClr>
+          </a:solidFill>
+          <a:ln>
+            <a:noFill/>
+          </a:ln>
+        </p:spPr>
+        <p:style>
+          <a:lnRef idx="2">
+            <a:schemeClr val="accent1">
+              <a:shade val="50000"/>
+            </a:schemeClr>
+          </a:lnRef>
+          <a:fillRef idx="1">
+            <a:schemeClr val="accent1"/>
+          </a:fillRef>
+          <a:effectRef idx="0">
+            <a:schemeClr val="accent1"/>
+          </a:effectRef>
+          <a:fontRef idx="minor">
+            <a:schemeClr val="lt1"/>
+          </a:fontRef>
+        </p:style>
+        <p:txBody>
+          <a:bodyPr rtlCol="0" anchor="ctr"/>
+          <a:lstStyle/>
+          <a:p>
+            <a:pPr algn="ctr"/>
+            <a:endParaRPr kumimoji="1" lang="ko-KR" altLang="en-US" dirty="0"/>
+          </a:p>
+        </p:txBody>
+      </p:sp>
+      <p:sp>
+        <p:nvSpPr>
+          <p:cNvPr id="86" name="직사각형 85">
+            <a:extLst>
+              <a:ext uri="{FF2B5EF4-FFF2-40B4-BE49-F238E27FC236}">
+                <a16:creationId xmlns:a16="http://schemas.microsoft.com/office/drawing/2014/main" id="{A48DE96E-6A9E-EE4A-AC4C-4BAB7666F2CB}"/>
+              </a:ext>
+            </a:extLst>
+          </p:cNvPr>
+          <p:cNvSpPr/>
+          <p:nvPr/>
+        </p:nvSpPr>
+        <p:spPr>
+          <a:xfrm>
+            <a:off x="6516441" y="4768761"/>
+            <a:ext cx="1656714" cy="296060"/>
+          </a:xfrm>
+          <a:prstGeom prst="rect">
+            <a:avLst/>
+          </a:prstGeom>
+          <a:solidFill>
+            <a:srgbClr val="FFFF00">
+              <a:alpha val="50196"/>
+            </a:srgbClr>
+          </a:solidFill>
+          <a:ln>
+            <a:noFill/>
+          </a:ln>
+        </p:spPr>
+        <p:style>
+          <a:lnRef idx="2">
+            <a:schemeClr val="accent1">
+              <a:shade val="50000"/>
+            </a:schemeClr>
+          </a:lnRef>
+          <a:fillRef idx="1">
+            <a:schemeClr val="accent1"/>
+          </a:fillRef>
+          <a:effectRef idx="0">
+            <a:schemeClr val="accent1"/>
+          </a:effectRef>
+          <a:fontRef idx="minor">
+            <a:schemeClr val="lt1"/>
+          </a:fontRef>
+        </p:style>
+        <p:txBody>
+          <a:bodyPr rtlCol="0" anchor="ctr"/>
+          <a:lstStyle/>
+          <a:p>
+            <a:pPr algn="ctr"/>
+            <a:endParaRPr kumimoji="1" lang="ko-KR" altLang="en-US" dirty="0"/>
+          </a:p>
+        </p:txBody>
+      </p:sp>
+      <p:sp>
+        <p:nvSpPr>
+          <p:cNvPr id="87" name="직사각형 86">
+            <a:extLst>
+              <a:ext uri="{FF2B5EF4-FFF2-40B4-BE49-F238E27FC236}">
+                <a16:creationId xmlns:a16="http://schemas.microsoft.com/office/drawing/2014/main" id="{91E2F71E-0910-2444-BE83-4CBA2806808D}"/>
+              </a:ext>
+            </a:extLst>
+          </p:cNvPr>
+          <p:cNvSpPr/>
+          <p:nvPr/>
+        </p:nvSpPr>
+        <p:spPr>
+          <a:xfrm>
+            <a:off x="6522087" y="4537338"/>
+            <a:ext cx="1447869" cy="266341"/>
+          </a:xfrm>
+          <a:prstGeom prst="rect">
+            <a:avLst/>
+          </a:prstGeom>
+          <a:solidFill>
+            <a:srgbClr val="FFFF00">
+              <a:alpha val="50196"/>
+            </a:srgbClr>
+          </a:solidFill>
+          <a:ln>
+            <a:noFill/>
+          </a:ln>
+        </p:spPr>
+        <p:style>
+          <a:lnRef idx="2">
+            <a:schemeClr val="accent1">
+              <a:shade val="50000"/>
+            </a:schemeClr>
+          </a:lnRef>
+          <a:fillRef idx="1">
+            <a:schemeClr val="accent1"/>
+          </a:fillRef>
+          <a:effectRef idx="0">
+            <a:schemeClr val="accent1"/>
+          </a:effectRef>
+          <a:fontRef idx="minor">
+            <a:schemeClr val="lt1"/>
+          </a:fontRef>
+        </p:style>
+        <p:txBody>
+          <a:bodyPr rtlCol="0" anchor="ctr"/>
+          <a:lstStyle/>
+          <a:p>
+            <a:pPr algn="ctr"/>
+            <a:endParaRPr kumimoji="1" lang="ko-KR" altLang="en-US" dirty="0"/>
+          </a:p>
+        </p:txBody>
+      </p:sp>
+      <p:sp>
+        <p:nvSpPr>
+          <p:cNvPr id="88" name="직사각형 87">
+            <a:extLst>
+              <a:ext uri="{FF2B5EF4-FFF2-40B4-BE49-F238E27FC236}">
+                <a16:creationId xmlns:a16="http://schemas.microsoft.com/office/drawing/2014/main" id="{4C199F1C-BA7F-7945-B167-67E46F6D577D}"/>
+              </a:ext>
+            </a:extLst>
+          </p:cNvPr>
+          <p:cNvSpPr/>
+          <p:nvPr/>
+        </p:nvSpPr>
+        <p:spPr>
+          <a:xfrm>
+            <a:off x="5442459" y="3843468"/>
+            <a:ext cx="1963051" cy="321066"/>
+          </a:xfrm>
+          <a:prstGeom prst="rect">
+            <a:avLst/>
+          </a:prstGeom>
+          <a:solidFill>
+            <a:srgbClr val="FFFF00">
+              <a:alpha val="50196"/>
+            </a:srgbClr>
+          </a:solidFill>
+          <a:ln>
+            <a:noFill/>
+          </a:ln>
+        </p:spPr>
+        <p:style>
+          <a:lnRef idx="2">
+            <a:schemeClr val="accent1">
+              <a:shade val="50000"/>
+            </a:schemeClr>
+          </a:lnRef>
+          <a:fillRef idx="1">
+            <a:schemeClr val="accent1"/>
+          </a:fillRef>
+          <a:effectRef idx="0">
+            <a:schemeClr val="accent1"/>
+          </a:effectRef>
+          <a:fontRef idx="minor">
+            <a:schemeClr val="lt1"/>
+          </a:fontRef>
+        </p:style>
+        <p:txBody>
+          <a:bodyPr rtlCol="0" anchor="ctr"/>
+          <a:lstStyle/>
+          <a:p>
+            <a:pPr algn="ctr"/>
+            <a:endParaRPr kumimoji="1" lang="ko-KR" altLang="en-US" dirty="0"/>
+          </a:p>
+        </p:txBody>
+      </p:sp>
+      <p:sp>
+        <p:nvSpPr>
+          <p:cNvPr id="89" name="TextBox 88">
+            <a:extLst>
+              <a:ext uri="{FF2B5EF4-FFF2-40B4-BE49-F238E27FC236}">
+                <a16:creationId xmlns:a16="http://schemas.microsoft.com/office/drawing/2014/main" id="{FDF9B138-AB2C-E948-958B-B5D6DFE339A1}"/>
+              </a:ext>
+            </a:extLst>
+          </p:cNvPr>
+          <p:cNvSpPr txBox="1"/>
+          <p:nvPr/>
+        </p:nvSpPr>
+        <p:spPr>
+          <a:xfrm>
+            <a:off x="2810741" y="5072721"/>
+            <a:ext cx="6593897" cy="369332"/>
+          </a:xfrm>
+          <a:prstGeom prst="rect">
+            <a:avLst/>
+          </a:prstGeom>
+          <a:noFill/>
+        </p:spPr>
+        <p:txBody>
+          <a:bodyPr wrap="square">
+            <a:spAutoFit/>
+          </a:bodyPr>
+          <a:lstStyle/>
+          <a:p>
+            <a:r>
+              <a:rPr lang="ko-KR" altLang="en-US" sz="1800" i="1" dirty="0">
+                <a:solidFill>
+                  <a:srgbClr val="009051"/>
+                </a:solidFill>
+                <a:latin typeface="NanumGothic" panose="020D0604000000000000" pitchFamily="34" charset="-127"/>
+                <a:ea typeface="NanumGothic" panose="020D0604000000000000" pitchFamily="34" charset="-127"/>
+              </a:rPr>
+              <a:t>* </a:t>
+            </a:r>
+            <a:r>
+              <a:rPr lang="en-US" altLang="ko-KR" sz="1800" i="1" dirty="0">
+                <a:solidFill>
+                  <a:srgbClr val="009051"/>
+                </a:solidFill>
+                <a:latin typeface="NanumGothic" panose="020D0604000000000000" pitchFamily="34" charset="-127"/>
+                <a:ea typeface="NanumGothic" panose="020D0604000000000000" pitchFamily="34" charset="-127"/>
+              </a:rPr>
+              <a:t>int() : </a:t>
+            </a:r>
+            <a:r>
+              <a:rPr lang="ko-KR" altLang="en-US" i="1" dirty="0">
+                <a:solidFill>
+                  <a:srgbClr val="009051"/>
+                </a:solidFill>
+                <a:latin typeface="NanumGothic" panose="020D0604000000000000" pitchFamily="34" charset="-127"/>
+                <a:ea typeface="NanumGothic" panose="020D0604000000000000" pitchFamily="34" charset="-127"/>
+              </a:rPr>
+              <a:t>정수로 변환</a:t>
+            </a:r>
+            <a:r>
+              <a:rPr lang="en-US" altLang="ko-KR" sz="1800" i="1" dirty="0">
+                <a:solidFill>
+                  <a:srgbClr val="009051"/>
+                </a:solidFill>
+                <a:latin typeface="NanumGothic" panose="020D0604000000000000" pitchFamily="34" charset="-127"/>
+                <a:ea typeface="NanumGothic" panose="020D0604000000000000" pitchFamily="34" charset="-127"/>
+              </a:rPr>
+              <a:t>, float() : </a:t>
+            </a:r>
+            <a:r>
+              <a:rPr lang="ko-KR" altLang="en-US" i="1" dirty="0">
+                <a:solidFill>
+                  <a:srgbClr val="009051"/>
+                </a:solidFill>
+                <a:latin typeface="NanumGothic" panose="020D0604000000000000" pitchFamily="34" charset="-127"/>
+                <a:ea typeface="NanumGothic" panose="020D0604000000000000" pitchFamily="34" charset="-127"/>
+              </a:rPr>
+              <a:t>실수로 변환</a:t>
+            </a:r>
+            <a:r>
+              <a:rPr lang="en-US" altLang="ko-KR" sz="1800" i="1" dirty="0">
+                <a:solidFill>
+                  <a:srgbClr val="009051"/>
+                </a:solidFill>
+                <a:latin typeface="NanumGothic" panose="020D0604000000000000" pitchFamily="34" charset="-127"/>
+                <a:ea typeface="NanumGothic" panose="020D0604000000000000" pitchFamily="34" charset="-127"/>
+              </a:rPr>
+              <a:t>, </a:t>
+            </a:r>
+            <a:r>
+              <a:rPr lang="en-US" altLang="ko-KR" i="1" dirty="0">
+                <a:solidFill>
+                  <a:srgbClr val="009051"/>
+                </a:solidFill>
+                <a:latin typeface="NanumGothic" panose="020D0604000000000000" pitchFamily="34" charset="-127"/>
+                <a:ea typeface="NanumGothic" panose="020D0604000000000000" pitchFamily="34" charset="-127"/>
+              </a:rPr>
+              <a:t>str() : </a:t>
+            </a:r>
+            <a:r>
+              <a:rPr lang="ko-KR" altLang="en-US" i="1" dirty="0">
+                <a:solidFill>
+                  <a:srgbClr val="009051"/>
+                </a:solidFill>
+                <a:latin typeface="NanumGothic" panose="020D0604000000000000" pitchFamily="34" charset="-127"/>
+                <a:ea typeface="NanumGothic" panose="020D0604000000000000" pitchFamily="34" charset="-127"/>
+              </a:rPr>
+              <a:t>문자열로 변환</a:t>
+            </a:r>
+            <a:endParaRPr lang="ko-KR" altLang="en-US" i="1" dirty="0"/>
+          </a:p>
+        </p:txBody>
+      </p:sp>
+      <p:sp>
+        <p:nvSpPr>
+          <p:cNvPr id="90" name="직사각형 89">
+            <a:extLst>
+              <a:ext uri="{FF2B5EF4-FFF2-40B4-BE49-F238E27FC236}">
+                <a16:creationId xmlns:a16="http://schemas.microsoft.com/office/drawing/2014/main" id="{1BC83A1B-4B13-6D4D-92F4-9EB5D0929355}"/>
+              </a:ext>
+            </a:extLst>
+          </p:cNvPr>
+          <p:cNvSpPr/>
+          <p:nvPr/>
+        </p:nvSpPr>
+        <p:spPr>
+          <a:xfrm>
+            <a:off x="2916819" y="5506254"/>
+            <a:ext cx="3179182" cy="403447"/>
+          </a:xfrm>
+          <a:prstGeom prst="rect">
+            <a:avLst/>
+          </a:prstGeom>
+          <a:solidFill>
+            <a:schemeClr val="bg1"/>
+          </a:solidFill>
+          <a:ln>
+            <a:noFill/>
+          </a:ln>
+        </p:spPr>
+        <p:style>
+          <a:lnRef idx="2">
+            <a:schemeClr val="accent1">
+              <a:shade val="50000"/>
+            </a:schemeClr>
+          </a:lnRef>
+          <a:fillRef idx="1">
+            <a:schemeClr val="accent1"/>
+          </a:fillRef>
+          <a:effectRef idx="0">
+            <a:schemeClr val="accent1"/>
+          </a:effectRef>
+          <a:fontRef idx="minor">
+            <a:schemeClr val="lt1"/>
+          </a:fontRef>
+        </p:style>
+        <p:txBody>
+          <a:bodyPr rtlCol="0" anchor="ctr"/>
+          <a:lstStyle/>
+          <a:p>
+            <a:r>
+              <a:rPr kumimoji="1" lang="en-US" altLang="ko-KR" b="1" dirty="0">
+                <a:solidFill>
+                  <a:schemeClr val="tx1"/>
+                </a:solidFill>
+                <a:latin typeface="NanumGothic" panose="020D0604000000000000" pitchFamily="34" charset="-127"/>
+                <a:ea typeface="NanumGothic" panose="020D0604000000000000" pitchFamily="34" charset="-127"/>
+              </a:rPr>
+              <a:t>#0-4.</a:t>
+            </a:r>
+            <a:r>
+              <a:rPr kumimoji="1" lang="ko-KR" altLang="en-US" b="1" dirty="0">
+                <a:solidFill>
+                  <a:schemeClr val="tx1"/>
+                </a:solidFill>
+                <a:latin typeface="NanumGothic" panose="020D0604000000000000" pitchFamily="34" charset="-127"/>
+                <a:ea typeface="NanumGothic" panose="020D0604000000000000" pitchFamily="34" charset="-127"/>
+              </a:rPr>
+              <a:t> 출력 함수의 다양한 활용</a:t>
+            </a:r>
+            <a:endParaRPr kumimoji="1" lang="ko-KR" altLang="en-US" b="1" dirty="0">
+              <a:solidFill>
+                <a:srgbClr val="FF0000"/>
+              </a:solidFill>
+              <a:latin typeface="NanumGothic" panose="020D0604000000000000" pitchFamily="34" charset="-127"/>
+              <a:ea typeface="NanumGothic" panose="020D0604000000000000" pitchFamily="34" charset="-127"/>
+            </a:endParaRPr>
+          </a:p>
+        </p:txBody>
+      </p:sp>
+      <p:sp>
+        <p:nvSpPr>
+          <p:cNvPr id="91" name="모서리가 둥근 직사각형 90">
+            <a:extLst>
+              <a:ext uri="{FF2B5EF4-FFF2-40B4-BE49-F238E27FC236}">
+                <a16:creationId xmlns:a16="http://schemas.microsoft.com/office/drawing/2014/main" id="{9496B6CD-46E7-9946-A5C8-C42F0AD4F927}"/>
+              </a:ext>
+            </a:extLst>
+          </p:cNvPr>
+          <p:cNvSpPr/>
+          <p:nvPr/>
+        </p:nvSpPr>
+        <p:spPr>
+          <a:xfrm>
+            <a:off x="2912055" y="5917755"/>
+            <a:ext cx="3186113" cy="849671"/>
+          </a:xfrm>
+          <a:prstGeom prst="roundRect">
+            <a:avLst/>
+          </a:prstGeom>
+          <a:solidFill>
+            <a:schemeClr val="bg1"/>
+          </a:solidFill>
+          <a:ln>
+            <a:solidFill>
+              <a:schemeClr val="bg1">
+                <a:lumMod val="50000"/>
+              </a:schemeClr>
+            </a:solidFill>
+          </a:ln>
+        </p:spPr>
+        <p:style>
+          <a:lnRef idx="2">
+            <a:schemeClr val="accent1">
+              <a:shade val="50000"/>
+            </a:schemeClr>
+          </a:lnRef>
+          <a:fillRef idx="1">
+            <a:schemeClr val="accent1"/>
+          </a:fillRef>
+          <a:effectRef idx="0">
+            <a:schemeClr val="accent1"/>
+          </a:effectRef>
+          <a:fontRef idx="minor">
+            <a:schemeClr val="lt1"/>
+          </a:fontRef>
+        </p:style>
+        <p:txBody>
+          <a:bodyPr rtlCol="0" anchor="ctr"/>
+          <a:lstStyle/>
+          <a:p>
+            <a:r>
+              <a:rPr kumimoji="1" lang="en-US" altLang="ko-KR" spc="-150" dirty="0">
+                <a:solidFill>
+                  <a:srgbClr val="009051"/>
+                </a:solidFill>
+                <a:latin typeface="NanumGothic" panose="020D0604000000000000" pitchFamily="34" charset="-127"/>
+                <a:ea typeface="NanumGothic" panose="020D0604000000000000" pitchFamily="34" charset="-127"/>
+              </a:rPr>
+              <a:t># </a:t>
+            </a:r>
+            <a:r>
+              <a:rPr kumimoji="1" lang="ko-KR" altLang="en-US" spc="-150" dirty="0">
+                <a:solidFill>
+                  <a:srgbClr val="009051"/>
+                </a:solidFill>
+                <a:latin typeface="NanumGothic" panose="020D0604000000000000" pitchFamily="34" charset="-127"/>
+                <a:ea typeface="NanumGothic" panose="020D0604000000000000" pitchFamily="34" charset="-127"/>
+              </a:rPr>
+              <a:t>문자</a:t>
+            </a:r>
+            <a:r>
+              <a:rPr kumimoji="1" lang="en-US" altLang="ko-KR" spc="-150" dirty="0">
+                <a:solidFill>
+                  <a:srgbClr val="009051"/>
+                </a:solidFill>
+                <a:latin typeface="NanumGothic" panose="020D0604000000000000" pitchFamily="34" charset="-127"/>
+                <a:ea typeface="NanumGothic" panose="020D0604000000000000" pitchFamily="34" charset="-127"/>
+              </a:rPr>
+              <a:t>, </a:t>
+            </a:r>
+            <a:r>
+              <a:rPr kumimoji="1" lang="ko-KR" altLang="en-US" spc="-150" dirty="0">
+                <a:solidFill>
+                  <a:srgbClr val="009051"/>
+                </a:solidFill>
+                <a:latin typeface="NanumGothic" panose="020D0604000000000000" pitchFamily="34" charset="-127"/>
+                <a:ea typeface="NanumGothic" panose="020D0604000000000000" pitchFamily="34" charset="-127"/>
+              </a:rPr>
+              <a:t>숫자를 연결할 때 </a:t>
+            </a:r>
+            <a:r>
+              <a:rPr kumimoji="1" lang="en-US" altLang="ko-KR" spc="-150" dirty="0">
+                <a:solidFill>
+                  <a:srgbClr val="009051"/>
+                </a:solidFill>
+                <a:latin typeface="NanumGothic" panose="020D0604000000000000" pitchFamily="34" charset="-127"/>
+                <a:ea typeface="NanumGothic" panose="020D0604000000000000" pitchFamily="34" charset="-127"/>
+              </a:rPr>
+              <a:t>: , </a:t>
+            </a:r>
+            <a:r>
+              <a:rPr kumimoji="1" lang="ko-KR" altLang="en-US" spc="-150" dirty="0">
+                <a:solidFill>
+                  <a:srgbClr val="009051"/>
+                </a:solidFill>
+                <a:latin typeface="NanumGothic" panose="020D0604000000000000" pitchFamily="34" charset="-127"/>
+                <a:ea typeface="NanumGothic" panose="020D0604000000000000" pitchFamily="34" charset="-127"/>
+              </a:rPr>
+              <a:t>사용</a:t>
+            </a:r>
+            <a:endParaRPr kumimoji="1" lang="en-US" altLang="ko-KR" spc="-150" dirty="0">
+              <a:solidFill>
+                <a:srgbClr val="009051"/>
+              </a:solidFill>
+              <a:latin typeface="NanumGothic" panose="020D0604000000000000" pitchFamily="34" charset="-127"/>
+              <a:ea typeface="NanumGothic" panose="020D0604000000000000" pitchFamily="34" charset="-127"/>
+            </a:endParaRPr>
+          </a:p>
+          <a:p>
+            <a:r>
+              <a:rPr kumimoji="1" lang="en-US" altLang="ko-KR" dirty="0">
+                <a:solidFill>
+                  <a:schemeClr val="tx1"/>
+                </a:solidFill>
+                <a:latin typeface="NanumGothic" panose="020D0604000000000000" pitchFamily="34" charset="-127"/>
+                <a:ea typeface="NanumGothic" panose="020D0604000000000000" pitchFamily="34" charset="-127"/>
+              </a:rPr>
+              <a:t>name = input(‘</a:t>
+            </a:r>
+            <a:r>
+              <a:rPr kumimoji="1" lang="ko-KR" altLang="en-US" dirty="0">
+                <a:solidFill>
+                  <a:schemeClr val="tx1"/>
+                </a:solidFill>
+                <a:latin typeface="NanumGothic" panose="020D0604000000000000" pitchFamily="34" charset="-127"/>
+                <a:ea typeface="NanumGothic" panose="020D0604000000000000" pitchFamily="34" charset="-127"/>
+              </a:rPr>
+              <a:t>이름 </a:t>
+            </a:r>
+            <a:r>
+              <a:rPr kumimoji="1" lang="en-US" altLang="ko-KR" dirty="0">
+                <a:solidFill>
+                  <a:schemeClr val="tx1"/>
+                </a:solidFill>
+                <a:latin typeface="NanumGothic" panose="020D0604000000000000" pitchFamily="34" charset="-127"/>
+                <a:ea typeface="NanumGothic" panose="020D0604000000000000" pitchFamily="34" charset="-127"/>
+              </a:rPr>
+              <a:t>: ’)</a:t>
+            </a:r>
+          </a:p>
+          <a:p>
+            <a:r>
+              <a:rPr kumimoji="1" lang="en-US" altLang="ko-KR" spc="-150" dirty="0">
+                <a:solidFill>
+                  <a:schemeClr val="tx1"/>
+                </a:solidFill>
+                <a:latin typeface="NanumGothic" panose="020D0604000000000000" pitchFamily="34" charset="-127"/>
+                <a:ea typeface="NanumGothic" panose="020D0604000000000000" pitchFamily="34" charset="-127"/>
+              </a:rPr>
+              <a:t>print(name + ‘</a:t>
+            </a:r>
+            <a:r>
+              <a:rPr kumimoji="1" lang="ko-KR" altLang="en-US" spc="-150" dirty="0">
+                <a:solidFill>
+                  <a:schemeClr val="tx1"/>
+                </a:solidFill>
+                <a:latin typeface="NanumGothic" panose="020D0604000000000000" pitchFamily="34" charset="-127"/>
+                <a:ea typeface="NanumGothic" panose="020D0604000000000000" pitchFamily="34" charset="-127"/>
+              </a:rPr>
+              <a:t>님의 </a:t>
+            </a:r>
+            <a:r>
+              <a:rPr kumimoji="1" lang="en-US" altLang="ko-KR" spc="-150" dirty="0">
+                <a:solidFill>
+                  <a:schemeClr val="tx1"/>
+                </a:solidFill>
+                <a:latin typeface="NanumGothic" panose="020D0604000000000000" pitchFamily="34" charset="-127"/>
+                <a:ea typeface="NanumGothic" panose="020D0604000000000000" pitchFamily="34" charset="-127"/>
+              </a:rPr>
+              <a:t>hp : ’</a:t>
+            </a:r>
+            <a:r>
+              <a:rPr kumimoji="1" lang="en-US" altLang="ko-KR" b="1" spc="-150" dirty="0">
+                <a:solidFill>
+                  <a:srgbClr val="FF0000"/>
+                </a:solidFill>
+                <a:latin typeface="NanumGothic" panose="020D0604000000000000" pitchFamily="34" charset="-127"/>
+                <a:ea typeface="NanumGothic" panose="020D0604000000000000" pitchFamily="34" charset="-127"/>
+              </a:rPr>
+              <a:t>,</a:t>
+            </a:r>
+            <a:r>
+              <a:rPr kumimoji="1" lang="en-US" altLang="ko-KR" spc="-150" dirty="0">
+                <a:solidFill>
+                  <a:schemeClr val="tx1"/>
+                </a:solidFill>
+                <a:latin typeface="NanumGothic" panose="020D0604000000000000" pitchFamily="34" charset="-127"/>
+                <a:ea typeface="NanumGothic" panose="020D0604000000000000" pitchFamily="34" charset="-127"/>
+              </a:rPr>
+              <a:t> 100)</a:t>
+            </a:r>
+          </a:p>
+        </p:txBody>
+      </p:sp>
+      <p:sp>
+        <p:nvSpPr>
+          <p:cNvPr id="94" name="모서리가 둥근 직사각형 93">
+            <a:extLst>
+              <a:ext uri="{FF2B5EF4-FFF2-40B4-BE49-F238E27FC236}">
+                <a16:creationId xmlns:a16="http://schemas.microsoft.com/office/drawing/2014/main" id="{C02EBBE8-E18F-AE47-B145-D6CDFACFDF09}"/>
+              </a:ext>
+            </a:extLst>
+          </p:cNvPr>
+          <p:cNvSpPr/>
+          <p:nvPr/>
+        </p:nvSpPr>
+        <p:spPr>
+          <a:xfrm>
+            <a:off x="6218527" y="5917755"/>
+            <a:ext cx="3186113" cy="849671"/>
+          </a:xfrm>
+          <a:prstGeom prst="roundRect">
+            <a:avLst/>
+          </a:prstGeom>
+          <a:solidFill>
+            <a:schemeClr val="bg1"/>
+          </a:solidFill>
+          <a:ln>
+            <a:solidFill>
+              <a:schemeClr val="bg1">
+                <a:lumMod val="50000"/>
+              </a:schemeClr>
+            </a:solidFill>
+          </a:ln>
+        </p:spPr>
+        <p:style>
+          <a:lnRef idx="2">
+            <a:schemeClr val="accent1">
+              <a:shade val="50000"/>
+            </a:schemeClr>
+          </a:lnRef>
+          <a:fillRef idx="1">
+            <a:schemeClr val="accent1"/>
+          </a:fillRef>
+          <a:effectRef idx="0">
+            <a:schemeClr val="accent1"/>
+          </a:effectRef>
+          <a:fontRef idx="minor">
+            <a:schemeClr val="lt1"/>
+          </a:fontRef>
+        </p:style>
+        <p:txBody>
+          <a:bodyPr rtlCol="0" anchor="ctr"/>
+          <a:lstStyle/>
+          <a:p>
+            <a:r>
+              <a:rPr kumimoji="1" lang="en-US" altLang="ko-KR" spc="-150" dirty="0">
+                <a:solidFill>
+                  <a:srgbClr val="009051"/>
+                </a:solidFill>
+                <a:latin typeface="NanumGothic" panose="020D0604000000000000" pitchFamily="34" charset="-127"/>
+                <a:ea typeface="NanumGothic" panose="020D0604000000000000" pitchFamily="34" charset="-127"/>
+              </a:rPr>
+              <a:t># </a:t>
+            </a:r>
+            <a:r>
+              <a:rPr kumimoji="1" lang="ko-KR" altLang="en-US" spc="-150" dirty="0">
+                <a:solidFill>
+                  <a:srgbClr val="009051"/>
+                </a:solidFill>
+                <a:latin typeface="NanumGothic" panose="020D0604000000000000" pitchFamily="34" charset="-127"/>
+                <a:ea typeface="NanumGothic" panose="020D0604000000000000" pitchFamily="34" charset="-127"/>
+              </a:rPr>
+              <a:t>줄 바꿈 대신 </a:t>
+            </a:r>
+            <a:r>
+              <a:rPr kumimoji="1" lang="en-US" altLang="ko-KR" spc="-150" dirty="0">
+                <a:solidFill>
+                  <a:srgbClr val="009051"/>
+                </a:solidFill>
+                <a:latin typeface="NanumGothic" panose="020D0604000000000000" pitchFamily="34" charset="-127"/>
+                <a:ea typeface="NanumGothic" panose="020D0604000000000000" pitchFamily="34" charset="-127"/>
+              </a:rPr>
+              <a:t>: end = ‘</a:t>
+            </a:r>
+            <a:r>
+              <a:rPr kumimoji="1" lang="ko-KR" altLang="en-US" spc="-150" dirty="0">
+                <a:solidFill>
+                  <a:srgbClr val="009051"/>
+                </a:solidFill>
+                <a:latin typeface="NanumGothic" panose="020D0604000000000000" pitchFamily="34" charset="-127"/>
+                <a:ea typeface="NanumGothic" panose="020D0604000000000000" pitchFamily="34" charset="-127"/>
+              </a:rPr>
+              <a:t>문자</a:t>
+            </a:r>
+            <a:r>
+              <a:rPr kumimoji="1" lang="en-US" altLang="ko-KR" spc="-150" dirty="0">
+                <a:solidFill>
+                  <a:srgbClr val="009051"/>
+                </a:solidFill>
+                <a:latin typeface="NanumGothic" panose="020D0604000000000000" pitchFamily="34" charset="-127"/>
+                <a:ea typeface="NanumGothic" panose="020D0604000000000000" pitchFamily="34" charset="-127"/>
+              </a:rPr>
+              <a:t>’</a:t>
+            </a:r>
+          </a:p>
+          <a:p>
+            <a:r>
+              <a:rPr kumimoji="1" lang="en-US" altLang="ko-KR" spc="-150" dirty="0">
+                <a:solidFill>
+                  <a:schemeClr val="tx1">
+                    <a:lumMod val="95000"/>
+                    <a:lumOff val="5000"/>
+                  </a:schemeClr>
+                </a:solidFill>
+                <a:latin typeface="NanumGothic" panose="020D0604000000000000" pitchFamily="34" charset="-127"/>
+                <a:ea typeface="NanumGothic" panose="020D0604000000000000" pitchFamily="34" charset="-127"/>
+              </a:rPr>
+              <a:t>print(‘</a:t>
+            </a:r>
+            <a:r>
+              <a:rPr kumimoji="1" lang="ko-KR" altLang="en-US" spc="-150" dirty="0">
+                <a:solidFill>
+                  <a:schemeClr val="tx1">
+                    <a:lumMod val="95000"/>
+                    <a:lumOff val="5000"/>
+                  </a:schemeClr>
+                </a:solidFill>
+                <a:latin typeface="NanumGothic" panose="020D0604000000000000" pitchFamily="34" charset="-127"/>
+                <a:ea typeface="NanumGothic" panose="020D0604000000000000" pitchFamily="34" charset="-127"/>
+              </a:rPr>
+              <a:t>안녕하세요</a:t>
+            </a:r>
+            <a:r>
+              <a:rPr kumimoji="1" lang="en-US" altLang="ko-KR" spc="-150" dirty="0">
+                <a:solidFill>
+                  <a:schemeClr val="tx1">
+                    <a:lumMod val="95000"/>
+                    <a:lumOff val="5000"/>
+                  </a:schemeClr>
+                </a:solidFill>
+                <a:latin typeface="NanumGothic" panose="020D0604000000000000" pitchFamily="34" charset="-127"/>
+                <a:ea typeface="NanumGothic" panose="020D0604000000000000" pitchFamily="34" charset="-127"/>
+              </a:rPr>
+              <a:t>!’</a:t>
+            </a:r>
+            <a:r>
+              <a:rPr kumimoji="1" lang="en-US" altLang="ko-KR" spc="-150" dirty="0">
+                <a:solidFill>
+                  <a:srgbClr val="FF0000"/>
+                </a:solidFill>
+                <a:latin typeface="NanumGothic" panose="020D0604000000000000" pitchFamily="34" charset="-127"/>
+                <a:ea typeface="NanumGothic" panose="020D0604000000000000" pitchFamily="34" charset="-127"/>
+              </a:rPr>
+              <a:t>, end = ‘  ’</a:t>
+            </a:r>
+            <a:r>
+              <a:rPr kumimoji="1" lang="en-US" altLang="ko-KR" spc="-150" dirty="0">
+                <a:solidFill>
+                  <a:schemeClr val="tx1">
+                    <a:lumMod val="95000"/>
+                    <a:lumOff val="5000"/>
+                  </a:schemeClr>
+                </a:solidFill>
+                <a:latin typeface="NanumGothic" panose="020D0604000000000000" pitchFamily="34" charset="-127"/>
+                <a:ea typeface="NanumGothic" panose="020D0604000000000000" pitchFamily="34" charset="-127"/>
+              </a:rPr>
+              <a:t>)</a:t>
+            </a:r>
+          </a:p>
+          <a:p>
+            <a:r>
+              <a:rPr kumimoji="1" lang="en-US" altLang="ko-KR" spc="-150" dirty="0">
+                <a:solidFill>
+                  <a:schemeClr val="tx1">
+                    <a:lumMod val="95000"/>
+                    <a:lumOff val="5000"/>
+                  </a:schemeClr>
+                </a:solidFill>
+                <a:latin typeface="NanumGothic" panose="020D0604000000000000" pitchFamily="34" charset="-127"/>
+                <a:ea typeface="NanumGothic" panose="020D0604000000000000" pitchFamily="34" charset="-127"/>
+              </a:rPr>
+              <a:t>print(‘</a:t>
+            </a:r>
+            <a:r>
+              <a:rPr kumimoji="1" lang="ko-KR" altLang="en-US" spc="-150" dirty="0">
+                <a:solidFill>
+                  <a:schemeClr val="tx1">
+                    <a:lumMod val="95000"/>
+                    <a:lumOff val="5000"/>
+                  </a:schemeClr>
+                </a:solidFill>
+                <a:latin typeface="NanumGothic" panose="020D0604000000000000" pitchFamily="34" charset="-127"/>
+                <a:ea typeface="NanumGothic" panose="020D0604000000000000" pitchFamily="34" charset="-127"/>
+              </a:rPr>
+              <a:t>반가워요</a:t>
+            </a:r>
+            <a:r>
+              <a:rPr kumimoji="1" lang="en-US" altLang="ko-KR" spc="-150" dirty="0">
+                <a:solidFill>
+                  <a:schemeClr val="tx1">
+                    <a:lumMod val="95000"/>
+                    <a:lumOff val="5000"/>
+                  </a:schemeClr>
+                </a:solidFill>
+                <a:latin typeface="NanumGothic" panose="020D0604000000000000" pitchFamily="34" charset="-127"/>
+                <a:ea typeface="NanumGothic" panose="020D0604000000000000" pitchFamily="34" charset="-127"/>
+              </a:rPr>
+              <a:t>’</a:t>
+            </a:r>
+            <a:r>
+              <a:rPr kumimoji="1" lang="en-US" altLang="ko-KR" spc="-150" dirty="0">
+                <a:solidFill>
+                  <a:srgbClr val="FF0000"/>
+                </a:solidFill>
+                <a:latin typeface="NanumGothic" panose="020D0604000000000000" pitchFamily="34" charset="-127"/>
+                <a:ea typeface="NanumGothic" panose="020D0604000000000000" pitchFamily="34" charset="-127"/>
+              </a:rPr>
+              <a:t>, end = ‘_ ’</a:t>
+            </a:r>
+            <a:r>
+              <a:rPr kumimoji="1" lang="en-US" altLang="ko-KR" spc="-150" dirty="0">
+                <a:solidFill>
+                  <a:schemeClr val="tx1">
+                    <a:lumMod val="95000"/>
+                    <a:lumOff val="5000"/>
+                  </a:schemeClr>
+                </a:solidFill>
+                <a:latin typeface="NanumGothic" panose="020D0604000000000000" pitchFamily="34" charset="-127"/>
+                <a:ea typeface="NanumGothic" panose="020D0604000000000000" pitchFamily="34" charset="-127"/>
+              </a:rPr>
+              <a:t>)</a:t>
+            </a:r>
+          </a:p>
+        </p:txBody>
+      </p:sp>
+    </p:spTree>
+    <p:extLst>
+      <p:ext uri="{BB962C8B-B14F-4D97-AF65-F5344CB8AC3E}">
+        <p14:creationId xmlns:p14="http://schemas.microsoft.com/office/powerpoint/2010/main" val="3845803359"/>
+      </p:ext>
+    </p:extLst>
+  </p:cSld>
+  <p:clrMapOvr>
+    <a:masterClrMapping/>
+  </p:clrMapOvr>
+</p:sld>
+</file>
+
+<file path=ppt/slides/slide2.xml><?xml version="1.0" encoding="utf-8"?>
+<p:sld xmlns:a="http://schemas.openxmlformats.org/drawingml/2006/main" xmlns:r="http://schemas.openxmlformats.org/officeDocument/2006/relationships" xmlns:p="http://schemas.openxmlformats.org/presentationml/2006/main">
+  <p:cSld>
+    <p:spTree>
+      <p:nvGrpSpPr>
+        <p:cNvPr id="1" name=""/>
+        <p:cNvGrpSpPr/>
+        <p:nvPr/>
+      </p:nvGrpSpPr>
+      <p:grpSpPr>
+        <a:xfrm>
+          <a:off x="0" y="0"/>
+          <a:ext cx="0" cy="0"/>
+          <a:chOff x="0" y="0"/>
+          <a:chExt cx="0" cy="0"/>
+        </a:xfrm>
+      </p:grpSpPr>
+      <p:sp>
+        <p:nvSpPr>
+          <p:cNvPr id="4" name="직사각형 3">
+            <a:extLst>
+              <a:ext uri="{FF2B5EF4-FFF2-40B4-BE49-F238E27FC236}">
+                <a16:creationId xmlns:a16="http://schemas.microsoft.com/office/drawing/2014/main" id="{4855698B-5B5C-9A4A-A1B7-701C859DC136}"/>
+              </a:ext>
+            </a:extLst>
+          </p:cNvPr>
+          <p:cNvSpPr/>
+          <p:nvPr/>
+        </p:nvSpPr>
+        <p:spPr>
+          <a:xfrm>
+            <a:off x="2667000" y="0"/>
+            <a:ext cx="6858000" cy="6858000"/>
+          </a:xfrm>
+          <a:prstGeom prst="rect">
+            <a:avLst/>
+          </a:prstGeom>
+          <a:solidFill>
+            <a:schemeClr val="bg1">
+              <a:lumMod val="85000"/>
+            </a:schemeClr>
+          </a:solidFill>
+          <a:ln>
+            <a:solidFill>
+              <a:schemeClr val="tx1"/>
+            </a:solidFill>
+          </a:ln>
+        </p:spPr>
+        <p:style>
+          <a:lnRef idx="2">
+            <a:schemeClr val="accent1">
+              <a:shade val="50000"/>
+            </a:schemeClr>
+          </a:lnRef>
+          <a:fillRef idx="1">
+            <a:schemeClr val="accent1"/>
+          </a:fillRef>
+          <a:effectRef idx="0">
+            <a:schemeClr val="accent1"/>
+          </a:effectRef>
+          <a:fontRef idx="minor">
+            <a:schemeClr val="lt1"/>
+          </a:fontRef>
+        </p:style>
+        <p:txBody>
+          <a:bodyPr rtlCol="0" anchor="ctr"/>
+          <a:lstStyle/>
+          <a:p>
+            <a:pPr algn="ctr"/>
+            <a:endParaRPr kumimoji="1" lang="ko-KR" altLang="en-US" dirty="0"/>
+          </a:p>
+        </p:txBody>
+      </p:sp>
+      <p:sp>
+        <p:nvSpPr>
+          <p:cNvPr id="5" name="직사각형 4">
+            <a:extLst>
+              <a:ext uri="{FF2B5EF4-FFF2-40B4-BE49-F238E27FC236}">
+                <a16:creationId xmlns:a16="http://schemas.microsoft.com/office/drawing/2014/main" id="{F4F21C75-BAE2-C14E-8A7A-2AD80AD3A1E4}"/>
+              </a:ext>
+            </a:extLst>
+          </p:cNvPr>
+          <p:cNvSpPr/>
+          <p:nvPr/>
+        </p:nvSpPr>
+        <p:spPr>
+          <a:xfrm>
             <a:off x="2916819" y="461717"/>
             <a:ext cx="3812594" cy="358815"/>
           </a:xfrm>
@@ -3482,13 +7498,7 @@
           <p:cNvGraphicFramePr>
             <a:graphicFrameLocks noGrp="1"/>
           </p:cNvGraphicFramePr>
-          <p:nvPr>
-            <p:extLst>
-              <p:ext uri="{D42A27DB-BD31-4B8C-83A1-F6EECF244321}">
-                <p14:modId xmlns:p14="http://schemas.microsoft.com/office/powerpoint/2010/main" val="317240287"/>
-              </p:ext>
-            </p:extLst>
-          </p:nvPr>
+          <p:nvPr/>
         </p:nvGraphicFramePr>
         <p:xfrm>
           <a:off x="2916819" y="903590"/>
@@ -4287,13 +8297,7 @@
           <p:cNvGraphicFramePr>
             <a:graphicFrameLocks noGrp="1"/>
           </p:cNvGraphicFramePr>
-          <p:nvPr>
-            <p:extLst>
-              <p:ext uri="{D42A27DB-BD31-4B8C-83A1-F6EECF244321}">
-                <p14:modId xmlns:p14="http://schemas.microsoft.com/office/powerpoint/2010/main" val="1820142340"/>
-              </p:ext>
-            </p:extLst>
-          </p:nvPr>
+          <p:nvPr/>
         </p:nvGraphicFramePr>
         <p:xfrm>
           <a:off x="2918746" y="3162753"/>
@@ -5057,13 +9061,7 @@
           <p:cNvGraphicFramePr>
             <a:graphicFrameLocks noGrp="1"/>
           </p:cNvGraphicFramePr>
-          <p:nvPr>
-            <p:extLst>
-              <p:ext uri="{D42A27DB-BD31-4B8C-83A1-F6EECF244321}">
-                <p14:modId xmlns:p14="http://schemas.microsoft.com/office/powerpoint/2010/main" val="237630398"/>
-              </p:ext>
-            </p:extLst>
-          </p:nvPr>
+          <p:nvPr/>
         </p:nvGraphicFramePr>
         <p:xfrm>
           <a:off x="2913979" y="5429707"/>
@@ -5592,92 +9590,10 @@
           </a:p>
         </p:txBody>
       </p:sp>
-      <p:sp>
-        <p:nvSpPr>
-          <p:cNvPr id="19" name="TextBox 18">
-            <a:extLst>
-              <a:ext uri="{FF2B5EF4-FFF2-40B4-BE49-F238E27FC236}">
-                <a16:creationId xmlns:a16="http://schemas.microsoft.com/office/drawing/2014/main" id="{93EDC7DB-0071-FE4C-A229-F546EB0A06DF}"/>
-              </a:ext>
-            </a:extLst>
-          </p:cNvPr>
-          <p:cNvSpPr txBox="1"/>
-          <p:nvPr/>
-        </p:nvSpPr>
-        <p:spPr>
-          <a:xfrm>
-            <a:off x="4864968" y="11020"/>
-            <a:ext cx="4707656" cy="369332"/>
-          </a:xfrm>
-          <a:prstGeom prst="rect">
-            <a:avLst/>
-          </a:prstGeom>
-          <a:noFill/>
-        </p:spPr>
-        <p:txBody>
-          <a:bodyPr wrap="square">
-            <a:spAutoFit/>
-          </a:bodyPr>
-          <a:lstStyle/>
-          <a:p>
-            <a:r>
-              <a:rPr lang="ko-KR" altLang="en-US" sz="1800" i="1" dirty="0">
-                <a:solidFill>
-                  <a:srgbClr val="009051"/>
-                </a:solidFill>
-                <a:latin typeface="NanumGothic" panose="020D0604000000000000" pitchFamily="34" charset="-127"/>
-                <a:ea typeface="NanumGothic" panose="020D0604000000000000" pitchFamily="34" charset="-127"/>
-              </a:rPr>
-              <a:t>* </a:t>
-            </a:r>
-            <a:r>
-              <a:rPr lang="en-US" altLang="ko-KR" sz="1800" i="1" dirty="0">
-                <a:solidFill>
-                  <a:srgbClr val="009051"/>
-                </a:solidFill>
-                <a:latin typeface="NanumGothic" panose="020D0604000000000000" pitchFamily="34" charset="-127"/>
-                <a:ea typeface="NanumGothic" panose="020D0604000000000000" pitchFamily="34" charset="-127"/>
-              </a:rPr>
-              <a:t># : comment(</a:t>
-            </a:r>
-            <a:r>
-              <a:rPr lang="ko-KR" altLang="en-US" sz="1800" i="1" dirty="0">
-                <a:solidFill>
-                  <a:srgbClr val="009051"/>
-                </a:solidFill>
-                <a:latin typeface="NanumGothic" panose="020D0604000000000000" pitchFamily="34" charset="-127"/>
-                <a:ea typeface="NanumGothic" panose="020D0604000000000000" pitchFamily="34" charset="-127"/>
-              </a:rPr>
-              <a:t>주석</a:t>
-            </a:r>
-            <a:r>
-              <a:rPr lang="en-US" altLang="ko-KR" sz="1800" i="1" dirty="0">
-                <a:solidFill>
-                  <a:srgbClr val="009051"/>
-                </a:solidFill>
-                <a:latin typeface="NanumGothic" panose="020D0604000000000000" pitchFamily="34" charset="-127"/>
-                <a:ea typeface="NanumGothic" panose="020D0604000000000000" pitchFamily="34" charset="-127"/>
-              </a:rPr>
-              <a:t>), </a:t>
-            </a:r>
-            <a:r>
-              <a:rPr lang="ko-KR" altLang="en-US" sz="1800" i="1" dirty="0">
-                <a:solidFill>
-                  <a:srgbClr val="009051"/>
-                </a:solidFill>
-                <a:latin typeface="NanumGothic" panose="020D0604000000000000" pitchFamily="34" charset="-127"/>
-                <a:ea typeface="NanumGothic" panose="020D0604000000000000" pitchFamily="34" charset="-127"/>
-              </a:rPr>
-              <a:t>코드를 설명할 때 사용</a:t>
-            </a:r>
-            <a:endParaRPr lang="ko-KR" altLang="en-US" i="1" dirty="0"/>
-          </a:p>
-        </p:txBody>
-      </p:sp>
     </p:spTree>
     <p:extLst>
       <p:ext uri="{BB962C8B-B14F-4D97-AF65-F5344CB8AC3E}">
-        <p14:creationId xmlns:p14="http://schemas.microsoft.com/office/powerpoint/2010/main" val="3845803359"/>
+        <p14:creationId xmlns:p14="http://schemas.microsoft.com/office/powerpoint/2010/main" val="3093950309"/>
       </p:ext>
     </p:extLst>
   </p:cSld>
@@ -5687,7 +9603,7 @@
 </p:sld>
 </file>
 
-<file path=ppt/slides/slide2.xml><?xml version="1.0" encoding="utf-8"?>
+<file path=ppt/slides/slide3.xml><?xml version="1.0" encoding="utf-8"?>
 <p:sld xmlns:a="http://schemas.openxmlformats.org/drawingml/2006/main" xmlns:r="http://schemas.openxmlformats.org/officeDocument/2006/relationships" xmlns:p="http://schemas.openxmlformats.org/presentationml/2006/main">
   <p:cSld>
     <p:spTree>
@@ -8530,7 +12446,7 @@
 </p:sld>
 </file>
 
-<file path=ppt/slides/slide3.xml><?xml version="1.0" encoding="utf-8"?>
+<file path=ppt/slides/slide4.xml><?xml version="1.0" encoding="utf-8"?>
 <p:sld xmlns:a="http://schemas.openxmlformats.org/drawingml/2006/main" xmlns:r="http://schemas.openxmlformats.org/officeDocument/2006/relationships" xmlns:p="http://schemas.openxmlformats.org/presentationml/2006/main">
   <p:cSld>
     <p:spTree>
@@ -11136,7 +15052,7 @@
         </p:nvSpPr>
         <p:spPr>
           <a:xfrm>
-            <a:off x="3049470" y="6269606"/>
+            <a:off x="3050115" y="6269606"/>
             <a:ext cx="241756" cy="254773"/>
           </a:xfrm>
           <a:prstGeom prst="rect">
@@ -11193,7 +15109,7 @@
         </p:nvCxnSpPr>
         <p:spPr>
           <a:xfrm>
-            <a:off x="3049470" y="6396993"/>
+            <a:off x="3050115" y="6396993"/>
             <a:ext cx="241756" cy="0"/>
           </a:xfrm>
           <a:prstGeom prst="straightConnector1">
@@ -11608,7 +15524,7 @@
         </p:nvSpPr>
         <p:spPr>
           <a:xfrm>
-            <a:off x="3042846" y="6528022"/>
+            <a:off x="3050938" y="6530058"/>
             <a:ext cx="241756" cy="254773"/>
           </a:xfrm>
           <a:prstGeom prst="rect">
@@ -11665,7 +15581,7 @@
         </p:nvCxnSpPr>
         <p:spPr>
           <a:xfrm>
-            <a:off x="3042846" y="6655409"/>
+            <a:off x="3050938" y="6657445"/>
             <a:ext cx="241756" cy="0"/>
           </a:xfrm>
           <a:prstGeom prst="straightConnector1">
@@ -11704,7 +15620,7 @@
         </p:nvSpPr>
         <p:spPr>
           <a:xfrm>
-            <a:off x="3288010" y="6534650"/>
+            <a:off x="3296102" y="6529239"/>
             <a:ext cx="241756" cy="254773"/>
           </a:xfrm>
           <a:prstGeom prst="rect">
@@ -11761,7 +15677,7 @@
         </p:nvCxnSpPr>
         <p:spPr>
           <a:xfrm>
-            <a:off x="3288010" y="6662037"/>
+            <a:off x="3296102" y="6656626"/>
             <a:ext cx="241756" cy="0"/>
           </a:xfrm>
           <a:prstGeom prst="straightConnector1">
@@ -11954,7 +15870,7 @@
         </p:nvSpPr>
         <p:spPr>
           <a:xfrm>
-            <a:off x="6294635" y="6240537"/>
+            <a:off x="6294635" y="6255072"/>
             <a:ext cx="241756" cy="254773"/>
           </a:xfrm>
           <a:prstGeom prst="rect">
@@ -12011,7 +15927,7 @@
         </p:nvCxnSpPr>
         <p:spPr>
           <a:xfrm>
-            <a:off x="6294635" y="6367924"/>
+            <a:off x="6294635" y="6382459"/>
             <a:ext cx="241756" cy="0"/>
           </a:xfrm>
           <a:prstGeom prst="straightConnector1">
@@ -12050,7 +15966,7 @@
         </p:nvSpPr>
         <p:spPr>
           <a:xfrm>
-            <a:off x="6539799" y="6247165"/>
+            <a:off x="6539799" y="6252576"/>
             <a:ext cx="241756" cy="254773"/>
           </a:xfrm>
           <a:prstGeom prst="rect">
@@ -12107,7 +16023,7 @@
         </p:nvCxnSpPr>
         <p:spPr>
           <a:xfrm>
-            <a:off x="6539799" y="6374552"/>
+            <a:off x="6539799" y="6379963"/>
             <a:ext cx="241756" cy="0"/>
           </a:xfrm>
           <a:prstGeom prst="straightConnector1">

--- a/2022파이썬기초문법정리(220320,3-반복문까지).pptx
+++ b/2022파이썬기초문법정리(220320,3-반복문까지).pptx
@@ -6,9 +6,15 @@
   </p:sldMasterIdLst>
   <p:sldIdLst>
     <p:sldId id="256" r:id="rId2"/>
-    <p:sldId id="259" r:id="rId3"/>
-    <p:sldId id="257" r:id="rId4"/>
-    <p:sldId id="258" r:id="rId5"/>
+    <p:sldId id="265" r:id="rId3"/>
+    <p:sldId id="259" r:id="rId4"/>
+    <p:sldId id="257" r:id="rId5"/>
+    <p:sldId id="258" r:id="rId6"/>
+    <p:sldId id="263" r:id="rId7"/>
+    <p:sldId id="260" r:id="rId8"/>
+    <p:sldId id="261" r:id="rId9"/>
+    <p:sldId id="262" r:id="rId10"/>
+    <p:sldId id="264" r:id="rId11"/>
   </p:sldIdLst>
   <p:sldSz cx="12192000" cy="6858000"/>
   <p:notesSz cx="6858000" cy="9144000"/>
@@ -3324,6 +3330,216 @@
           <a:chExt cx="0" cy="0"/>
         </a:xfrm>
       </p:grpSpPr>
+      <p:pic>
+        <p:nvPicPr>
+          <p:cNvPr id="99" name="그림 98" descr="텍스트이(가) 표시된 사진&#10;&#10;자동 생성된 설명">
+            <a:extLst>
+              <a:ext uri="{FF2B5EF4-FFF2-40B4-BE49-F238E27FC236}">
+                <a16:creationId xmlns:a16="http://schemas.microsoft.com/office/drawing/2014/main" id="{632260E1-DF86-344B-AA86-5FB6A1CE0F41}"/>
+              </a:ext>
+            </a:extLst>
+          </p:cNvPr>
+          <p:cNvPicPr preferRelativeResize="0">
+            <a:picLocks/>
+          </p:cNvPicPr>
+          <p:nvPr/>
+        </p:nvPicPr>
+        <p:blipFill>
+          <a:blip r:embed="rId2"/>
+          <a:stretch>
+            <a:fillRect/>
+          </a:stretch>
+        </p:blipFill>
+        <p:spPr>
+          <a:xfrm>
+            <a:off x="849090" y="-27000"/>
+            <a:ext cx="3456000" cy="3456000"/>
+          </a:xfrm>
+          <a:prstGeom prst="rect">
+            <a:avLst/>
+          </a:prstGeom>
+        </p:spPr>
+      </p:pic>
+      <p:pic>
+        <p:nvPicPr>
+          <p:cNvPr id="101" name="그림 100" descr="테이블이(가) 표시된 사진&#10;&#10;자동 생성된 설명">
+            <a:extLst>
+              <a:ext uri="{FF2B5EF4-FFF2-40B4-BE49-F238E27FC236}">
+                <a16:creationId xmlns:a16="http://schemas.microsoft.com/office/drawing/2014/main" id="{31ED1C1E-FC9C-E149-ABB6-4E0B34A77D23}"/>
+              </a:ext>
+            </a:extLst>
+          </p:cNvPr>
+          <p:cNvPicPr preferRelativeResize="0">
+            <a:picLocks/>
+          </p:cNvPicPr>
+          <p:nvPr/>
+        </p:nvPicPr>
+        <p:blipFill>
+          <a:blip r:embed="rId3"/>
+          <a:stretch>
+            <a:fillRect/>
+          </a:stretch>
+        </p:blipFill>
+        <p:spPr>
+          <a:xfrm>
+            <a:off x="4289349" y="-10885"/>
+            <a:ext cx="3456000" cy="3456000"/>
+          </a:xfrm>
+          <a:prstGeom prst="rect">
+            <a:avLst/>
+          </a:prstGeom>
+        </p:spPr>
+      </p:pic>
+      <p:pic>
+        <p:nvPicPr>
+          <p:cNvPr id="103" name="그림 102" descr="텍스트이(가) 표시된 사진&#10;&#10;자동 생성된 설명">
+            <a:extLst>
+              <a:ext uri="{FF2B5EF4-FFF2-40B4-BE49-F238E27FC236}">
+                <a16:creationId xmlns:a16="http://schemas.microsoft.com/office/drawing/2014/main" id="{08C63331-C933-694C-9778-7C94075FB910}"/>
+              </a:ext>
+            </a:extLst>
+          </p:cNvPr>
+          <p:cNvPicPr preferRelativeResize="0">
+            <a:picLocks/>
+          </p:cNvPicPr>
+          <p:nvPr/>
+        </p:nvPicPr>
+        <p:blipFill>
+          <a:blip r:embed="rId4"/>
+          <a:stretch>
+            <a:fillRect/>
+          </a:stretch>
+        </p:blipFill>
+        <p:spPr>
+          <a:xfrm>
+            <a:off x="7703892" y="0"/>
+            <a:ext cx="3456000" cy="3456000"/>
+          </a:xfrm>
+          <a:prstGeom prst="rect">
+            <a:avLst/>
+          </a:prstGeom>
+        </p:spPr>
+      </p:pic>
+      <p:pic>
+        <p:nvPicPr>
+          <p:cNvPr id="105" name="그림 104" descr="텍스트이(가) 표시된 사진&#10;&#10;자동 생성된 설명">
+            <a:extLst>
+              <a:ext uri="{FF2B5EF4-FFF2-40B4-BE49-F238E27FC236}">
+                <a16:creationId xmlns:a16="http://schemas.microsoft.com/office/drawing/2014/main" id="{A7FD3431-3B07-964B-AE79-35272D7A698B}"/>
+              </a:ext>
+            </a:extLst>
+          </p:cNvPr>
+          <p:cNvPicPr preferRelativeResize="0">
+            <a:picLocks/>
+          </p:cNvPicPr>
+          <p:nvPr/>
+        </p:nvPicPr>
+        <p:blipFill>
+          <a:blip r:embed="rId5"/>
+          <a:stretch>
+            <a:fillRect/>
+          </a:stretch>
+        </p:blipFill>
+        <p:spPr>
+          <a:xfrm>
+            <a:off x="847648" y="3412885"/>
+            <a:ext cx="3456000" cy="3456000"/>
+          </a:xfrm>
+          <a:prstGeom prst="rect">
+            <a:avLst/>
+          </a:prstGeom>
+        </p:spPr>
+      </p:pic>
+      <p:pic>
+        <p:nvPicPr>
+          <p:cNvPr id="108" name="그림 107">
+            <a:extLst>
+              <a:ext uri="{FF2B5EF4-FFF2-40B4-BE49-F238E27FC236}">
+                <a16:creationId xmlns:a16="http://schemas.microsoft.com/office/drawing/2014/main" id="{3879DA8E-4616-C243-8598-990C18B04B23}"/>
+              </a:ext>
+            </a:extLst>
+          </p:cNvPr>
+          <p:cNvPicPr preferRelativeResize="0">
+            <a:picLocks/>
+          </p:cNvPicPr>
+          <p:nvPr/>
+        </p:nvPicPr>
+        <p:blipFill>
+          <a:blip r:embed="rId6"/>
+          <a:stretch>
+            <a:fillRect/>
+          </a:stretch>
+        </p:blipFill>
+        <p:spPr>
+          <a:xfrm>
+            <a:off x="4276491" y="3401999"/>
+            <a:ext cx="3456000" cy="3456001"/>
+          </a:xfrm>
+          <a:prstGeom prst="rect">
+            <a:avLst/>
+          </a:prstGeom>
+        </p:spPr>
+      </p:pic>
+      <p:pic>
+        <p:nvPicPr>
+          <p:cNvPr id="111" name="그림 110">
+            <a:extLst>
+              <a:ext uri="{FF2B5EF4-FFF2-40B4-BE49-F238E27FC236}">
+                <a16:creationId xmlns:a16="http://schemas.microsoft.com/office/drawing/2014/main" id="{EC0E736F-797D-5640-A8BB-481A4D7D783D}"/>
+              </a:ext>
+            </a:extLst>
+          </p:cNvPr>
+          <p:cNvPicPr preferRelativeResize="0">
+            <a:picLocks/>
+          </p:cNvPicPr>
+          <p:nvPr/>
+        </p:nvPicPr>
+        <p:blipFill>
+          <a:blip r:embed="rId7"/>
+          <a:stretch>
+            <a:fillRect/>
+          </a:stretch>
+        </p:blipFill>
+        <p:spPr>
+          <a:xfrm>
+            <a:off x="7703892" y="3401998"/>
+            <a:ext cx="3456000" cy="3456002"/>
+          </a:xfrm>
+          <a:prstGeom prst="rect">
+            <a:avLst/>
+          </a:prstGeom>
+        </p:spPr>
+      </p:pic>
+    </p:spTree>
+    <p:extLst>
+      <p:ext uri="{BB962C8B-B14F-4D97-AF65-F5344CB8AC3E}">
+        <p14:creationId xmlns:p14="http://schemas.microsoft.com/office/powerpoint/2010/main" val="3845803359"/>
+      </p:ext>
+    </p:extLst>
+  </p:cSld>
+  <p:clrMapOvr>
+    <a:masterClrMapping/>
+  </p:clrMapOvr>
+</p:sld>
+</file>
+
+<file path=ppt/slides/slide10.xml><?xml version="1.0" encoding="utf-8"?>
+<p:sld xmlns:a="http://schemas.openxmlformats.org/drawingml/2006/main" xmlns:r="http://schemas.openxmlformats.org/officeDocument/2006/relationships" xmlns:p="http://schemas.openxmlformats.org/presentationml/2006/main">
+  <p:cSld>
+    <p:spTree>
+      <p:nvGrpSpPr>
+        <p:cNvPr id="1" name=""/>
+        <p:cNvGrpSpPr/>
+        <p:nvPr/>
+      </p:nvGrpSpPr>
+      <p:grpSpPr>
+        <a:xfrm>
+          <a:off x="0" y="0"/>
+          <a:ext cx="0" cy="0"/>
+          <a:chOff x="0" y="0"/>
+          <a:chExt cx="0" cy="0"/>
+        </a:xfrm>
+      </p:grpSpPr>
       <p:sp>
         <p:nvSpPr>
           <p:cNvPr id="4" name="직사각형 3">
@@ -3382,6 +3598,137 @@
       </p:sp>
       <p:sp>
         <p:nvSpPr>
+          <p:cNvPr id="16" name="TextBox 15">
+            <a:extLst>
+              <a:ext uri="{FF2B5EF4-FFF2-40B4-BE49-F238E27FC236}">
+                <a16:creationId xmlns:a16="http://schemas.microsoft.com/office/drawing/2014/main" id="{6B5FC1B1-FB9D-D24B-929A-03D65FCCB149}"/>
+              </a:ext>
+            </a:extLst>
+          </p:cNvPr>
+          <p:cNvSpPr txBox="1"/>
+          <p:nvPr/>
+        </p:nvSpPr>
+        <p:spPr>
+          <a:xfrm>
+            <a:off x="2667000" y="11023"/>
+            <a:ext cx="2472152" cy="400110"/>
+          </a:xfrm>
+          <a:prstGeom prst="rect">
+            <a:avLst/>
+          </a:prstGeom>
+          <a:noFill/>
+        </p:spPr>
+        <p:txBody>
+          <a:bodyPr wrap="none" rtlCol="0">
+            <a:spAutoFit/>
+          </a:bodyPr>
+          <a:lstStyle/>
+          <a:p>
+            <a:r>
+              <a:rPr kumimoji="1" lang="en-US" altLang="ko-KR" sz="2000" b="1" dirty="0">
+                <a:latin typeface="NanumGothic" panose="020D0604000000000000" pitchFamily="34" charset="-127"/>
+                <a:ea typeface="NanumGothic" panose="020D0604000000000000" pitchFamily="34" charset="-127"/>
+              </a:rPr>
+              <a:t>#8. </a:t>
+            </a:r>
+            <a:r>
+              <a:rPr kumimoji="1" lang="ko-KR" altLang="en-US" sz="2000" b="1" dirty="0">
+                <a:latin typeface="NanumGothic" panose="020D0604000000000000" pitchFamily="34" charset="-127"/>
+                <a:ea typeface="NanumGothic" panose="020D0604000000000000" pitchFamily="34" charset="-127"/>
+              </a:rPr>
+              <a:t>함수 만들기 정리</a:t>
+            </a:r>
+          </a:p>
+        </p:txBody>
+      </p:sp>
+    </p:spTree>
+    <p:extLst>
+      <p:ext uri="{BB962C8B-B14F-4D97-AF65-F5344CB8AC3E}">
+        <p14:creationId xmlns:p14="http://schemas.microsoft.com/office/powerpoint/2010/main" val="2068841093"/>
+      </p:ext>
+    </p:extLst>
+  </p:cSld>
+  <p:clrMapOvr>
+    <a:masterClrMapping/>
+  </p:clrMapOvr>
+</p:sld>
+</file>
+
+<file path=ppt/slides/slide2.xml><?xml version="1.0" encoding="utf-8"?>
+<p:sld xmlns:a="http://schemas.openxmlformats.org/drawingml/2006/main" xmlns:r="http://schemas.openxmlformats.org/officeDocument/2006/relationships" xmlns:p="http://schemas.openxmlformats.org/presentationml/2006/main">
+  <p:cSld>
+    <p:spTree>
+      <p:nvGrpSpPr>
+        <p:cNvPr id="1" name=""/>
+        <p:cNvGrpSpPr/>
+        <p:nvPr/>
+      </p:nvGrpSpPr>
+      <p:grpSpPr>
+        <a:xfrm>
+          <a:off x="0" y="0"/>
+          <a:ext cx="0" cy="0"/>
+          <a:chOff x="0" y="0"/>
+          <a:chExt cx="0" cy="0"/>
+        </a:xfrm>
+      </p:grpSpPr>
+      <p:sp>
+        <p:nvSpPr>
+          <p:cNvPr id="4" name="직사각형 3">
+            <a:extLst>
+              <a:ext uri="{FF2B5EF4-FFF2-40B4-BE49-F238E27FC236}">
+                <a16:creationId xmlns:a16="http://schemas.microsoft.com/office/drawing/2014/main" id="{4855698B-5B5C-9A4A-A1B7-701C859DC136}"/>
+              </a:ext>
+            </a:extLst>
+          </p:cNvPr>
+          <p:cNvSpPr/>
+          <p:nvPr/>
+        </p:nvSpPr>
+        <p:spPr>
+          <a:xfrm>
+            <a:off x="2667000" y="0"/>
+            <a:ext cx="6858000" cy="6858000"/>
+          </a:xfrm>
+          <a:prstGeom prst="rect">
+            <a:avLst/>
+          </a:prstGeom>
+          <a:solidFill>
+            <a:schemeClr val="bg1">
+              <a:lumMod val="85000"/>
+            </a:schemeClr>
+          </a:solidFill>
+          <a:ln>
+            <a:solidFill>
+              <a:schemeClr val="tx1"/>
+            </a:solidFill>
+          </a:ln>
+        </p:spPr>
+        <p:style>
+          <a:lnRef idx="2">
+            <a:schemeClr val="accent1">
+              <a:shade val="50000"/>
+            </a:schemeClr>
+          </a:lnRef>
+          <a:fillRef idx="1">
+            <a:schemeClr val="accent1"/>
+          </a:fillRef>
+          <a:effectRef idx="0">
+            <a:schemeClr val="accent1"/>
+          </a:effectRef>
+          <a:fontRef idx="minor">
+            <a:schemeClr val="lt1"/>
+          </a:fontRef>
+        </p:style>
+        <p:txBody>
+          <a:bodyPr rtlCol="0" anchor="ctr"/>
+          <a:lstStyle/>
+          <a:p>
+            <a:pPr algn="ctr"/>
+            <a:endParaRPr kumimoji="1" lang="ko-KR" altLang="en-US" dirty="0"/>
+          </a:p>
+        </p:txBody>
+      </p:sp>
+      <p:sp>
+        <p:nvSpPr>
           <p:cNvPr id="5" name="직사각형 4">
             <a:extLst>
               <a:ext uri="{FF2B5EF4-FFF2-40B4-BE49-F238E27FC236}">
@@ -7312,7 +7659,7 @@
     </p:spTree>
     <p:extLst>
       <p:ext uri="{BB962C8B-B14F-4D97-AF65-F5344CB8AC3E}">
-        <p14:creationId xmlns:p14="http://schemas.microsoft.com/office/powerpoint/2010/main" val="3845803359"/>
+        <p14:creationId xmlns:p14="http://schemas.microsoft.com/office/powerpoint/2010/main" val="2600408242"/>
       </p:ext>
     </p:extLst>
   </p:cSld>
@@ -7322,7 +7669,7 @@
 </p:sld>
 </file>
 
-<file path=ppt/slides/slide2.xml><?xml version="1.0" encoding="utf-8"?>
+<file path=ppt/slides/slide3.xml><?xml version="1.0" encoding="utf-8"?>
 <p:sld xmlns:a="http://schemas.openxmlformats.org/drawingml/2006/main" xmlns:r="http://schemas.openxmlformats.org/officeDocument/2006/relationships" xmlns:p="http://schemas.openxmlformats.org/presentationml/2006/main">
   <p:cSld>
     <p:spTree>
@@ -9603,7 +9950,7 @@
 </p:sld>
 </file>
 
-<file path=ppt/slides/slide3.xml><?xml version="1.0" encoding="utf-8"?>
+<file path=ppt/slides/slide4.xml><?xml version="1.0" encoding="utf-8"?>
 <p:sld xmlns:a="http://schemas.openxmlformats.org/drawingml/2006/main" xmlns:r="http://schemas.openxmlformats.org/officeDocument/2006/relationships" xmlns:p="http://schemas.openxmlformats.org/presentationml/2006/main">
   <p:cSld>
     <p:spTree>
@@ -12446,7 +12793,7 @@
 </p:sld>
 </file>
 
-<file path=ppt/slides/slide4.xml><?xml version="1.0" encoding="utf-8"?>
+<file path=ppt/slides/slide5.xml><?xml version="1.0" encoding="utf-8"?>
 <p:sld xmlns:a="http://schemas.openxmlformats.org/drawingml/2006/main" xmlns:r="http://schemas.openxmlformats.org/officeDocument/2006/relationships" xmlns:p="http://schemas.openxmlformats.org/presentationml/2006/main">
   <p:cSld>
     <p:spTree>
@@ -16394,6 +16741,600 @@
     <p:extLst>
       <p:ext uri="{BB962C8B-B14F-4D97-AF65-F5344CB8AC3E}">
         <p14:creationId xmlns:p14="http://schemas.microsoft.com/office/powerpoint/2010/main" val="1205810503"/>
+      </p:ext>
+    </p:extLst>
+  </p:cSld>
+  <p:clrMapOvr>
+    <a:masterClrMapping/>
+  </p:clrMapOvr>
+</p:sld>
+</file>
+
+<file path=ppt/slides/slide6.xml><?xml version="1.0" encoding="utf-8"?>
+<p:sld xmlns:a="http://schemas.openxmlformats.org/drawingml/2006/main" xmlns:r="http://schemas.openxmlformats.org/officeDocument/2006/relationships" xmlns:p="http://schemas.openxmlformats.org/presentationml/2006/main">
+  <p:cSld>
+    <p:spTree>
+      <p:nvGrpSpPr>
+        <p:cNvPr id="1" name=""/>
+        <p:cNvGrpSpPr/>
+        <p:nvPr/>
+      </p:nvGrpSpPr>
+      <p:grpSpPr>
+        <a:xfrm>
+          <a:off x="0" y="0"/>
+          <a:ext cx="0" cy="0"/>
+          <a:chOff x="0" y="0"/>
+          <a:chExt cx="0" cy="0"/>
+        </a:xfrm>
+      </p:grpSpPr>
+      <p:sp>
+        <p:nvSpPr>
+          <p:cNvPr id="4" name="직사각형 3">
+            <a:extLst>
+              <a:ext uri="{FF2B5EF4-FFF2-40B4-BE49-F238E27FC236}">
+                <a16:creationId xmlns:a16="http://schemas.microsoft.com/office/drawing/2014/main" id="{4855698B-5B5C-9A4A-A1B7-701C859DC136}"/>
+              </a:ext>
+            </a:extLst>
+          </p:cNvPr>
+          <p:cNvSpPr/>
+          <p:nvPr/>
+        </p:nvSpPr>
+        <p:spPr>
+          <a:xfrm>
+            <a:off x="2667000" y="0"/>
+            <a:ext cx="6858000" cy="6858000"/>
+          </a:xfrm>
+          <a:prstGeom prst="rect">
+            <a:avLst/>
+          </a:prstGeom>
+          <a:solidFill>
+            <a:schemeClr val="bg1">
+              <a:lumMod val="85000"/>
+            </a:schemeClr>
+          </a:solidFill>
+          <a:ln>
+            <a:solidFill>
+              <a:schemeClr val="tx1"/>
+            </a:solidFill>
+          </a:ln>
+        </p:spPr>
+        <p:style>
+          <a:lnRef idx="2">
+            <a:schemeClr val="accent1">
+              <a:shade val="50000"/>
+            </a:schemeClr>
+          </a:lnRef>
+          <a:fillRef idx="1">
+            <a:schemeClr val="accent1"/>
+          </a:fillRef>
+          <a:effectRef idx="0">
+            <a:schemeClr val="accent1"/>
+          </a:effectRef>
+          <a:fontRef idx="minor">
+            <a:schemeClr val="lt1"/>
+          </a:fontRef>
+        </p:style>
+        <p:txBody>
+          <a:bodyPr rtlCol="0" anchor="ctr"/>
+          <a:lstStyle/>
+          <a:p>
+            <a:pPr algn="ctr"/>
+            <a:endParaRPr kumimoji="1" lang="ko-KR" altLang="en-US" dirty="0"/>
+          </a:p>
+        </p:txBody>
+      </p:sp>
+      <p:sp>
+        <p:nvSpPr>
+          <p:cNvPr id="16" name="TextBox 15">
+            <a:extLst>
+              <a:ext uri="{FF2B5EF4-FFF2-40B4-BE49-F238E27FC236}">
+                <a16:creationId xmlns:a16="http://schemas.microsoft.com/office/drawing/2014/main" id="{6B5FC1B1-FB9D-D24B-929A-03D65FCCB149}"/>
+              </a:ext>
+            </a:extLst>
+          </p:cNvPr>
+          <p:cNvSpPr txBox="1"/>
+          <p:nvPr/>
+        </p:nvSpPr>
+        <p:spPr>
+          <a:xfrm>
+            <a:off x="2667000" y="11023"/>
+            <a:ext cx="4341253" cy="400110"/>
+          </a:xfrm>
+          <a:prstGeom prst="rect">
+            <a:avLst/>
+          </a:prstGeom>
+          <a:noFill/>
+        </p:spPr>
+        <p:txBody>
+          <a:bodyPr wrap="none" rtlCol="0">
+            <a:spAutoFit/>
+          </a:bodyPr>
+          <a:lstStyle/>
+          <a:p>
+            <a:r>
+              <a:rPr kumimoji="1" lang="en-US" altLang="ko-KR" sz="2000" b="1" dirty="0">
+                <a:latin typeface="NanumGothic" panose="020D0604000000000000" pitchFamily="34" charset="-127"/>
+                <a:ea typeface="NanumGothic" panose="020D0604000000000000" pitchFamily="34" charset="-127"/>
+              </a:rPr>
+              <a:t>#4. </a:t>
+            </a:r>
+            <a:r>
+              <a:rPr kumimoji="1" lang="ko-KR" altLang="en-US" sz="2000" b="1" dirty="0">
+                <a:latin typeface="NanumGothic" panose="020D0604000000000000" pitchFamily="34" charset="-127"/>
+                <a:ea typeface="NanumGothic" panose="020D0604000000000000" pitchFamily="34" charset="-127"/>
+              </a:rPr>
+              <a:t>라이브러리</a:t>
+            </a:r>
+            <a:r>
+              <a:rPr kumimoji="1" lang="en-US" altLang="ko-KR" sz="2000" b="1" dirty="0">
+                <a:latin typeface="NanumGothic" panose="020D0604000000000000" pitchFamily="34" charset="-127"/>
+                <a:ea typeface="NanumGothic" panose="020D0604000000000000" pitchFamily="34" charset="-127"/>
+              </a:rPr>
+              <a:t>(</a:t>
+            </a:r>
+            <a:r>
+              <a:rPr kumimoji="1" lang="ko-KR" altLang="en-US" sz="2000" b="1" dirty="0">
+                <a:latin typeface="NanumGothic" panose="020D0604000000000000" pitchFamily="34" charset="-127"/>
+                <a:ea typeface="NanumGothic" panose="020D0604000000000000" pitchFamily="34" charset="-127"/>
+              </a:rPr>
+              <a:t>함수 꾸러미</a:t>
+            </a:r>
+            <a:r>
+              <a:rPr kumimoji="1" lang="en-US" altLang="ko-KR" sz="2000" b="1" dirty="0">
+                <a:latin typeface="NanumGothic" panose="020D0604000000000000" pitchFamily="34" charset="-127"/>
+                <a:ea typeface="NanumGothic" panose="020D0604000000000000" pitchFamily="34" charset="-127"/>
+              </a:rPr>
+              <a:t>)</a:t>
+            </a:r>
+            <a:r>
+              <a:rPr kumimoji="1" lang="ko-KR" altLang="en-US" sz="2000" b="1" dirty="0">
+                <a:latin typeface="NanumGothic" panose="020D0604000000000000" pitchFamily="34" charset="-127"/>
+                <a:ea typeface="NanumGothic" panose="020D0604000000000000" pitchFamily="34" charset="-127"/>
+              </a:rPr>
+              <a:t> 불러오기</a:t>
+            </a:r>
+          </a:p>
+        </p:txBody>
+      </p:sp>
+    </p:spTree>
+    <p:extLst>
+      <p:ext uri="{BB962C8B-B14F-4D97-AF65-F5344CB8AC3E}">
+        <p14:creationId xmlns:p14="http://schemas.microsoft.com/office/powerpoint/2010/main" val="1451566327"/>
+      </p:ext>
+    </p:extLst>
+  </p:cSld>
+  <p:clrMapOvr>
+    <a:masterClrMapping/>
+  </p:clrMapOvr>
+</p:sld>
+</file>
+
+<file path=ppt/slides/slide7.xml><?xml version="1.0" encoding="utf-8"?>
+<p:sld xmlns:a="http://schemas.openxmlformats.org/drawingml/2006/main" xmlns:r="http://schemas.openxmlformats.org/officeDocument/2006/relationships" xmlns:p="http://schemas.openxmlformats.org/presentationml/2006/main">
+  <p:cSld>
+    <p:spTree>
+      <p:nvGrpSpPr>
+        <p:cNvPr id="1" name=""/>
+        <p:cNvGrpSpPr/>
+        <p:nvPr/>
+      </p:nvGrpSpPr>
+      <p:grpSpPr>
+        <a:xfrm>
+          <a:off x="0" y="0"/>
+          <a:ext cx="0" cy="0"/>
+          <a:chOff x="0" y="0"/>
+          <a:chExt cx="0" cy="0"/>
+        </a:xfrm>
+      </p:grpSpPr>
+      <p:sp>
+        <p:nvSpPr>
+          <p:cNvPr id="4" name="직사각형 3">
+            <a:extLst>
+              <a:ext uri="{FF2B5EF4-FFF2-40B4-BE49-F238E27FC236}">
+                <a16:creationId xmlns:a16="http://schemas.microsoft.com/office/drawing/2014/main" id="{4855698B-5B5C-9A4A-A1B7-701C859DC136}"/>
+              </a:ext>
+            </a:extLst>
+          </p:cNvPr>
+          <p:cNvSpPr/>
+          <p:nvPr/>
+        </p:nvSpPr>
+        <p:spPr>
+          <a:xfrm>
+            <a:off x="2667000" y="0"/>
+            <a:ext cx="6858000" cy="6858000"/>
+          </a:xfrm>
+          <a:prstGeom prst="rect">
+            <a:avLst/>
+          </a:prstGeom>
+          <a:solidFill>
+            <a:schemeClr val="bg1">
+              <a:lumMod val="85000"/>
+            </a:schemeClr>
+          </a:solidFill>
+          <a:ln>
+            <a:solidFill>
+              <a:schemeClr val="tx1"/>
+            </a:solidFill>
+          </a:ln>
+        </p:spPr>
+        <p:style>
+          <a:lnRef idx="2">
+            <a:schemeClr val="accent1">
+              <a:shade val="50000"/>
+            </a:schemeClr>
+          </a:lnRef>
+          <a:fillRef idx="1">
+            <a:schemeClr val="accent1"/>
+          </a:fillRef>
+          <a:effectRef idx="0">
+            <a:schemeClr val="accent1"/>
+          </a:effectRef>
+          <a:fontRef idx="minor">
+            <a:schemeClr val="lt1"/>
+          </a:fontRef>
+        </p:style>
+        <p:txBody>
+          <a:bodyPr rtlCol="0" anchor="ctr"/>
+          <a:lstStyle/>
+          <a:p>
+            <a:pPr algn="ctr"/>
+            <a:endParaRPr kumimoji="1" lang="ko-KR" altLang="en-US" dirty="0"/>
+          </a:p>
+        </p:txBody>
+      </p:sp>
+      <p:sp>
+        <p:nvSpPr>
+          <p:cNvPr id="16" name="TextBox 15">
+            <a:extLst>
+              <a:ext uri="{FF2B5EF4-FFF2-40B4-BE49-F238E27FC236}">
+                <a16:creationId xmlns:a16="http://schemas.microsoft.com/office/drawing/2014/main" id="{6B5FC1B1-FB9D-D24B-929A-03D65FCCB149}"/>
+              </a:ext>
+            </a:extLst>
+          </p:cNvPr>
+          <p:cNvSpPr txBox="1"/>
+          <p:nvPr/>
+        </p:nvSpPr>
+        <p:spPr>
+          <a:xfrm>
+            <a:off x="2667000" y="11023"/>
+            <a:ext cx="1919115" cy="400110"/>
+          </a:xfrm>
+          <a:prstGeom prst="rect">
+            <a:avLst/>
+          </a:prstGeom>
+          <a:noFill/>
+        </p:spPr>
+        <p:txBody>
+          <a:bodyPr wrap="none" rtlCol="0">
+            <a:spAutoFit/>
+          </a:bodyPr>
+          <a:lstStyle/>
+          <a:p>
+            <a:r>
+              <a:rPr kumimoji="1" lang="en-US" altLang="ko-KR" sz="2000" b="1" dirty="0">
+                <a:latin typeface="NanumGothic" panose="020D0604000000000000" pitchFamily="34" charset="-127"/>
+                <a:ea typeface="NanumGothic" panose="020D0604000000000000" pitchFamily="34" charset="-127"/>
+              </a:rPr>
+              <a:t>#5. </a:t>
+            </a:r>
+            <a:r>
+              <a:rPr kumimoji="1" lang="ko-KR" altLang="en-US" sz="2000" b="1" dirty="0">
+                <a:latin typeface="NanumGothic" panose="020D0604000000000000" pitchFamily="34" charset="-127"/>
+                <a:ea typeface="NanumGothic" panose="020D0604000000000000" pitchFamily="34" charset="-127"/>
+              </a:rPr>
+              <a:t>리스트 정리</a:t>
+            </a:r>
+          </a:p>
+        </p:txBody>
+      </p:sp>
+    </p:spTree>
+    <p:extLst>
+      <p:ext uri="{BB962C8B-B14F-4D97-AF65-F5344CB8AC3E}">
+        <p14:creationId xmlns:p14="http://schemas.microsoft.com/office/powerpoint/2010/main" val="2412085226"/>
+      </p:ext>
+    </p:extLst>
+  </p:cSld>
+  <p:clrMapOvr>
+    <a:masterClrMapping/>
+  </p:clrMapOvr>
+</p:sld>
+</file>
+
+<file path=ppt/slides/slide8.xml><?xml version="1.0" encoding="utf-8"?>
+<p:sld xmlns:a="http://schemas.openxmlformats.org/drawingml/2006/main" xmlns:r="http://schemas.openxmlformats.org/officeDocument/2006/relationships" xmlns:p="http://schemas.openxmlformats.org/presentationml/2006/main">
+  <p:cSld>
+    <p:spTree>
+      <p:nvGrpSpPr>
+        <p:cNvPr id="1" name=""/>
+        <p:cNvGrpSpPr/>
+        <p:nvPr/>
+      </p:nvGrpSpPr>
+      <p:grpSpPr>
+        <a:xfrm>
+          <a:off x="0" y="0"/>
+          <a:ext cx="0" cy="0"/>
+          <a:chOff x="0" y="0"/>
+          <a:chExt cx="0" cy="0"/>
+        </a:xfrm>
+      </p:grpSpPr>
+      <p:sp>
+        <p:nvSpPr>
+          <p:cNvPr id="4" name="직사각형 3">
+            <a:extLst>
+              <a:ext uri="{FF2B5EF4-FFF2-40B4-BE49-F238E27FC236}">
+                <a16:creationId xmlns:a16="http://schemas.microsoft.com/office/drawing/2014/main" id="{4855698B-5B5C-9A4A-A1B7-701C859DC136}"/>
+              </a:ext>
+            </a:extLst>
+          </p:cNvPr>
+          <p:cNvSpPr/>
+          <p:nvPr/>
+        </p:nvSpPr>
+        <p:spPr>
+          <a:xfrm>
+            <a:off x="2667000" y="0"/>
+            <a:ext cx="6858000" cy="6858000"/>
+          </a:xfrm>
+          <a:prstGeom prst="rect">
+            <a:avLst/>
+          </a:prstGeom>
+          <a:solidFill>
+            <a:schemeClr val="bg1">
+              <a:lumMod val="85000"/>
+            </a:schemeClr>
+          </a:solidFill>
+          <a:ln>
+            <a:solidFill>
+              <a:schemeClr val="tx1"/>
+            </a:solidFill>
+          </a:ln>
+        </p:spPr>
+        <p:style>
+          <a:lnRef idx="2">
+            <a:schemeClr val="accent1">
+              <a:shade val="50000"/>
+            </a:schemeClr>
+          </a:lnRef>
+          <a:fillRef idx="1">
+            <a:schemeClr val="accent1"/>
+          </a:fillRef>
+          <a:effectRef idx="0">
+            <a:schemeClr val="accent1"/>
+          </a:effectRef>
+          <a:fontRef idx="minor">
+            <a:schemeClr val="lt1"/>
+          </a:fontRef>
+        </p:style>
+        <p:txBody>
+          <a:bodyPr rtlCol="0" anchor="ctr"/>
+          <a:lstStyle/>
+          <a:p>
+            <a:pPr algn="ctr"/>
+            <a:endParaRPr kumimoji="1" lang="ko-KR" altLang="en-US" dirty="0"/>
+          </a:p>
+        </p:txBody>
+      </p:sp>
+      <p:sp>
+        <p:nvSpPr>
+          <p:cNvPr id="16" name="TextBox 15">
+            <a:extLst>
+              <a:ext uri="{FF2B5EF4-FFF2-40B4-BE49-F238E27FC236}">
+                <a16:creationId xmlns:a16="http://schemas.microsoft.com/office/drawing/2014/main" id="{6B5FC1B1-FB9D-D24B-929A-03D65FCCB149}"/>
+              </a:ext>
+            </a:extLst>
+          </p:cNvPr>
+          <p:cNvSpPr txBox="1"/>
+          <p:nvPr/>
+        </p:nvSpPr>
+        <p:spPr>
+          <a:xfrm>
+            <a:off x="2667000" y="11023"/>
+            <a:ext cx="2472152" cy="400110"/>
+          </a:xfrm>
+          <a:prstGeom prst="rect">
+            <a:avLst/>
+          </a:prstGeom>
+          <a:noFill/>
+        </p:spPr>
+        <p:txBody>
+          <a:bodyPr wrap="none" rtlCol="0">
+            <a:spAutoFit/>
+          </a:bodyPr>
+          <a:lstStyle/>
+          <a:p>
+            <a:r>
+              <a:rPr kumimoji="1" lang="en-US" altLang="ko-KR" sz="2000" b="1" dirty="0">
+                <a:latin typeface="NanumGothic" panose="020D0604000000000000" pitchFamily="34" charset="-127"/>
+                <a:ea typeface="NanumGothic" panose="020D0604000000000000" pitchFamily="34" charset="-127"/>
+              </a:rPr>
+              <a:t>#6. </a:t>
+            </a:r>
+            <a:r>
+              <a:rPr kumimoji="1" lang="ko-KR" altLang="en-US" sz="2000" b="1" dirty="0">
+                <a:latin typeface="NanumGothic" panose="020D0604000000000000" pitchFamily="34" charset="-127"/>
+                <a:ea typeface="NanumGothic" panose="020D0604000000000000" pitchFamily="34" charset="-127"/>
+              </a:rPr>
+              <a:t>파일 입출력</a:t>
+            </a:r>
+            <a:r>
+              <a:rPr kumimoji="1" lang="en-US" altLang="ko-KR" sz="2000" b="1" dirty="0">
+                <a:latin typeface="NanumGothic" panose="020D0604000000000000" pitchFamily="34" charset="-127"/>
+                <a:ea typeface="NanumGothic" panose="020D0604000000000000" pitchFamily="34" charset="-127"/>
+              </a:rPr>
+              <a:t> </a:t>
+            </a:r>
+            <a:r>
+              <a:rPr kumimoji="1" lang="ko-KR" altLang="en-US" sz="2000" b="1" dirty="0">
+                <a:latin typeface="NanumGothic" panose="020D0604000000000000" pitchFamily="34" charset="-127"/>
+                <a:ea typeface="NanumGothic" panose="020D0604000000000000" pitchFamily="34" charset="-127"/>
+              </a:rPr>
+              <a:t>정리</a:t>
+            </a:r>
+          </a:p>
+        </p:txBody>
+      </p:sp>
+    </p:spTree>
+    <p:extLst>
+      <p:ext uri="{BB962C8B-B14F-4D97-AF65-F5344CB8AC3E}">
+        <p14:creationId xmlns:p14="http://schemas.microsoft.com/office/powerpoint/2010/main" val="2820774834"/>
+      </p:ext>
+    </p:extLst>
+  </p:cSld>
+  <p:clrMapOvr>
+    <a:masterClrMapping/>
+  </p:clrMapOvr>
+</p:sld>
+</file>
+
+<file path=ppt/slides/slide9.xml><?xml version="1.0" encoding="utf-8"?>
+<p:sld xmlns:a="http://schemas.openxmlformats.org/drawingml/2006/main" xmlns:r="http://schemas.openxmlformats.org/officeDocument/2006/relationships" xmlns:p="http://schemas.openxmlformats.org/presentationml/2006/main">
+  <p:cSld>
+    <p:spTree>
+      <p:nvGrpSpPr>
+        <p:cNvPr id="1" name=""/>
+        <p:cNvGrpSpPr/>
+        <p:nvPr/>
+      </p:nvGrpSpPr>
+      <p:grpSpPr>
+        <a:xfrm>
+          <a:off x="0" y="0"/>
+          <a:ext cx="0" cy="0"/>
+          <a:chOff x="0" y="0"/>
+          <a:chExt cx="0" cy="0"/>
+        </a:xfrm>
+      </p:grpSpPr>
+      <p:sp>
+        <p:nvSpPr>
+          <p:cNvPr id="4" name="직사각형 3">
+            <a:extLst>
+              <a:ext uri="{FF2B5EF4-FFF2-40B4-BE49-F238E27FC236}">
+                <a16:creationId xmlns:a16="http://schemas.microsoft.com/office/drawing/2014/main" id="{4855698B-5B5C-9A4A-A1B7-701C859DC136}"/>
+              </a:ext>
+            </a:extLst>
+          </p:cNvPr>
+          <p:cNvSpPr/>
+          <p:nvPr/>
+        </p:nvSpPr>
+        <p:spPr>
+          <a:xfrm>
+            <a:off x="2667000" y="0"/>
+            <a:ext cx="6858000" cy="6858000"/>
+          </a:xfrm>
+          <a:prstGeom prst="rect">
+            <a:avLst/>
+          </a:prstGeom>
+          <a:solidFill>
+            <a:schemeClr val="bg1">
+              <a:lumMod val="85000"/>
+            </a:schemeClr>
+          </a:solidFill>
+          <a:ln>
+            <a:solidFill>
+              <a:schemeClr val="tx1"/>
+            </a:solidFill>
+          </a:ln>
+        </p:spPr>
+        <p:style>
+          <a:lnRef idx="2">
+            <a:schemeClr val="accent1">
+              <a:shade val="50000"/>
+            </a:schemeClr>
+          </a:lnRef>
+          <a:fillRef idx="1">
+            <a:schemeClr val="accent1"/>
+          </a:fillRef>
+          <a:effectRef idx="0">
+            <a:schemeClr val="accent1"/>
+          </a:effectRef>
+          <a:fontRef idx="minor">
+            <a:schemeClr val="lt1"/>
+          </a:fontRef>
+        </p:style>
+        <p:txBody>
+          <a:bodyPr rtlCol="0" anchor="ctr"/>
+          <a:lstStyle/>
+          <a:p>
+            <a:pPr algn="ctr"/>
+            <a:endParaRPr kumimoji="1" lang="ko-KR" altLang="en-US" dirty="0"/>
+          </a:p>
+        </p:txBody>
+      </p:sp>
+      <p:sp>
+        <p:nvSpPr>
+          <p:cNvPr id="16" name="TextBox 15">
+            <a:extLst>
+              <a:ext uri="{FF2B5EF4-FFF2-40B4-BE49-F238E27FC236}">
+                <a16:creationId xmlns:a16="http://schemas.microsoft.com/office/drawing/2014/main" id="{6B5FC1B1-FB9D-D24B-929A-03D65FCCB149}"/>
+              </a:ext>
+            </a:extLst>
+          </p:cNvPr>
+          <p:cNvSpPr txBox="1"/>
+          <p:nvPr/>
+        </p:nvSpPr>
+        <p:spPr>
+          <a:xfrm>
+            <a:off x="2667000" y="11023"/>
+            <a:ext cx="5384807" cy="400110"/>
+          </a:xfrm>
+          <a:prstGeom prst="rect">
+            <a:avLst/>
+          </a:prstGeom>
+          <a:noFill/>
+        </p:spPr>
+        <p:txBody>
+          <a:bodyPr wrap="none" rtlCol="0">
+            <a:spAutoFit/>
+          </a:bodyPr>
+          <a:lstStyle/>
+          <a:p>
+            <a:r>
+              <a:rPr kumimoji="1" lang="en-US" altLang="ko-KR" sz="2000" b="1" dirty="0">
+                <a:latin typeface="NanumGothic" panose="020D0604000000000000" pitchFamily="34" charset="-127"/>
+                <a:ea typeface="NanumGothic" panose="020D0604000000000000" pitchFamily="34" charset="-127"/>
+              </a:rPr>
+              <a:t>#7. </a:t>
+            </a:r>
+            <a:r>
+              <a:rPr kumimoji="1" lang="ko-KR" altLang="en-US" sz="2000" b="1" dirty="0">
+                <a:latin typeface="NanumGothic" panose="020D0604000000000000" pitchFamily="34" charset="-127"/>
+                <a:ea typeface="NanumGothic" panose="020D0604000000000000" pitchFamily="34" charset="-127"/>
+              </a:rPr>
+              <a:t>그래프 그리기</a:t>
+            </a:r>
+            <a:r>
+              <a:rPr kumimoji="1" lang="en-US" altLang="ko-KR" sz="2000" b="1" dirty="0">
+                <a:latin typeface="NanumGothic" panose="020D0604000000000000" pitchFamily="34" charset="-127"/>
+                <a:ea typeface="NanumGothic" panose="020D0604000000000000" pitchFamily="34" charset="-127"/>
+              </a:rPr>
+              <a:t>(matplotlib</a:t>
+            </a:r>
+            <a:r>
+              <a:rPr kumimoji="1" lang="ko-KR" altLang="en-US" sz="2000" b="1" dirty="0">
+                <a:latin typeface="NanumGothic" panose="020D0604000000000000" pitchFamily="34" charset="-127"/>
+                <a:ea typeface="NanumGothic" panose="020D0604000000000000" pitchFamily="34" charset="-127"/>
+              </a:rPr>
+              <a:t> 라이브러리</a:t>
+            </a:r>
+            <a:r>
+              <a:rPr kumimoji="1" lang="en-US" altLang="ko-KR" sz="2000" b="1" dirty="0">
+                <a:latin typeface="NanumGothic" panose="020D0604000000000000" pitchFamily="34" charset="-127"/>
+                <a:ea typeface="NanumGothic" panose="020D0604000000000000" pitchFamily="34" charset="-127"/>
+              </a:rPr>
+              <a:t>)</a:t>
+            </a:r>
+            <a:r>
+              <a:rPr kumimoji="1" lang="ko-KR" altLang="en-US" sz="2000" b="1" dirty="0">
+                <a:latin typeface="NanumGothic" panose="020D0604000000000000" pitchFamily="34" charset="-127"/>
+                <a:ea typeface="NanumGothic" panose="020D0604000000000000" pitchFamily="34" charset="-127"/>
+              </a:rPr>
+              <a:t> 정리</a:t>
+            </a:r>
+          </a:p>
+        </p:txBody>
+      </p:sp>
+    </p:spTree>
+    <p:extLst>
+      <p:ext uri="{BB962C8B-B14F-4D97-AF65-F5344CB8AC3E}">
+        <p14:creationId xmlns:p14="http://schemas.microsoft.com/office/powerpoint/2010/main" val="3565368286"/>
       </p:ext>
     </p:extLst>
   </p:cSld>
